--- a/12_MCC/12_MCC_Corrige.pptx
+++ b/12_MCC/12_MCC_Corrige.pptx
@@ -357,7 +357,7 @@
           <a:p>
             <a:fld id="{D7F135F6-2A09-4FDD-9ECA-096E230CA0FA}" type="datetimeFigureOut">
               <a:rPr lang="fr-FR" smtClean="0"/>
-              <a:t>11/09/2023</a:t>
+              <a:t>15/09/2023</a:t>
             </a:fld>
             <a:endParaRPr lang="fr-FR"/>
           </a:p>
@@ -562,7 +562,7 @@
           <a:p>
             <a:fld id="{D7F135F6-2A09-4FDD-9ECA-096E230CA0FA}" type="datetimeFigureOut">
               <a:rPr lang="fr-FR" smtClean="0"/>
-              <a:t>11/09/2023</a:t>
+              <a:t>15/09/2023</a:t>
             </a:fld>
             <a:endParaRPr lang="fr-FR"/>
           </a:p>
@@ -818,7 +818,7 @@
           <a:p>
             <a:fld id="{D7F135F6-2A09-4FDD-9ECA-096E230CA0FA}" type="datetimeFigureOut">
               <a:rPr lang="fr-FR" smtClean="0"/>
-              <a:t>11/09/2023</a:t>
+              <a:t>15/09/2023</a:t>
             </a:fld>
             <a:endParaRPr lang="fr-FR"/>
           </a:p>
@@ -1024,7 +1024,7 @@
           <a:p>
             <a:fld id="{D7F135F6-2A09-4FDD-9ECA-096E230CA0FA}" type="datetimeFigureOut">
               <a:rPr lang="fr-FR" smtClean="0"/>
-              <a:t>11/09/2023</a:t>
+              <a:t>15/09/2023</a:t>
             </a:fld>
             <a:endParaRPr lang="fr-FR"/>
           </a:p>
@@ -1386,7 +1386,7 @@
           <a:p>
             <a:fld id="{D7F135F6-2A09-4FDD-9ECA-096E230CA0FA}" type="datetimeFigureOut">
               <a:rPr lang="fr-FR" smtClean="0"/>
-              <a:t>11/09/2023</a:t>
+              <a:t>15/09/2023</a:t>
             </a:fld>
             <a:endParaRPr lang="fr-FR"/>
           </a:p>
@@ -1661,7 +1661,7 @@
           <a:p>
             <a:fld id="{D7F135F6-2A09-4FDD-9ECA-096E230CA0FA}" type="datetimeFigureOut">
               <a:rPr lang="fr-FR" smtClean="0"/>
-              <a:t>11/09/2023</a:t>
+              <a:t>15/09/2023</a:t>
             </a:fld>
             <a:endParaRPr lang="fr-FR"/>
           </a:p>
@@ -2040,7 +2040,7 @@
           <a:p>
             <a:fld id="{D7F135F6-2A09-4FDD-9ECA-096E230CA0FA}" type="datetimeFigureOut">
               <a:rPr lang="fr-FR" smtClean="0"/>
-              <a:t>11/09/2023</a:t>
+              <a:t>15/09/2023</a:t>
             </a:fld>
             <a:endParaRPr lang="fr-FR"/>
           </a:p>
@@ -2158,7 +2158,7 @@
           <a:p>
             <a:fld id="{D7F135F6-2A09-4FDD-9ECA-096E230CA0FA}" type="datetimeFigureOut">
               <a:rPr lang="fr-FR" smtClean="0"/>
-              <a:t>11/09/2023</a:t>
+              <a:t>15/09/2023</a:t>
             </a:fld>
             <a:endParaRPr lang="fr-FR"/>
           </a:p>
@@ -2332,7 +2332,7 @@
           <a:p>
             <a:fld id="{D7F135F6-2A09-4FDD-9ECA-096E230CA0FA}" type="datetimeFigureOut">
               <a:rPr lang="fr-FR" smtClean="0"/>
-              <a:t>11/09/2023</a:t>
+              <a:t>15/09/2023</a:t>
             </a:fld>
             <a:endParaRPr lang="fr-FR"/>
           </a:p>
@@ -2689,7 +2689,7 @@
           <a:p>
             <a:fld id="{D7F135F6-2A09-4FDD-9ECA-096E230CA0FA}" type="datetimeFigureOut">
               <a:rPr lang="fr-FR" smtClean="0"/>
-              <a:t>11/09/2023</a:t>
+              <a:t>15/09/2023</a:t>
             </a:fld>
             <a:endParaRPr lang="fr-FR"/>
           </a:p>
@@ -3074,7 +3074,7 @@
           <a:p>
             <a:fld id="{D7F135F6-2A09-4FDD-9ECA-096E230CA0FA}" type="datetimeFigureOut">
               <a:rPr lang="fr-FR" smtClean="0"/>
-              <a:t>11/09/2023</a:t>
+              <a:t>15/09/2023</a:t>
             </a:fld>
             <a:endParaRPr lang="fr-FR"/>
           </a:p>
@@ -3364,7 +3364,7 @@
           <a:p>
             <a:fld id="{D7F135F6-2A09-4FDD-9ECA-096E230CA0FA}" type="datetimeFigureOut">
               <a:rPr lang="fr-FR" smtClean="0"/>
-              <a:t>11/09/2023</a:t>
+              <a:t>15/09/2023</a:t>
             </a:fld>
             <a:endParaRPr lang="fr-FR" dirty="0"/>
           </a:p>
@@ -5274,8 +5274,8 @@
             </p:txBody>
           </p:sp>
         </p:grpSp>
-        <mc:AlternateContent xmlns:mc="http://schemas.openxmlformats.org/markup-compatibility/2006">
-          <mc:Choice xmlns:a14="http://schemas.microsoft.com/office/drawing/2010/main" Requires="a14">
+        <mc:AlternateContent xmlns:mc="http://schemas.openxmlformats.org/markup-compatibility/2006" xmlns:a14="http://schemas.microsoft.com/office/drawing/2010/main">
+          <mc:Choice Requires="a14">
             <p:sp>
               <p:nvSpPr>
                 <p:cNvPr id="42" name="ZoneTexte 41">
@@ -5304,6 +5304,7 @@
                 </a:bodyPr>
                 <a:lstStyle/>
                 <a:p>
+                  <a:pPr/>
                   <a14:m>
                     <m:oMathPara xmlns:m="http://schemas.openxmlformats.org/officeDocument/2006/math">
                       <m:oMathParaPr>
@@ -5324,7 +5325,7 @@
               </p:txBody>
             </p:sp>
           </mc:Choice>
-          <mc:Fallback>
+          <mc:Fallback xmlns="">
             <p:sp>
               <p:nvSpPr>
                 <p:cNvPr id="42" name="ZoneTexte 41">
@@ -5369,8 +5370,8 @@
             </p:sp>
           </mc:Fallback>
         </mc:AlternateContent>
-        <mc:AlternateContent xmlns:mc="http://schemas.openxmlformats.org/markup-compatibility/2006">
-          <mc:Choice xmlns:a14="http://schemas.microsoft.com/office/drawing/2010/main" Requires="a14">
+        <mc:AlternateContent xmlns:mc="http://schemas.openxmlformats.org/markup-compatibility/2006" xmlns:a14="http://schemas.microsoft.com/office/drawing/2010/main">
+          <mc:Choice Requires="a14">
             <p:sp>
               <p:nvSpPr>
                 <p:cNvPr id="46" name="ZoneTexte 45">
@@ -5399,6 +5400,7 @@
                 </a:bodyPr>
                 <a:lstStyle/>
                 <a:p>
+                  <a:pPr/>
                   <a14:m>
                     <m:oMathPara xmlns:m="http://schemas.openxmlformats.org/officeDocument/2006/math">
                       <m:oMathParaPr>
@@ -5431,7 +5433,7 @@
               </p:txBody>
             </p:sp>
           </mc:Choice>
-          <mc:Fallback>
+          <mc:Fallback xmlns="">
             <p:sp>
               <p:nvSpPr>
                 <p:cNvPr id="46" name="ZoneTexte 45">
@@ -5476,8 +5478,8 @@
             </p:sp>
           </mc:Fallback>
         </mc:AlternateContent>
-        <mc:AlternateContent xmlns:mc="http://schemas.openxmlformats.org/markup-compatibility/2006">
-          <mc:Choice xmlns:a14="http://schemas.microsoft.com/office/drawing/2010/main" Requires="a14">
+        <mc:AlternateContent xmlns:mc="http://schemas.openxmlformats.org/markup-compatibility/2006" xmlns:a14="http://schemas.microsoft.com/office/drawing/2010/main">
+          <mc:Choice Requires="a14">
             <p:sp>
               <p:nvSpPr>
                 <p:cNvPr id="48" name="ZoneTexte 47">
@@ -5506,6 +5508,7 @@
                 </a:bodyPr>
                 <a:lstStyle/>
                 <a:p>
+                  <a:pPr/>
                   <a14:m>
                     <m:oMathPara xmlns:m="http://schemas.openxmlformats.org/officeDocument/2006/math">
                       <m:oMathParaPr>
@@ -5526,7 +5529,7 @@
               </p:txBody>
             </p:sp>
           </mc:Choice>
-          <mc:Fallback>
+          <mc:Fallback xmlns="">
             <p:sp>
               <p:nvSpPr>
                 <p:cNvPr id="48" name="ZoneTexte 47">
@@ -5571,8 +5574,8 @@
             </p:sp>
           </mc:Fallback>
         </mc:AlternateContent>
-        <mc:AlternateContent xmlns:mc="http://schemas.openxmlformats.org/markup-compatibility/2006">
-          <mc:Choice xmlns:a14="http://schemas.microsoft.com/office/drawing/2010/main" Requires="a14">
+        <mc:AlternateContent xmlns:mc="http://schemas.openxmlformats.org/markup-compatibility/2006" xmlns:a14="http://schemas.microsoft.com/office/drawing/2010/main">
+          <mc:Choice Requires="a14">
             <p:sp>
               <p:nvSpPr>
                 <p:cNvPr id="49" name="ZoneTexte 48">
@@ -5601,6 +5604,7 @@
                 </a:bodyPr>
                 <a:lstStyle/>
                 <a:p>
+                  <a:pPr/>
                   <a14:m>
                     <m:oMathPara xmlns:m="http://schemas.openxmlformats.org/officeDocument/2006/math">
                       <m:oMathParaPr>
@@ -5633,7 +5637,7 @@
               </p:txBody>
             </p:sp>
           </mc:Choice>
-          <mc:Fallback>
+          <mc:Fallback xmlns="">
             <p:sp>
               <p:nvSpPr>
                 <p:cNvPr id="49" name="ZoneTexte 48">
@@ -5678,8 +5682,8 @@
             </p:sp>
           </mc:Fallback>
         </mc:AlternateContent>
-        <mc:AlternateContent xmlns:mc="http://schemas.openxmlformats.org/markup-compatibility/2006">
-          <mc:Choice xmlns:a14="http://schemas.microsoft.com/office/drawing/2010/main" Requires="a14">
+        <mc:AlternateContent xmlns:mc="http://schemas.openxmlformats.org/markup-compatibility/2006" xmlns:a14="http://schemas.microsoft.com/office/drawing/2010/main">
+          <mc:Choice Requires="a14">
             <p:sp>
               <p:nvSpPr>
                 <p:cNvPr id="50" name="ZoneTexte 49">
@@ -5708,6 +5712,7 @@
                 </a:bodyPr>
                 <a:lstStyle/>
                 <a:p>
+                  <a:pPr/>
                   <a14:m>
                     <m:oMathPara xmlns:m="http://schemas.openxmlformats.org/officeDocument/2006/math">
                       <m:oMathParaPr>
@@ -5736,7 +5741,7 @@
               </p:txBody>
             </p:sp>
           </mc:Choice>
-          <mc:Fallback>
+          <mc:Fallback xmlns="">
             <p:sp>
               <p:nvSpPr>
                 <p:cNvPr id="50" name="ZoneTexte 49">
@@ -5781,8 +5786,8 @@
             </p:sp>
           </mc:Fallback>
         </mc:AlternateContent>
-        <mc:AlternateContent xmlns:mc="http://schemas.openxmlformats.org/markup-compatibility/2006">
-          <mc:Choice xmlns:a14="http://schemas.microsoft.com/office/drawing/2010/main" Requires="a14">
+        <mc:AlternateContent xmlns:mc="http://schemas.openxmlformats.org/markup-compatibility/2006" xmlns:a14="http://schemas.microsoft.com/office/drawing/2010/main">
+          <mc:Choice Requires="a14">
             <p:sp>
               <p:nvSpPr>
                 <p:cNvPr id="51" name="ZoneTexte 50">
@@ -5811,6 +5816,7 @@
                 </a:bodyPr>
                 <a:lstStyle/>
                 <a:p>
+                  <a:pPr/>
                   <a14:m>
                     <m:oMathPara xmlns:m="http://schemas.openxmlformats.org/officeDocument/2006/math">
                       <m:oMathParaPr>
@@ -5839,7 +5845,7 @@
               </p:txBody>
             </p:sp>
           </mc:Choice>
-          <mc:Fallback>
+          <mc:Fallback xmlns="">
             <p:sp>
               <p:nvSpPr>
                 <p:cNvPr id="51" name="ZoneTexte 50">
@@ -6108,8 +6114,8 @@
             </a:p>
           </p:txBody>
         </p:sp>
-        <mc:AlternateContent xmlns:mc="http://schemas.openxmlformats.org/markup-compatibility/2006">
-          <mc:Choice xmlns:a14="http://schemas.microsoft.com/office/drawing/2010/main" Requires="a14">
+        <mc:AlternateContent xmlns:mc="http://schemas.openxmlformats.org/markup-compatibility/2006" xmlns:a14="http://schemas.microsoft.com/office/drawing/2010/main">
+          <mc:Choice Requires="a14">
             <p:sp>
               <p:nvSpPr>
                 <p:cNvPr id="56" name="ZoneTexte 55">
@@ -6138,6 +6144,7 @@
                 </a:bodyPr>
                 <a:lstStyle/>
                 <a:p>
+                  <a:pPr/>
                   <a14:m>
                     <m:oMathPara xmlns:m="http://schemas.openxmlformats.org/officeDocument/2006/math">
                       <m:oMathParaPr>
@@ -6180,7 +6187,7 @@
               </p:txBody>
             </p:sp>
           </mc:Choice>
-          <mc:Fallback>
+          <mc:Fallback xmlns="">
             <p:sp>
               <p:nvSpPr>
                 <p:cNvPr id="56" name="ZoneTexte 55">
@@ -6225,8 +6232,8 @@
             </p:sp>
           </mc:Fallback>
         </mc:AlternateContent>
-        <mc:AlternateContent xmlns:mc="http://schemas.openxmlformats.org/markup-compatibility/2006">
-          <mc:Choice xmlns:a14="http://schemas.microsoft.com/office/drawing/2010/main" Requires="a14">
+        <mc:AlternateContent xmlns:mc="http://schemas.openxmlformats.org/markup-compatibility/2006" xmlns:a14="http://schemas.microsoft.com/office/drawing/2010/main">
+          <mc:Choice Requires="a14">
             <p:sp>
               <p:nvSpPr>
                 <p:cNvPr id="57" name="ZoneTexte 56">
@@ -6255,6 +6262,7 @@
                 </a:bodyPr>
                 <a:lstStyle/>
                 <a:p>
+                  <a:pPr/>
                   <a14:m>
                     <m:oMathPara xmlns:m="http://schemas.openxmlformats.org/officeDocument/2006/math">
                       <m:oMathParaPr>
@@ -6310,7 +6318,7 @@
               </p:txBody>
             </p:sp>
           </mc:Choice>
-          <mc:Fallback>
+          <mc:Fallback xmlns="">
             <p:sp>
               <p:nvSpPr>
                 <p:cNvPr id="57" name="ZoneTexte 56">
@@ -6355,8 +6363,8 @@
             </p:sp>
           </mc:Fallback>
         </mc:AlternateContent>
-        <mc:AlternateContent xmlns:mc="http://schemas.openxmlformats.org/markup-compatibility/2006">
-          <mc:Choice xmlns:a14="http://schemas.microsoft.com/office/drawing/2010/main" Requires="a14">
+        <mc:AlternateContent xmlns:mc="http://schemas.openxmlformats.org/markup-compatibility/2006" xmlns:a14="http://schemas.microsoft.com/office/drawing/2010/main">
+          <mc:Choice Requires="a14">
             <p:sp>
               <p:nvSpPr>
                 <p:cNvPr id="58" name="ZoneTexte 57">
@@ -6385,6 +6393,7 @@
                 </a:bodyPr>
                 <a:lstStyle/>
                 <a:p>
+                  <a:pPr/>
                   <a14:m>
                     <m:oMathPara xmlns:m="http://schemas.openxmlformats.org/officeDocument/2006/math">
                       <m:oMathParaPr>
@@ -6440,7 +6449,7 @@
               </p:txBody>
             </p:sp>
           </mc:Choice>
-          <mc:Fallback>
+          <mc:Fallback xmlns="">
             <p:sp>
               <p:nvSpPr>
                 <p:cNvPr id="58" name="ZoneTexte 57">
@@ -6485,8 +6494,8 @@
             </p:sp>
           </mc:Fallback>
         </mc:AlternateContent>
-        <mc:AlternateContent xmlns:mc="http://schemas.openxmlformats.org/markup-compatibility/2006">
-          <mc:Choice xmlns:a14="http://schemas.microsoft.com/office/drawing/2010/main" Requires="a14">
+        <mc:AlternateContent xmlns:mc="http://schemas.openxmlformats.org/markup-compatibility/2006" xmlns:a14="http://schemas.microsoft.com/office/drawing/2010/main">
+          <mc:Choice Requires="a14">
             <p:sp>
               <p:nvSpPr>
                 <p:cNvPr id="59" name="ZoneTexte 58">
@@ -6515,6 +6524,7 @@
                 </a:bodyPr>
                 <a:lstStyle/>
                 <a:p>
+                  <a:pPr/>
                   <a14:m>
                     <m:oMathPara xmlns:m="http://schemas.openxmlformats.org/officeDocument/2006/math">
                       <m:oMathParaPr>
@@ -6557,7 +6567,7 @@
               </p:txBody>
             </p:sp>
           </mc:Choice>
-          <mc:Fallback>
+          <mc:Fallback xmlns="">
             <p:sp>
               <p:nvSpPr>
                 <p:cNvPr id="59" name="ZoneTexte 58">
@@ -6633,8 +6643,8 @@
           </a:prstGeom>
         </p:spPr>
       </p:pic>
-      <mc:AlternateContent xmlns:mc="http://schemas.openxmlformats.org/markup-compatibility/2006">
-        <mc:Choice xmlns:a14="http://schemas.microsoft.com/office/drawing/2010/main" Requires="a14">
+      <mc:AlternateContent xmlns:mc="http://schemas.openxmlformats.org/markup-compatibility/2006" xmlns:a14="http://schemas.microsoft.com/office/drawing/2010/main">
+        <mc:Choice Requires="a14">
           <p:sp>
             <p:nvSpPr>
               <p:cNvPr id="64" name="ZoneTexte 63">
@@ -6663,6 +6673,7 @@
               </a:bodyPr>
               <a:lstStyle/>
               <a:p>
+                <a:pPr/>
                 <a14:m>
                   <m:oMathPara xmlns:m="http://schemas.openxmlformats.org/officeDocument/2006/math">
                     <m:oMathParaPr>
@@ -6871,6 +6882,7 @@
                 <a:endParaRPr lang="fr-FR" dirty="0"/>
               </a:p>
               <a:p>
+                <a:pPr/>
                 <a14:m>
                   <m:oMathPara xmlns:m="http://schemas.openxmlformats.org/officeDocument/2006/math">
                     <m:oMathParaPr>
@@ -7075,7 +7087,7 @@
             </p:txBody>
           </p:sp>
         </mc:Choice>
-        <mc:Fallback>
+        <mc:Fallback xmlns="">
           <p:sp>
             <p:nvSpPr>
               <p:cNvPr id="64" name="ZoneTexte 63">
@@ -7148,7 +7160,6 @@
           </a:bodyPr>
           <a:lstStyle/>
           <a:p>
-            <a:pPr/>
             <a:r>
               <a:rPr lang="fr-FR" sz="1050" dirty="0">
                 <a:hlinkClick r:id="rId14"/>
@@ -8665,8 +8676,8 @@
             </p:txBody>
           </p:sp>
         </p:grpSp>
-        <mc:AlternateContent xmlns:mc="http://schemas.openxmlformats.org/markup-compatibility/2006">
-          <mc:Choice xmlns:a14="http://schemas.microsoft.com/office/drawing/2010/main" Requires="a14">
+        <mc:AlternateContent xmlns:mc="http://schemas.openxmlformats.org/markup-compatibility/2006" xmlns:a14="http://schemas.microsoft.com/office/drawing/2010/main">
+          <mc:Choice Requires="a14">
             <p:sp>
               <p:nvSpPr>
                 <p:cNvPr id="8" name="ZoneTexte 7">
@@ -8695,6 +8706,7 @@
                 </a:bodyPr>
                 <a:lstStyle/>
                 <a:p>
+                  <a:pPr/>
                   <a14:m>
                     <m:oMathPara xmlns:m="http://schemas.openxmlformats.org/officeDocument/2006/math">
                       <m:oMathParaPr>
@@ -8715,7 +8727,7 @@
               </p:txBody>
             </p:sp>
           </mc:Choice>
-          <mc:Fallback>
+          <mc:Fallback xmlns="">
             <p:sp>
               <p:nvSpPr>
                 <p:cNvPr id="8" name="ZoneTexte 7">
@@ -8760,8 +8772,8 @@
             </p:sp>
           </mc:Fallback>
         </mc:AlternateContent>
-        <mc:AlternateContent xmlns:mc="http://schemas.openxmlformats.org/markup-compatibility/2006">
-          <mc:Choice xmlns:a14="http://schemas.microsoft.com/office/drawing/2010/main" Requires="a14">
+        <mc:AlternateContent xmlns:mc="http://schemas.openxmlformats.org/markup-compatibility/2006" xmlns:a14="http://schemas.microsoft.com/office/drawing/2010/main">
+          <mc:Choice Requires="a14">
             <p:sp>
               <p:nvSpPr>
                 <p:cNvPr id="9" name="ZoneTexte 8">
@@ -8790,6 +8802,7 @@
                 </a:bodyPr>
                 <a:lstStyle/>
                 <a:p>
+                  <a:pPr/>
                   <a14:m>
                     <m:oMathPara xmlns:m="http://schemas.openxmlformats.org/officeDocument/2006/math">
                       <m:oMathParaPr>
@@ -8822,7 +8835,7 @@
               </p:txBody>
             </p:sp>
           </mc:Choice>
-          <mc:Fallback>
+          <mc:Fallback xmlns="">
             <p:sp>
               <p:nvSpPr>
                 <p:cNvPr id="9" name="ZoneTexte 8">
@@ -8867,8 +8880,8 @@
             </p:sp>
           </mc:Fallback>
         </mc:AlternateContent>
-        <mc:AlternateContent xmlns:mc="http://schemas.openxmlformats.org/markup-compatibility/2006">
-          <mc:Choice xmlns:a14="http://schemas.microsoft.com/office/drawing/2010/main" Requires="a14">
+        <mc:AlternateContent xmlns:mc="http://schemas.openxmlformats.org/markup-compatibility/2006" xmlns:a14="http://schemas.microsoft.com/office/drawing/2010/main">
+          <mc:Choice Requires="a14">
             <p:sp>
               <p:nvSpPr>
                 <p:cNvPr id="10" name="ZoneTexte 9">
@@ -8897,6 +8910,7 @@
                 </a:bodyPr>
                 <a:lstStyle/>
                 <a:p>
+                  <a:pPr/>
                   <a14:m>
                     <m:oMathPara xmlns:m="http://schemas.openxmlformats.org/officeDocument/2006/math">
                       <m:oMathParaPr>
@@ -8917,7 +8931,7 @@
               </p:txBody>
             </p:sp>
           </mc:Choice>
-          <mc:Fallback>
+          <mc:Fallback xmlns="">
             <p:sp>
               <p:nvSpPr>
                 <p:cNvPr id="10" name="ZoneTexte 9">
@@ -8962,8 +8976,8 @@
             </p:sp>
           </mc:Fallback>
         </mc:AlternateContent>
-        <mc:AlternateContent xmlns:mc="http://schemas.openxmlformats.org/markup-compatibility/2006">
-          <mc:Choice xmlns:a14="http://schemas.microsoft.com/office/drawing/2010/main" Requires="a14">
+        <mc:AlternateContent xmlns:mc="http://schemas.openxmlformats.org/markup-compatibility/2006" xmlns:a14="http://schemas.microsoft.com/office/drawing/2010/main">
+          <mc:Choice Requires="a14">
             <p:sp>
               <p:nvSpPr>
                 <p:cNvPr id="11" name="ZoneTexte 10">
@@ -8992,6 +9006,7 @@
                 </a:bodyPr>
                 <a:lstStyle/>
                 <a:p>
+                  <a:pPr/>
                   <a14:m>
                     <m:oMathPara xmlns:m="http://schemas.openxmlformats.org/officeDocument/2006/math">
                       <m:oMathParaPr>
@@ -9024,7 +9039,7 @@
               </p:txBody>
             </p:sp>
           </mc:Choice>
-          <mc:Fallback>
+          <mc:Fallback xmlns="">
             <p:sp>
               <p:nvSpPr>
                 <p:cNvPr id="11" name="ZoneTexte 10">
@@ -9069,8 +9084,8 @@
             </p:sp>
           </mc:Fallback>
         </mc:AlternateContent>
-        <mc:AlternateContent xmlns:mc="http://schemas.openxmlformats.org/markup-compatibility/2006">
-          <mc:Choice xmlns:a14="http://schemas.microsoft.com/office/drawing/2010/main" Requires="a14">
+        <mc:AlternateContent xmlns:mc="http://schemas.openxmlformats.org/markup-compatibility/2006" xmlns:a14="http://schemas.microsoft.com/office/drawing/2010/main">
+          <mc:Choice Requires="a14">
             <p:sp>
               <p:nvSpPr>
                 <p:cNvPr id="12" name="ZoneTexte 11">
@@ -9099,6 +9114,7 @@
                 </a:bodyPr>
                 <a:lstStyle/>
                 <a:p>
+                  <a:pPr/>
                   <a14:m>
                     <m:oMathPara xmlns:m="http://schemas.openxmlformats.org/officeDocument/2006/math">
                       <m:oMathParaPr>
@@ -9127,7 +9143,7 @@
               </p:txBody>
             </p:sp>
           </mc:Choice>
-          <mc:Fallback>
+          <mc:Fallback xmlns="">
             <p:sp>
               <p:nvSpPr>
                 <p:cNvPr id="12" name="ZoneTexte 11">
@@ -9172,8 +9188,8 @@
             </p:sp>
           </mc:Fallback>
         </mc:AlternateContent>
-        <mc:AlternateContent xmlns:mc="http://schemas.openxmlformats.org/markup-compatibility/2006">
-          <mc:Choice xmlns:a14="http://schemas.microsoft.com/office/drawing/2010/main" Requires="a14">
+        <mc:AlternateContent xmlns:mc="http://schemas.openxmlformats.org/markup-compatibility/2006" xmlns:a14="http://schemas.microsoft.com/office/drawing/2010/main">
+          <mc:Choice Requires="a14">
             <p:sp>
               <p:nvSpPr>
                 <p:cNvPr id="13" name="ZoneTexte 12">
@@ -9202,6 +9218,7 @@
                 </a:bodyPr>
                 <a:lstStyle/>
                 <a:p>
+                  <a:pPr/>
                   <a14:m>
                     <m:oMathPara xmlns:m="http://schemas.openxmlformats.org/officeDocument/2006/math">
                       <m:oMathParaPr>
@@ -9230,7 +9247,7 @@
               </p:txBody>
             </p:sp>
           </mc:Choice>
-          <mc:Fallback>
+          <mc:Fallback xmlns="">
             <p:sp>
               <p:nvSpPr>
                 <p:cNvPr id="13" name="ZoneTexte 12">
@@ -9775,7 +9792,7 @@
                 </a:solidFill>
                 <a:latin typeface="Arial Nova" panose="020B0504020202020204" pitchFamily="34" charset="0"/>
               </a:rPr>
-              <a:t>Détecteurs fin de course</a:t>
+              <a:t>Encodeur à effet Hall 2 canaux (48 tops/tour)</a:t>
             </a:r>
           </a:p>
           <a:p>
@@ -9787,67 +9804,7 @@
                 </a:solidFill>
                 <a:latin typeface="Arial Nova" panose="020B0504020202020204" pitchFamily="34" charset="0"/>
               </a:rPr>
-              <a:t>Codeur incrémental</a:t>
-            </a:r>
-          </a:p>
-          <a:p>
-            <a:pPr algn="ctr"/>
-            <a:r>
-              <a:rPr lang="fr-FR" sz="800" dirty="0">
-                <a:solidFill>
-                  <a:srgbClr val="004F77"/>
-                </a:solidFill>
-                <a:latin typeface="Arial Nova" panose="020B0504020202020204" pitchFamily="34" charset="0"/>
-              </a:rPr>
-              <a:t>Capteur de tension</a:t>
-            </a:r>
-          </a:p>
-          <a:p>
-            <a:pPr algn="ctr"/>
-            <a:r>
-              <a:rPr lang="fr-FR" sz="800" dirty="0">
-                <a:solidFill>
-                  <a:srgbClr val="004F77"/>
-                </a:solidFill>
-                <a:latin typeface="Arial Nova" panose="020B0504020202020204" pitchFamily="34" charset="0"/>
-              </a:rPr>
-              <a:t>Capteur de courant</a:t>
-            </a:r>
-          </a:p>
-          <a:p>
-            <a:pPr algn="ctr"/>
-            <a:r>
-              <a:rPr lang="fr-FR" sz="800" dirty="0">
-                <a:solidFill>
-                  <a:srgbClr val="004F77"/>
-                </a:solidFill>
-                <a:latin typeface="Arial Nova" panose="020B0504020202020204" pitchFamily="34" charset="0"/>
-              </a:rPr>
-              <a:t>Génératrice tachymétrique</a:t>
-            </a:r>
-          </a:p>
-          <a:p>
-            <a:pPr algn="ctr"/>
-            <a:r>
-              <a:rPr lang="fr-FR" sz="800" dirty="0">
-                <a:solidFill>
-                  <a:srgbClr val="004F77"/>
-                </a:solidFill>
-                <a:latin typeface="Arial Nova" panose="020B0504020202020204" pitchFamily="34" charset="0"/>
-              </a:rPr>
-              <a:t>Règle magnétique</a:t>
-            </a:r>
-          </a:p>
-          <a:p>
-            <a:pPr algn="ctr"/>
-            <a:r>
-              <a:rPr lang="fr-FR" sz="800" dirty="0">
-                <a:solidFill>
-                  <a:srgbClr val="004F77"/>
-                </a:solidFill>
-                <a:latin typeface="Arial Nova" panose="020B0504020202020204" pitchFamily="34" charset="0"/>
-              </a:rPr>
-              <a:t>Capteur d’effort</a:t>
+              <a:t>Voltmètre/Ampèremètre</a:t>
             </a:r>
           </a:p>
         </p:txBody>
@@ -9973,19 +9930,7 @@
                 </a:solidFill>
                 <a:latin typeface="Arial Nova" panose="020B0504020202020204" pitchFamily="34" charset="0"/>
               </a:rPr>
-              <a:t>Carte de commande NI</a:t>
-            </a:r>
-          </a:p>
-          <a:p>
-            <a:pPr algn="ctr"/>
-            <a:r>
-              <a:rPr lang="fr-FR" sz="1000" dirty="0">
-                <a:solidFill>
-                  <a:srgbClr val="0C7391"/>
-                </a:solidFill>
-                <a:latin typeface="Arial Nova" panose="020B0504020202020204" pitchFamily="34" charset="0"/>
-              </a:rPr>
-              <a:t>Processeur du PC</a:t>
+              <a:t>Carte Arduino MEGA</a:t>
             </a:r>
           </a:p>
         </p:txBody>
@@ -10111,7 +10056,7 @@
                 </a:solidFill>
                 <a:latin typeface="Arial Nova" panose="020B0504020202020204" pitchFamily="34" charset="0"/>
               </a:rPr>
-              <a:t>Carte de commande NI</a:t>
+              <a:t>Carte Arduino MEGA</a:t>
             </a:r>
           </a:p>
           <a:p>
@@ -10249,7 +10194,7 @@
                 </a:solidFill>
                 <a:latin typeface="Arial Nova" panose="020B0504020202020204" pitchFamily="34" charset="0"/>
               </a:rPr>
-              <a:t>Alimentation à découpage</a:t>
+              <a:t>Transformateur</a:t>
             </a:r>
           </a:p>
         </p:txBody>
@@ -10375,7 +10320,19 @@
                 </a:solidFill>
                 <a:latin typeface="Arial Nova" panose="020B0504020202020204" pitchFamily="34" charset="0"/>
               </a:rPr>
-              <a:t>Pont en H 4Q (Variateur ESCON)</a:t>
+              <a:t>Hacheur</a:t>
+            </a:r>
+          </a:p>
+          <a:p>
+            <a:pPr algn="ctr"/>
+            <a:r>
+              <a:rPr lang="fr-FR" sz="1100" dirty="0">
+                <a:solidFill>
+                  <a:srgbClr val="0C7391"/>
+                </a:solidFill>
+                <a:latin typeface="Arial Nova" panose="020B0504020202020204" pitchFamily="34" charset="0"/>
+              </a:rPr>
+              <a:t>(Carte de puissance)</a:t>
             </a:r>
             <a:endParaRPr lang="fr-FR" dirty="0">
               <a:solidFill>
@@ -10627,37 +10584,25 @@
           <a:p>
             <a:pPr algn="ctr"/>
             <a:r>
-              <a:rPr lang="fr-FR" sz="900" dirty="0">
+              <a:rPr lang="fr-FR" sz="1100" dirty="0">
                 <a:solidFill>
                   <a:srgbClr val="EE685D"/>
                 </a:solidFill>
                 <a:latin typeface="Arial Nova" panose="020B0504020202020204" pitchFamily="34" charset="0"/>
               </a:rPr>
-              <a:t>Train épicycloïdal</a:t>
+              <a:t>Réducteur </a:t>
             </a:r>
           </a:p>
           <a:p>
             <a:pPr algn="ctr"/>
             <a:r>
-              <a:rPr lang="fr-FR" sz="900" dirty="0">
+              <a:rPr lang="fr-FR" sz="1100" dirty="0">
                 <a:solidFill>
                   <a:srgbClr val="EE685D"/>
                 </a:solidFill>
                 <a:latin typeface="Arial Nova" panose="020B0504020202020204" pitchFamily="34" charset="0"/>
               </a:rPr>
-              <a:t>Joint de Oldham</a:t>
-            </a:r>
-          </a:p>
-          <a:p>
-            <a:pPr algn="ctr"/>
-            <a:r>
-              <a:rPr lang="fr-FR" sz="900" dirty="0">
-                <a:solidFill>
-                  <a:srgbClr val="EE685D"/>
-                </a:solidFill>
-                <a:latin typeface="Arial Nova" panose="020B0504020202020204" pitchFamily="34" charset="0"/>
-              </a:rPr>
-              <a:t>Poulie courroie</a:t>
+              <a:t>(1:34)</a:t>
             </a:r>
           </a:p>
         </p:txBody>
@@ -11440,7 +11385,7 @@
                 </a:solidFill>
                 <a:latin typeface="Arial Nova" panose="020B0504020202020204" pitchFamily="34" charset="0"/>
               </a:rPr>
-              <a:t>Chariot</a:t>
+              <a:t>Arbre réducteur</a:t>
             </a:r>
           </a:p>
         </p:txBody>
@@ -11730,8 +11675,8 @@
           </p:nvSpPr>
           <p:spPr>
             <a:xfrm rot="16200000">
-              <a:off x="8815678" y="3317013"/>
-              <a:ext cx="1918043" cy="230832"/>
+              <a:off x="8815678" y="3247763"/>
+              <a:ext cx="1918043" cy="369332"/>
             </a:xfrm>
             <a:prstGeom prst="rect">
               <a:avLst/>
@@ -11754,7 +11699,7 @@
                   </a:solidFill>
                   <a:latin typeface="Arial Nova" panose="020B0504020202020204" pitchFamily="34" charset="0"/>
                 </a:rPr>
-                <a:t>Chariot en position finale</a:t>
+                <a:t>Arbre en position angulaire finale</a:t>
               </a:r>
             </a:p>
           </p:txBody>
@@ -11774,10 +11719,10 @@
         </p:nvGrpSpPr>
         <p:grpSpPr>
           <a:xfrm>
-            <a:off x="8594944" y="2722269"/>
-            <a:ext cx="1566153" cy="577809"/>
-            <a:chOff x="9058474" y="2836569"/>
-            <a:chExt cx="1566153" cy="577809"/>
+            <a:off x="8594947" y="2417284"/>
+            <a:ext cx="1971603" cy="882797"/>
+            <a:chOff x="9058475" y="2836568"/>
+            <a:chExt cx="1566152" cy="577810"/>
           </a:xfrm>
         </p:grpSpPr>
         <p:sp>
@@ -11855,8 +11800,8 @@
           </p:nvSpPr>
           <p:spPr>
             <a:xfrm>
-              <a:off x="9058474" y="2836569"/>
-              <a:ext cx="1473718" cy="215444"/>
+              <a:off x="9058475" y="2836568"/>
+              <a:ext cx="1384681" cy="141013"/>
             </a:xfrm>
             <a:prstGeom prst="rect">
               <a:avLst/>
@@ -11879,7 +11824,7 @@
                   </a:solidFill>
                   <a:latin typeface="Arial Nova" panose="020B0504020202020204" pitchFamily="34" charset="0"/>
                 </a:rPr>
-                <a:t>Chariot en position initiale</a:t>
+                <a:t>Arbre en position angulaire initiale</a:t>
               </a:r>
             </a:p>
           </p:txBody>
@@ -12025,8 +11970,8 @@
           </p:sp>
         </mc:Fallback>
       </mc:AlternateContent>
-      <mc:AlternateContent xmlns:mc="http://schemas.openxmlformats.org/markup-compatibility/2006" xmlns:a14="http://schemas.microsoft.com/office/drawing/2010/main">
-        <mc:Choice Requires="a14">
+      <mc:AlternateContent xmlns:mc="http://schemas.openxmlformats.org/markup-compatibility/2006">
+        <mc:Choice xmlns:a14="http://schemas.microsoft.com/office/drawing/2010/main" Requires="a14">
           <p:sp>
             <p:nvSpPr>
               <p:cNvPr id="65" name="ZoneTexte 64">
@@ -12063,7 +12008,7 @@
                     </a:solidFill>
                     <a:latin typeface="Arial Nova" panose="020B0504020202020204" pitchFamily="34" charset="0"/>
                   </a:rPr>
-                  <a:t> 44 V </a:t>
+                  <a:t> 7,5 V </a:t>
                 </a:r>
                 <a14:m>
                   <m:oMath xmlns:m="http://schemas.openxmlformats.org/officeDocument/2006/math">
@@ -12090,7 +12035,7 @@
             </p:txBody>
           </p:sp>
         </mc:Choice>
-        <mc:Fallback xmlns="">
+        <mc:Fallback>
           <p:sp>
             <p:nvSpPr>
               <p:cNvPr id="65" name="ZoneTexte 64">
@@ -12135,109 +12080,6 @@
           </p:sp>
         </mc:Fallback>
       </mc:AlternateContent>
-      <p:grpSp>
-        <p:nvGrpSpPr>
-          <p:cNvPr id="87" name="Groupe 86">
-            <a:extLst>
-              <a:ext uri="{FF2B5EF4-FFF2-40B4-BE49-F238E27FC236}">
-                <a16:creationId xmlns:a16="http://schemas.microsoft.com/office/drawing/2014/main" id="{E9153400-DF88-441B-1F32-AE824AB4C9D0}"/>
-              </a:ext>
-            </a:extLst>
-          </p:cNvPr>
-          <p:cNvGrpSpPr/>
-          <p:nvPr/>
-        </p:nvGrpSpPr>
-        <p:grpSpPr>
-          <a:xfrm>
-            <a:off x="810280" y="1780222"/>
-            <a:ext cx="360000" cy="360000"/>
-            <a:chOff x="262758" y="2633974"/>
-            <a:chExt cx="720000" cy="720000"/>
-          </a:xfrm>
-        </p:grpSpPr>
-        <p:sp>
-          <p:nvSpPr>
-            <p:cNvPr id="88" name="Ellipse 87">
-              <a:extLst>
-                <a:ext uri="{FF2B5EF4-FFF2-40B4-BE49-F238E27FC236}">
-                  <a16:creationId xmlns:a16="http://schemas.microsoft.com/office/drawing/2014/main" id="{903AB8DF-F4D2-7C8B-5ECC-CCE645EB9C9A}"/>
-                </a:ext>
-              </a:extLst>
-            </p:cNvPr>
-            <p:cNvSpPr/>
-            <p:nvPr/>
-          </p:nvSpPr>
-          <p:spPr>
-            <a:xfrm>
-              <a:off x="262758" y="2633974"/>
-              <a:ext cx="720000" cy="720000"/>
-            </a:xfrm>
-            <a:prstGeom prst="ellipse">
-              <a:avLst/>
-            </a:prstGeom>
-            <a:solidFill>
-              <a:srgbClr val="00547F"/>
-            </a:solidFill>
-            <a:ln>
-              <a:noFill/>
-            </a:ln>
-          </p:spPr>
-          <p:style>
-            <a:lnRef idx="2">
-              <a:schemeClr val="accent1">
-                <a:shade val="50000"/>
-              </a:schemeClr>
-            </a:lnRef>
-            <a:fillRef idx="1">
-              <a:schemeClr val="accent1"/>
-            </a:fillRef>
-            <a:effectRef idx="0">
-              <a:schemeClr val="accent1"/>
-            </a:effectRef>
-            <a:fontRef idx="minor">
-              <a:schemeClr val="lt1"/>
-            </a:fontRef>
-          </p:style>
-          <p:txBody>
-            <a:bodyPr rtlCol="0" anchor="ctr"/>
-            <a:lstStyle/>
-            <a:p>
-              <a:pPr algn="ctr"/>
-              <a:endParaRPr lang="fr-FR"/>
-            </a:p>
-          </p:txBody>
-        </p:sp>
-        <p:pic>
-          <p:nvPicPr>
-            <p:cNvPr id="89" name="Image 88">
-              <a:extLst>
-                <a:ext uri="{FF2B5EF4-FFF2-40B4-BE49-F238E27FC236}">
-                  <a16:creationId xmlns:a16="http://schemas.microsoft.com/office/drawing/2014/main" id="{D2C60E2E-75A4-B407-4649-EE5EC0440686}"/>
-                </a:ext>
-              </a:extLst>
-            </p:cNvPr>
-            <p:cNvPicPr>
-              <a:picLocks noChangeAspect="1"/>
-            </p:cNvPicPr>
-            <p:nvPr/>
-          </p:nvPicPr>
-          <p:blipFill>
-            <a:blip r:embed="rId11"/>
-            <a:stretch>
-              <a:fillRect/>
-            </a:stretch>
-          </p:blipFill>
-          <p:spPr>
-            <a:xfrm>
-              <a:off x="363558" y="2734774"/>
-              <a:ext cx="518400" cy="518400"/>
-            </a:xfrm>
-            <a:prstGeom prst="rect">
-              <a:avLst/>
-            </a:prstGeom>
-          </p:spPr>
-        </p:pic>
-      </p:grpSp>
       <p:grpSp>
         <p:nvGrpSpPr>
           <p:cNvPr id="93" name="Groupe 92">
@@ -12325,7 +12167,7 @@
             <p:nvPr/>
           </p:nvPicPr>
           <p:blipFill>
-            <a:blip r:embed="rId12"/>
+            <a:blip r:embed="rId11"/>
             <a:stretch>
               <a:fillRect/>
             </a:stretch>
@@ -12341,36 +12183,6 @@
           </p:spPr>
         </p:pic>
       </p:grpSp>
-      <p:pic>
-        <p:nvPicPr>
-          <p:cNvPr id="110" name="Image 109">
-            <a:extLst>
-              <a:ext uri="{FF2B5EF4-FFF2-40B4-BE49-F238E27FC236}">
-                <a16:creationId xmlns:a16="http://schemas.microsoft.com/office/drawing/2014/main" id="{85C6EE0C-C52A-6134-EB1B-6F3C57492332}"/>
-              </a:ext>
-            </a:extLst>
-          </p:cNvPr>
-          <p:cNvPicPr>
-            <a:picLocks noChangeAspect="1"/>
-          </p:cNvPicPr>
-          <p:nvPr/>
-        </p:nvPicPr>
-        <p:blipFill>
-          <a:blip r:embed="rId13"/>
-          <a:stretch>
-            <a:fillRect/>
-          </a:stretch>
-        </p:blipFill>
-        <p:spPr>
-          <a:xfrm>
-            <a:off x="9082791" y="3441988"/>
-            <a:ext cx="288000" cy="105516"/>
-          </a:xfrm>
-          <a:prstGeom prst="rect">
-            <a:avLst/>
-          </a:prstGeom>
-        </p:spPr>
-      </p:pic>
       <p:sp>
         <p:nvSpPr>
           <p:cNvPr id="72" name="Rectangle 71">
@@ -12425,29 +12237,7 @@
                   <a:srgbClr val="00547F"/>
                 </a:solidFill>
               </a:rPr>
-              <a:t>Les détecteurs de fin de course permettent l’initialisation des codeurs.</a:t>
-            </a:r>
-          </a:p>
-          <a:p>
-            <a:pPr marL="449263" algn="just"/>
-            <a:r>
-              <a:rPr lang="fr-FR" sz="1400" dirty="0">
-                <a:solidFill>
-                  <a:srgbClr val="00547F"/>
-                </a:solidFill>
-              </a:rPr>
-              <a:t>Le codeur incrémental (ou la règle magnétique selon le choix) permettent de contrôler la position du chariot. Le capteur de courant peut être utilisé pour une régulation de courant. </a:t>
-            </a:r>
-          </a:p>
-          <a:p>
-            <a:pPr marL="449263" algn="just"/>
-            <a:r>
-              <a:rPr lang="fr-FR" sz="1400" dirty="0">
-                <a:solidFill>
-                  <a:srgbClr val="00547F"/>
-                </a:solidFill>
-              </a:rPr>
-              <a:t>Tous les autres capteurs sont à but pédagogique</a:t>
+              <a:t>Le codeur est indispensable pour réaliser l’asservissement du moteur. </a:t>
             </a:r>
           </a:p>
         </p:txBody>
@@ -12539,7 +12329,7 @@
             <p:nvPr/>
           </p:nvPicPr>
           <p:blipFill>
-            <a:blip r:embed="rId14"/>
+            <a:blip r:embed="rId12"/>
             <a:stretch>
               <a:fillRect/>
             </a:stretch>
@@ -12555,219 +12345,47 @@
           </p:spPr>
         </p:pic>
       </p:grpSp>
-      <mc:AlternateContent xmlns:mc="http://schemas.openxmlformats.org/markup-compatibility/2006" xmlns:a14="http://schemas.microsoft.com/office/drawing/2010/main">
-        <mc:Choice Requires="a14">
-          <p:sp>
-            <p:nvSpPr>
-              <p:cNvPr id="2" name="ZoneTexte 1">
-                <a:extLst>
-                  <a:ext uri="{FF2B5EF4-FFF2-40B4-BE49-F238E27FC236}">
-                    <a16:creationId xmlns:a16="http://schemas.microsoft.com/office/drawing/2014/main" id="{B39CA18C-C050-2248-E6F6-D99BB87303C8}"/>
-                  </a:ext>
-                </a:extLst>
-              </p:cNvPr>
-              <p:cNvSpPr txBox="1"/>
-              <p:nvPr/>
-            </p:nvSpPr>
-            <p:spPr>
-              <a:xfrm>
-                <a:off x="4452429" y="3639956"/>
-                <a:ext cx="1161960" cy="276999"/>
-              </a:xfrm>
-              <a:prstGeom prst="rect">
-                <a:avLst/>
-              </a:prstGeom>
-              <a:noFill/>
-            </p:spPr>
-            <p:txBody>
-              <a:bodyPr wrap="square" rtlCol="0">
-                <a:spAutoFit/>
-              </a:bodyPr>
-              <a:lstStyle/>
-              <a:p>
-                <a:pPr algn="ctr"/>
-                <a:r>
-                  <a:rPr lang="fr-FR" sz="1200" b="1" dirty="0">
-                    <a:solidFill>
-                      <a:srgbClr val="FFB25A"/>
-                    </a:solidFill>
-                    <a:latin typeface="Arial Nova" panose="020B0504020202020204" pitchFamily="34" charset="0"/>
-                  </a:rPr>
-                  <a:t> 40 V </a:t>
-                </a:r>
-                <a14:m>
-                  <m:oMath xmlns:m="http://schemas.openxmlformats.org/officeDocument/2006/math">
-                    <m:r>
-                      <a:rPr lang="fr-FR" sz="1200" b="1" i="0" smtClean="0">
-                        <a:solidFill>
-                          <a:srgbClr val="FFB25A"/>
-                        </a:solidFill>
-                        <a:latin typeface="Cambria Math" panose="02040503050406030204" pitchFamily="18" charset="0"/>
-                        <a:ea typeface="Cambria Math" panose="02040503050406030204" pitchFamily="18" charset="0"/>
-                        <a:cs typeface="Calibri" panose="020F0502020204030204" pitchFamily="34" charset="0"/>
-                      </a:rPr>
-                      <m:t>=</m:t>
-                    </m:r>
-                  </m:oMath>
-                </a14:m>
-                <a:endParaRPr lang="fr-FR" sz="1200" b="1" dirty="0">
-                  <a:solidFill>
-                    <a:srgbClr val="FFB25A"/>
-                  </a:solidFill>
-                  <a:latin typeface="Arial Nova" panose="020B0504020202020204" pitchFamily="34" charset="0"/>
-                </a:endParaRPr>
-              </a:p>
-            </p:txBody>
-          </p:sp>
-        </mc:Choice>
-        <mc:Fallback xmlns="">
-          <p:sp>
-            <p:nvSpPr>
-              <p:cNvPr id="2" name="ZoneTexte 1">
-                <a:extLst>
-                  <a:ext uri="{FF2B5EF4-FFF2-40B4-BE49-F238E27FC236}">
-                    <a16:creationId xmlns:a16="http://schemas.microsoft.com/office/drawing/2014/main" id="{B39CA18C-C050-2248-E6F6-D99BB87303C8}"/>
-                  </a:ext>
-                </a:extLst>
-              </p:cNvPr>
-              <p:cNvSpPr txBox="1">
-                <a:spLocks noRot="1" noChangeAspect="1" noMove="1" noResize="1" noEditPoints="1" noAdjustHandles="1" noChangeArrowheads="1" noChangeShapeType="1" noTextEdit="1"/>
-              </p:cNvSpPr>
-              <p:nvPr/>
-            </p:nvSpPr>
-            <p:spPr>
-              <a:xfrm>
-                <a:off x="4452429" y="3639956"/>
-                <a:ext cx="1161960" cy="276999"/>
-              </a:xfrm>
-              <a:prstGeom prst="rect">
-                <a:avLst/>
-              </a:prstGeom>
-              <a:blipFill>
-                <a:blip r:embed="rId15"/>
-                <a:stretch>
-                  <a:fillRect b="-15217"/>
-                </a:stretch>
-              </a:blipFill>
-            </p:spPr>
-            <p:txBody>
-              <a:bodyPr/>
-              <a:lstStyle/>
-              <a:p>
-                <a:r>
-                  <a:rPr lang="fr-FR">
-                    <a:noFill/>
-                  </a:rPr>
-                  <a:t> </a:t>
-                </a:r>
-              </a:p>
-            </p:txBody>
-          </p:sp>
-        </mc:Fallback>
-      </mc:AlternateContent>
-      <p:grpSp>
-        <p:nvGrpSpPr>
-          <p:cNvPr id="3" name="Groupe 2">
+      <p:sp>
+        <p:nvSpPr>
+          <p:cNvPr id="2" name="ZoneTexte 1">
             <a:extLst>
               <a:ext uri="{FF2B5EF4-FFF2-40B4-BE49-F238E27FC236}">
-                <a16:creationId xmlns:a16="http://schemas.microsoft.com/office/drawing/2014/main" id="{9A19CA4C-6716-A13D-581A-49247D9C8054}"/>
+                <a16:creationId xmlns:a16="http://schemas.microsoft.com/office/drawing/2014/main" id="{B39CA18C-C050-2248-E6F6-D99BB87303C8}"/>
               </a:ext>
             </a:extLst>
           </p:cNvPr>
-          <p:cNvGrpSpPr/>
+          <p:cNvSpPr txBox="1"/>
           <p:nvPr/>
-        </p:nvGrpSpPr>
-        <p:grpSpPr>
+        </p:nvSpPr>
+        <p:spPr>
           <a:xfrm>
-            <a:off x="1613285" y="1770768"/>
-            <a:ext cx="360000" cy="360000"/>
-            <a:chOff x="3056845" y="1528414"/>
-            <a:chExt cx="3454284" cy="3454284"/>
+            <a:off x="4452429" y="3639956"/>
+            <a:ext cx="1161960" cy="276999"/>
           </a:xfrm>
-        </p:grpSpPr>
-        <p:sp>
-          <p:nvSpPr>
-            <p:cNvPr id="5" name="Ellipse 4">
-              <a:extLst>
-                <a:ext uri="{FF2B5EF4-FFF2-40B4-BE49-F238E27FC236}">
-                  <a16:creationId xmlns:a16="http://schemas.microsoft.com/office/drawing/2014/main" id="{E64C2532-4B47-B17E-3C77-C817CAE59FF5}"/>
-                </a:ext>
-              </a:extLst>
-            </p:cNvPr>
-            <p:cNvSpPr/>
-            <p:nvPr/>
-          </p:nvSpPr>
-          <p:spPr>
-            <a:xfrm>
-              <a:off x="3056845" y="1528414"/>
-              <a:ext cx="3454284" cy="3454284"/>
-            </a:xfrm>
-            <a:prstGeom prst="ellipse">
-              <a:avLst/>
-            </a:prstGeom>
-            <a:solidFill>
-              <a:srgbClr val="00547F"/>
-            </a:solidFill>
-            <a:ln>
-              <a:noFill/>
-            </a:ln>
-          </p:spPr>
-          <p:style>
-            <a:lnRef idx="2">
-              <a:schemeClr val="accent1">
-                <a:shade val="50000"/>
-              </a:schemeClr>
-            </a:lnRef>
-            <a:fillRef idx="1">
-              <a:schemeClr val="accent1"/>
-            </a:fillRef>
-            <a:effectRef idx="0">
-              <a:schemeClr val="accent1"/>
-            </a:effectRef>
-            <a:fontRef idx="minor">
-              <a:schemeClr val="lt1"/>
-            </a:fontRef>
-          </p:style>
-          <p:txBody>
-            <a:bodyPr rtlCol="0" anchor="ctr"/>
-            <a:lstStyle/>
-            <a:p>
-              <a:pPr algn="ctr"/>
-              <a:endParaRPr lang="fr-FR"/>
-            </a:p>
-          </p:txBody>
-        </p:sp>
-        <p:pic>
-          <p:nvPicPr>
-            <p:cNvPr id="30" name="Image 29">
-              <a:extLst>
-                <a:ext uri="{FF2B5EF4-FFF2-40B4-BE49-F238E27FC236}">
-                  <a16:creationId xmlns:a16="http://schemas.microsoft.com/office/drawing/2014/main" id="{23F22FB1-C429-397E-B898-D9AF1DF15BC8}"/>
-                </a:ext>
-              </a:extLst>
-            </p:cNvPr>
-            <p:cNvPicPr>
-              <a:picLocks noChangeAspect="1"/>
-            </p:cNvPicPr>
-            <p:nvPr/>
-          </p:nvPicPr>
-          <p:blipFill>
-            <a:blip r:embed="rId16"/>
-            <a:stretch>
-              <a:fillRect/>
-            </a:stretch>
-          </p:blipFill>
-          <p:spPr>
-            <a:xfrm>
-              <a:off x="3327958" y="2056096"/>
-              <a:ext cx="2912058" cy="2398920"/>
-            </a:xfrm>
-            <a:prstGeom prst="rect">
-              <a:avLst/>
-            </a:prstGeom>
-          </p:spPr>
-        </p:pic>
-      </p:grpSp>
+          <a:prstGeom prst="rect">
+            <a:avLst/>
+          </a:prstGeom>
+          <a:noFill/>
+        </p:spPr>
+        <p:txBody>
+          <a:bodyPr wrap="square" rtlCol="0">
+            <a:spAutoFit/>
+          </a:bodyPr>
+          <a:lstStyle/>
+          <a:p>
+            <a:pPr algn="ctr"/>
+            <a:r>
+              <a:rPr lang="fr-FR" sz="1200" b="1" dirty="0">
+                <a:solidFill>
+                  <a:srgbClr val="FFB25A"/>
+                </a:solidFill>
+                <a:latin typeface="Arial Nova" panose="020B0504020202020204" pitchFamily="34" charset="0"/>
+              </a:rPr>
+              <a:t> 7,5 V</a:t>
+            </a:r>
+          </a:p>
+        </p:txBody>
+      </p:sp>
       <p:grpSp>
         <p:nvGrpSpPr>
           <p:cNvPr id="31" name="Groupe 30">
@@ -12855,7 +12473,7 @@
             <p:nvPr/>
           </p:nvPicPr>
           <p:blipFill>
-            <a:blip r:embed="rId17"/>
+            <a:blip r:embed="rId13"/>
             <a:stretch>
               <a:fillRect/>
             </a:stretch>
@@ -12885,7 +12503,7 @@
         </p:nvGrpSpPr>
         <p:grpSpPr>
           <a:xfrm>
-            <a:off x="2426887" y="2177380"/>
+            <a:off x="1531686" y="1762048"/>
             <a:ext cx="360000" cy="360000"/>
             <a:chOff x="8612196" y="3801520"/>
             <a:chExt cx="1800000" cy="1800000"/>
@@ -12958,7 +12576,7 @@
             <p:nvPr/>
           </p:nvPicPr>
           <p:blipFill>
-            <a:blip r:embed="rId18"/>
+            <a:blip r:embed="rId14"/>
             <a:stretch>
               <a:fillRect/>
             </a:stretch>
@@ -13061,7 +12679,7 @@
             <p:nvPr/>
           </p:nvPicPr>
           <p:blipFill>
-            <a:blip r:embed="rId19"/>
+            <a:blip r:embed="rId15"/>
             <a:stretch>
               <a:fillRect/>
             </a:stretch>
@@ -13070,109 +12688,6 @@
             <a:xfrm>
               <a:off x="7939554" y="3812716"/>
               <a:ext cx="1316981" cy="1081424"/>
-            </a:xfrm>
-            <a:prstGeom prst="rect">
-              <a:avLst/>
-            </a:prstGeom>
-          </p:spPr>
-        </p:pic>
-      </p:grpSp>
-      <p:grpSp>
-        <p:nvGrpSpPr>
-          <p:cNvPr id="51" name="Groupe 50">
-            <a:extLst>
-              <a:ext uri="{FF2B5EF4-FFF2-40B4-BE49-F238E27FC236}">
-                <a16:creationId xmlns:a16="http://schemas.microsoft.com/office/drawing/2014/main" id="{90192F0C-E06B-A7A0-99A2-7C7C5CBAD7E6}"/>
-              </a:ext>
-            </a:extLst>
-          </p:cNvPr>
-          <p:cNvGrpSpPr/>
-          <p:nvPr/>
-        </p:nvGrpSpPr>
-        <p:grpSpPr>
-          <a:xfrm>
-            <a:off x="10675426" y="3370013"/>
-            <a:ext cx="288000" cy="288000"/>
-            <a:chOff x="8612196" y="3801520"/>
-            <a:chExt cx="1800000" cy="1800000"/>
-          </a:xfrm>
-        </p:grpSpPr>
-        <p:sp>
-          <p:nvSpPr>
-            <p:cNvPr id="66" name="Ellipse 65">
-              <a:extLst>
-                <a:ext uri="{FF2B5EF4-FFF2-40B4-BE49-F238E27FC236}">
-                  <a16:creationId xmlns:a16="http://schemas.microsoft.com/office/drawing/2014/main" id="{9126D4A5-ABA9-E350-05D0-9D7192081282}"/>
-                </a:ext>
-              </a:extLst>
-            </p:cNvPr>
-            <p:cNvSpPr/>
-            <p:nvPr/>
-          </p:nvSpPr>
-          <p:spPr>
-            <a:xfrm>
-              <a:off x="8612196" y="3801520"/>
-              <a:ext cx="1800000" cy="1800000"/>
-            </a:xfrm>
-            <a:prstGeom prst="ellipse">
-              <a:avLst/>
-            </a:prstGeom>
-            <a:solidFill>
-              <a:srgbClr val="00547F"/>
-            </a:solidFill>
-            <a:ln>
-              <a:noFill/>
-            </a:ln>
-          </p:spPr>
-          <p:style>
-            <a:lnRef idx="2">
-              <a:schemeClr val="accent1">
-                <a:shade val="50000"/>
-              </a:schemeClr>
-            </a:lnRef>
-            <a:fillRef idx="1">
-              <a:schemeClr val="accent1"/>
-            </a:fillRef>
-            <a:effectRef idx="0">
-              <a:schemeClr val="accent1"/>
-            </a:effectRef>
-            <a:fontRef idx="minor">
-              <a:schemeClr val="lt1"/>
-            </a:fontRef>
-          </p:style>
-          <p:txBody>
-            <a:bodyPr rtlCol="0" anchor="ctr"/>
-            <a:lstStyle/>
-            <a:p>
-              <a:pPr algn="ctr"/>
-              <a:endParaRPr lang="fr-FR" b="1"/>
-            </a:p>
-          </p:txBody>
-        </p:sp>
-        <p:pic>
-          <p:nvPicPr>
-            <p:cNvPr id="67" name="Image 66">
-              <a:extLst>
-                <a:ext uri="{FF2B5EF4-FFF2-40B4-BE49-F238E27FC236}">
-                  <a16:creationId xmlns:a16="http://schemas.microsoft.com/office/drawing/2014/main" id="{B2474781-7BE1-7E02-9B96-01C2DA2C0198}"/>
-                </a:ext>
-              </a:extLst>
-            </p:cNvPr>
-            <p:cNvPicPr>
-              <a:picLocks noChangeAspect="1"/>
-            </p:cNvPicPr>
-            <p:nvPr/>
-          </p:nvPicPr>
-          <p:blipFill>
-            <a:blip r:embed="rId18"/>
-            <a:stretch>
-              <a:fillRect/>
-            </a:stretch>
-          </p:blipFill>
-          <p:spPr>
-            <a:xfrm>
-              <a:off x="8696428" y="3885752"/>
-              <a:ext cx="1631536" cy="1631536"/>
             </a:xfrm>
             <a:prstGeom prst="rect">
               <a:avLst/>
@@ -13194,7 +12709,7 @@
         </p:nvGrpSpPr>
         <p:grpSpPr>
           <a:xfrm>
-            <a:off x="6799383" y="3934954"/>
+            <a:off x="6781724" y="4093477"/>
             <a:ext cx="288000" cy="288000"/>
             <a:chOff x="5404964" y="4396133"/>
             <a:chExt cx="1800000" cy="1800000"/>
@@ -13267,7 +12782,7 @@
             <p:nvPr/>
           </p:nvPicPr>
           <p:blipFill>
-            <a:blip r:embed="rId12"/>
+            <a:blip r:embed="rId11"/>
             <a:stretch>
               <a:fillRect/>
             </a:stretch>
@@ -13276,109 +12791,6 @@
             <a:xfrm>
               <a:off x="5543445" y="4536296"/>
               <a:ext cx="1358232" cy="1440000"/>
-            </a:xfrm>
-            <a:prstGeom prst="rect">
-              <a:avLst/>
-            </a:prstGeom>
-          </p:spPr>
-        </p:pic>
-      </p:grpSp>
-      <p:grpSp>
-        <p:nvGrpSpPr>
-          <p:cNvPr id="71" name="Groupe 70">
-            <a:extLst>
-              <a:ext uri="{FF2B5EF4-FFF2-40B4-BE49-F238E27FC236}">
-                <a16:creationId xmlns:a16="http://schemas.microsoft.com/office/drawing/2014/main" id="{6E2DB5A2-88D8-9BD6-E420-B883EEA8731A}"/>
-              </a:ext>
-            </a:extLst>
-          </p:cNvPr>
-          <p:cNvGrpSpPr/>
-          <p:nvPr/>
-        </p:nvGrpSpPr>
-        <p:grpSpPr>
-          <a:xfrm>
-            <a:off x="6807192" y="4243826"/>
-            <a:ext cx="288000" cy="288000"/>
-            <a:chOff x="3056845" y="1528414"/>
-            <a:chExt cx="3454284" cy="3454284"/>
-          </a:xfrm>
-        </p:grpSpPr>
-        <p:sp>
-          <p:nvSpPr>
-            <p:cNvPr id="73" name="Ellipse 72">
-              <a:extLst>
-                <a:ext uri="{FF2B5EF4-FFF2-40B4-BE49-F238E27FC236}">
-                  <a16:creationId xmlns:a16="http://schemas.microsoft.com/office/drawing/2014/main" id="{FBCE808C-DE72-BDAB-20B9-B3F4648DADD5}"/>
-                </a:ext>
-              </a:extLst>
-            </p:cNvPr>
-            <p:cNvSpPr/>
-            <p:nvPr/>
-          </p:nvSpPr>
-          <p:spPr>
-            <a:xfrm>
-              <a:off x="3056845" y="1528414"/>
-              <a:ext cx="3454284" cy="3454284"/>
-            </a:xfrm>
-            <a:prstGeom prst="ellipse">
-              <a:avLst/>
-            </a:prstGeom>
-            <a:solidFill>
-              <a:srgbClr val="00547F"/>
-            </a:solidFill>
-            <a:ln>
-              <a:noFill/>
-            </a:ln>
-          </p:spPr>
-          <p:style>
-            <a:lnRef idx="2">
-              <a:schemeClr val="accent1">
-                <a:shade val="50000"/>
-              </a:schemeClr>
-            </a:lnRef>
-            <a:fillRef idx="1">
-              <a:schemeClr val="accent1"/>
-            </a:fillRef>
-            <a:effectRef idx="0">
-              <a:schemeClr val="accent1"/>
-            </a:effectRef>
-            <a:fontRef idx="minor">
-              <a:schemeClr val="lt1"/>
-            </a:fontRef>
-          </p:style>
-          <p:txBody>
-            <a:bodyPr rtlCol="0" anchor="ctr"/>
-            <a:lstStyle/>
-            <a:p>
-              <a:pPr algn="ctr"/>
-              <a:endParaRPr lang="fr-FR"/>
-            </a:p>
-          </p:txBody>
-        </p:sp>
-        <p:pic>
-          <p:nvPicPr>
-            <p:cNvPr id="74" name="Image 73">
-              <a:extLst>
-                <a:ext uri="{FF2B5EF4-FFF2-40B4-BE49-F238E27FC236}">
-                  <a16:creationId xmlns:a16="http://schemas.microsoft.com/office/drawing/2014/main" id="{4DDD7701-B36E-5122-2296-250A5932BF5D}"/>
-                </a:ext>
-              </a:extLst>
-            </p:cNvPr>
-            <p:cNvPicPr>
-              <a:picLocks noChangeAspect="1"/>
-            </p:cNvPicPr>
-            <p:nvPr/>
-          </p:nvPicPr>
-          <p:blipFill>
-            <a:blip r:embed="rId16"/>
-            <a:stretch>
-              <a:fillRect/>
-            </a:stretch>
-          </p:blipFill>
-          <p:spPr>
-            <a:xfrm>
-              <a:off x="3327958" y="2056096"/>
-              <a:ext cx="2912058" cy="2398920"/>
             </a:xfrm>
             <a:prstGeom prst="rect">
               <a:avLst/>
@@ -13473,7 +12885,7 @@
             <p:nvPr/>
           </p:nvPicPr>
           <p:blipFill>
-            <a:blip r:embed="rId17"/>
+            <a:blip r:embed="rId13"/>
             <a:stretch>
               <a:fillRect/>
             </a:stretch>
@@ -13576,7 +12988,7 @@
             <p:nvPr/>
           </p:nvPicPr>
           <p:blipFill>
-            <a:blip r:embed="rId19"/>
+            <a:blip r:embed="rId15"/>
             <a:stretch>
               <a:fillRect/>
             </a:stretch>
@@ -13585,212 +12997,6 @@
             <a:xfrm>
               <a:off x="7939554" y="3812716"/>
               <a:ext cx="1316981" cy="1081424"/>
-            </a:xfrm>
-            <a:prstGeom prst="rect">
-              <a:avLst/>
-            </a:prstGeom>
-          </p:spPr>
-        </p:pic>
-      </p:grpSp>
-      <p:grpSp>
-        <p:nvGrpSpPr>
-          <p:cNvPr id="92" name="Groupe 91">
-            <a:extLst>
-              <a:ext uri="{FF2B5EF4-FFF2-40B4-BE49-F238E27FC236}">
-                <a16:creationId xmlns:a16="http://schemas.microsoft.com/office/drawing/2014/main" id="{9F95A1EA-9092-5D0B-B7AC-F7CE46698DF0}"/>
-              </a:ext>
-            </a:extLst>
-          </p:cNvPr>
-          <p:cNvGrpSpPr/>
-          <p:nvPr/>
-        </p:nvGrpSpPr>
-        <p:grpSpPr>
-          <a:xfrm>
-            <a:off x="2443733" y="2577720"/>
-            <a:ext cx="360000" cy="360000"/>
-            <a:chOff x="-2063262" y="2086237"/>
-            <a:chExt cx="1800000" cy="1800000"/>
-          </a:xfrm>
-        </p:grpSpPr>
-        <p:sp>
-          <p:nvSpPr>
-            <p:cNvPr id="96" name="Ellipse 95">
-              <a:extLst>
-                <a:ext uri="{FF2B5EF4-FFF2-40B4-BE49-F238E27FC236}">
-                  <a16:creationId xmlns:a16="http://schemas.microsoft.com/office/drawing/2014/main" id="{845FC769-0299-0B5A-BCD6-DE55695F83D2}"/>
-                </a:ext>
-              </a:extLst>
-            </p:cNvPr>
-            <p:cNvSpPr/>
-            <p:nvPr/>
-          </p:nvSpPr>
-          <p:spPr>
-            <a:xfrm>
-              <a:off x="-2063262" y="2086237"/>
-              <a:ext cx="1800000" cy="1800000"/>
-            </a:xfrm>
-            <a:prstGeom prst="ellipse">
-              <a:avLst/>
-            </a:prstGeom>
-            <a:solidFill>
-              <a:srgbClr val="00547F"/>
-            </a:solidFill>
-            <a:ln>
-              <a:noFill/>
-            </a:ln>
-          </p:spPr>
-          <p:style>
-            <a:lnRef idx="2">
-              <a:schemeClr val="accent1">
-                <a:shade val="50000"/>
-              </a:schemeClr>
-            </a:lnRef>
-            <a:fillRef idx="1">
-              <a:schemeClr val="accent1"/>
-            </a:fillRef>
-            <a:effectRef idx="0">
-              <a:schemeClr val="accent1"/>
-            </a:effectRef>
-            <a:fontRef idx="minor">
-              <a:schemeClr val="lt1"/>
-            </a:fontRef>
-          </p:style>
-          <p:txBody>
-            <a:bodyPr rtlCol="0" anchor="ctr"/>
-            <a:lstStyle/>
-            <a:p>
-              <a:pPr algn="ctr"/>
-              <a:endParaRPr lang="fr-FR"/>
-            </a:p>
-          </p:txBody>
-        </p:sp>
-        <p:pic>
-          <p:nvPicPr>
-            <p:cNvPr id="97" name="Image 96">
-              <a:extLst>
-                <a:ext uri="{FF2B5EF4-FFF2-40B4-BE49-F238E27FC236}">
-                  <a16:creationId xmlns:a16="http://schemas.microsoft.com/office/drawing/2014/main" id="{6A7943FD-8BE6-B490-32BF-D4F134197C5E}"/>
-                </a:ext>
-              </a:extLst>
-            </p:cNvPr>
-            <p:cNvPicPr>
-              <a:picLocks noChangeAspect="1"/>
-            </p:cNvPicPr>
-            <p:nvPr/>
-          </p:nvPicPr>
-          <p:blipFill>
-            <a:blip r:embed="rId20"/>
-            <a:stretch>
-              <a:fillRect/>
-            </a:stretch>
-          </p:blipFill>
-          <p:spPr>
-            <a:xfrm>
-              <a:off x="-1609131" y="2149544"/>
-              <a:ext cx="891738" cy="1673385"/>
-            </a:xfrm>
-            <a:prstGeom prst="rect">
-              <a:avLst/>
-            </a:prstGeom>
-          </p:spPr>
-        </p:pic>
-      </p:grpSp>
-      <p:grpSp>
-        <p:nvGrpSpPr>
-          <p:cNvPr id="98" name="Groupe 97">
-            <a:extLst>
-              <a:ext uri="{FF2B5EF4-FFF2-40B4-BE49-F238E27FC236}">
-                <a16:creationId xmlns:a16="http://schemas.microsoft.com/office/drawing/2014/main" id="{FDD7D3C5-7014-8F67-1947-2626275503E2}"/>
-              </a:ext>
-            </a:extLst>
-          </p:cNvPr>
-          <p:cNvGrpSpPr/>
-          <p:nvPr/>
-        </p:nvGrpSpPr>
-        <p:grpSpPr>
-          <a:xfrm>
-            <a:off x="10679278" y="3696059"/>
-            <a:ext cx="288000" cy="288000"/>
-            <a:chOff x="-2063262" y="2086237"/>
-            <a:chExt cx="1800000" cy="1800000"/>
-          </a:xfrm>
-        </p:grpSpPr>
-        <p:sp>
-          <p:nvSpPr>
-            <p:cNvPr id="99" name="Ellipse 98">
-              <a:extLst>
-                <a:ext uri="{FF2B5EF4-FFF2-40B4-BE49-F238E27FC236}">
-                  <a16:creationId xmlns:a16="http://schemas.microsoft.com/office/drawing/2014/main" id="{B35256CE-9660-7734-0E5B-65E73BB68D56}"/>
-                </a:ext>
-              </a:extLst>
-            </p:cNvPr>
-            <p:cNvSpPr/>
-            <p:nvPr/>
-          </p:nvSpPr>
-          <p:spPr>
-            <a:xfrm>
-              <a:off x="-2063262" y="2086237"/>
-              <a:ext cx="1800000" cy="1800000"/>
-            </a:xfrm>
-            <a:prstGeom prst="ellipse">
-              <a:avLst/>
-            </a:prstGeom>
-            <a:solidFill>
-              <a:srgbClr val="00547F"/>
-            </a:solidFill>
-            <a:ln>
-              <a:noFill/>
-            </a:ln>
-          </p:spPr>
-          <p:style>
-            <a:lnRef idx="2">
-              <a:schemeClr val="accent1">
-                <a:shade val="50000"/>
-              </a:schemeClr>
-            </a:lnRef>
-            <a:fillRef idx="1">
-              <a:schemeClr val="accent1"/>
-            </a:fillRef>
-            <a:effectRef idx="0">
-              <a:schemeClr val="accent1"/>
-            </a:effectRef>
-            <a:fontRef idx="minor">
-              <a:schemeClr val="lt1"/>
-            </a:fontRef>
-          </p:style>
-          <p:txBody>
-            <a:bodyPr rtlCol="0" anchor="ctr"/>
-            <a:lstStyle/>
-            <a:p>
-              <a:pPr algn="ctr"/>
-              <a:endParaRPr lang="fr-FR"/>
-            </a:p>
-          </p:txBody>
-        </p:sp>
-        <p:pic>
-          <p:nvPicPr>
-            <p:cNvPr id="100" name="Image 99">
-              <a:extLst>
-                <a:ext uri="{FF2B5EF4-FFF2-40B4-BE49-F238E27FC236}">
-                  <a16:creationId xmlns:a16="http://schemas.microsoft.com/office/drawing/2014/main" id="{1B83FA9B-7FFD-974D-50C2-183E2ECB2E44}"/>
-                </a:ext>
-              </a:extLst>
-            </p:cNvPr>
-            <p:cNvPicPr>
-              <a:picLocks noChangeAspect="1"/>
-            </p:cNvPicPr>
-            <p:nvPr/>
-          </p:nvPicPr>
-          <p:blipFill>
-            <a:blip r:embed="rId20"/>
-            <a:stretch>
-              <a:fillRect/>
-            </a:stretch>
-          </p:blipFill>
-          <p:spPr>
-            <a:xfrm>
-              <a:off x="-1609131" y="2149544"/>
-              <a:ext cx="891738" cy="1673385"/>
             </a:xfrm>
             <a:prstGeom prst="rect">
               <a:avLst/>
@@ -13885,7 +13091,7 @@
             <p:nvPr/>
           </p:nvPicPr>
           <p:blipFill>
-            <a:blip r:embed="rId21"/>
+            <a:blip r:embed="rId16"/>
             <a:stretch>
               <a:fillRect/>
             </a:stretch>
@@ -13901,212 +13107,86 @@
           </p:spPr>
         </p:pic>
       </p:grpSp>
-      <p:grpSp>
-        <p:nvGrpSpPr>
-          <p:cNvPr id="141" name="Groupe 140">
+      <p:pic>
+        <p:nvPicPr>
+          <p:cNvPr id="56" name="Image 55">
             <a:extLst>
               <a:ext uri="{FF2B5EF4-FFF2-40B4-BE49-F238E27FC236}">
-                <a16:creationId xmlns:a16="http://schemas.microsoft.com/office/drawing/2014/main" id="{BE6A74D9-C192-5A17-F5FE-88BC5C4327DA}"/>
+                <a16:creationId xmlns:a16="http://schemas.microsoft.com/office/drawing/2014/main" id="{D4576F57-5AAB-FD75-0B39-CF56E4A144AC}"/>
               </a:ext>
             </a:extLst>
           </p:cNvPr>
-          <p:cNvGrpSpPr/>
+          <p:cNvPicPr>
+            <a:picLocks noChangeAspect="1"/>
+          </p:cNvPicPr>
           <p:nvPr/>
-        </p:nvGrpSpPr>
-        <p:grpSpPr>
+        </p:nvPicPr>
+        <p:blipFill>
+          <a:blip r:embed="rId6"/>
+          <a:stretch>
+            <a:fillRect/>
+          </a:stretch>
+        </p:blipFill>
+        <p:spPr>
           <a:xfrm>
-            <a:off x="8038574" y="3730141"/>
+            <a:off x="9078660" y="3217205"/>
             <a:ext cx="360000" cy="360000"/>
-            <a:chOff x="7534505" y="2636912"/>
-            <a:chExt cx="1800000" cy="1800000"/>
           </a:xfrm>
-        </p:grpSpPr>
-        <p:sp>
-          <p:nvSpPr>
-            <p:cNvPr id="142" name="Ellipse 141">
-              <a:extLst>
-                <a:ext uri="{FF2B5EF4-FFF2-40B4-BE49-F238E27FC236}">
-                  <a16:creationId xmlns:a16="http://schemas.microsoft.com/office/drawing/2014/main" id="{66699E75-99C4-8197-BA1A-E52C8118131B}"/>
-                </a:ext>
-              </a:extLst>
-            </p:cNvPr>
-            <p:cNvSpPr/>
-            <p:nvPr/>
-          </p:nvSpPr>
-          <p:spPr>
-            <a:xfrm>
-              <a:off x="7534505" y="2636912"/>
-              <a:ext cx="1800000" cy="1800000"/>
-            </a:xfrm>
-            <a:prstGeom prst="ellipse">
-              <a:avLst/>
-            </a:prstGeom>
-            <a:solidFill>
-              <a:srgbClr val="EF7268"/>
-            </a:solidFill>
-            <a:ln>
-              <a:noFill/>
-            </a:ln>
-          </p:spPr>
-          <p:style>
-            <a:lnRef idx="2">
-              <a:schemeClr val="accent1">
-                <a:shade val="50000"/>
-              </a:schemeClr>
-            </a:lnRef>
-            <a:fillRef idx="1">
-              <a:schemeClr val="accent1"/>
-            </a:fillRef>
-            <a:effectRef idx="0">
-              <a:schemeClr val="accent1"/>
-            </a:effectRef>
-            <a:fontRef idx="minor">
-              <a:schemeClr val="lt1"/>
-            </a:fontRef>
-          </p:style>
-          <p:txBody>
-            <a:bodyPr rtlCol="0" anchor="ctr"/>
-            <a:lstStyle/>
-            <a:p>
-              <a:pPr algn="ctr"/>
-              <a:endParaRPr lang="fr-FR" dirty="0"/>
-            </a:p>
-          </p:txBody>
-        </p:sp>
-        <p:pic>
-          <p:nvPicPr>
-            <p:cNvPr id="143" name="Image 142">
-              <a:extLst>
-                <a:ext uri="{FF2B5EF4-FFF2-40B4-BE49-F238E27FC236}">
-                  <a16:creationId xmlns:a16="http://schemas.microsoft.com/office/drawing/2014/main" id="{4849A5C3-1A54-AD62-A58A-3C5A67A726C7}"/>
-                </a:ext>
-              </a:extLst>
-            </p:cNvPr>
-            <p:cNvPicPr>
-              <a:picLocks noChangeAspect="1"/>
-            </p:cNvPicPr>
-            <p:nvPr/>
-          </p:nvPicPr>
-          <p:blipFill>
-            <a:blip r:embed="rId22"/>
-            <a:stretch>
-              <a:fillRect/>
-            </a:stretch>
-          </p:blipFill>
-          <p:spPr>
-            <a:xfrm>
-              <a:off x="7630919" y="3092160"/>
-              <a:ext cx="1607172" cy="889504"/>
-            </a:xfrm>
-            <a:prstGeom prst="rect">
-              <a:avLst/>
-            </a:prstGeom>
-          </p:spPr>
-        </p:pic>
-      </p:grpSp>
-      <p:grpSp>
-        <p:nvGrpSpPr>
-          <p:cNvPr id="144" name="Groupe 143">
+          <a:prstGeom prst="rect">
+            <a:avLst/>
+          </a:prstGeom>
+        </p:spPr>
+      </p:pic>
+      <p:cxnSp>
+        <p:nvCxnSpPr>
+          <p:cNvPr id="75" name="Connecteur : en angle 74">
             <a:extLst>
               <a:ext uri="{FF2B5EF4-FFF2-40B4-BE49-F238E27FC236}">
-                <a16:creationId xmlns:a16="http://schemas.microsoft.com/office/drawing/2014/main" id="{F42FC7BB-0D90-60BC-4620-E57EB1B5005E}"/>
+                <a16:creationId xmlns:a16="http://schemas.microsoft.com/office/drawing/2014/main" id="{9A176452-8264-FDB3-BCB6-A57D3DD6A811}"/>
               </a:ext>
             </a:extLst>
           </p:cNvPr>
-          <p:cNvGrpSpPr/>
+          <p:cNvCxnSpPr>
+            <a:cxnSpLocks/>
+            <a:stCxn id="69" idx="4"/>
+            <a:endCxn id="6" idx="1"/>
+          </p:cNvCxnSpPr>
           <p:nvPr/>
-        </p:nvGrpSpPr>
-        <p:grpSpPr>
-          <a:xfrm>
-            <a:off x="8572631" y="3750151"/>
-            <a:ext cx="360000" cy="360000"/>
-            <a:chOff x="5537408" y="1765068"/>
-            <a:chExt cx="1800000" cy="1800000"/>
+        </p:nvCxnSpPr>
+        <p:spPr>
+          <a:xfrm rot="5400000" flipH="1">
+            <a:off x="2600765" y="56519"/>
+            <a:ext cx="2781099" cy="5868819"/>
           </a:xfrm>
-        </p:grpSpPr>
-        <p:sp>
-          <p:nvSpPr>
-            <p:cNvPr id="145" name="Ellipse 144">
-              <a:extLst>
-                <a:ext uri="{FF2B5EF4-FFF2-40B4-BE49-F238E27FC236}">
-                  <a16:creationId xmlns:a16="http://schemas.microsoft.com/office/drawing/2014/main" id="{007B21D5-7097-F0FF-F65C-BD19FFB67165}"/>
-                </a:ext>
-              </a:extLst>
-            </p:cNvPr>
-            <p:cNvSpPr/>
-            <p:nvPr/>
-          </p:nvSpPr>
-          <p:spPr>
-            <a:xfrm>
-              <a:off x="5537408" y="1765068"/>
-              <a:ext cx="1800000" cy="1800000"/>
-            </a:xfrm>
-            <a:prstGeom prst="ellipse">
-              <a:avLst/>
-            </a:prstGeom>
+          <a:prstGeom prst="bentConnector4">
+            <a:avLst>
+              <a:gd name="adj1" fmla="val -12482"/>
+              <a:gd name="adj2" fmla="val 115003"/>
+            </a:avLst>
+          </a:prstGeom>
+          <a:ln w="25400">
             <a:solidFill>
-              <a:srgbClr val="EF7268"/>
+              <a:srgbClr val="08A559"/>
             </a:solidFill>
-            <a:ln>
-              <a:noFill/>
-            </a:ln>
-          </p:spPr>
-          <p:style>
-            <a:lnRef idx="2">
-              <a:schemeClr val="accent1">
-                <a:shade val="50000"/>
-              </a:schemeClr>
-            </a:lnRef>
-            <a:fillRef idx="1">
-              <a:schemeClr val="accent1"/>
-            </a:fillRef>
-            <a:effectRef idx="0">
-              <a:schemeClr val="accent1"/>
-            </a:effectRef>
-            <a:fontRef idx="minor">
-              <a:schemeClr val="lt1"/>
-            </a:fontRef>
-          </p:style>
-          <p:txBody>
-            <a:bodyPr rtlCol="0" anchor="ctr"/>
-            <a:lstStyle/>
-            <a:p>
-              <a:pPr algn="ctr"/>
-              <a:endParaRPr lang="fr-FR" dirty="0"/>
-            </a:p>
-          </p:txBody>
-        </p:sp>
-        <p:pic>
-          <p:nvPicPr>
-            <p:cNvPr id="146" name="Image 145">
-              <a:extLst>
-                <a:ext uri="{FF2B5EF4-FFF2-40B4-BE49-F238E27FC236}">
-                  <a16:creationId xmlns:a16="http://schemas.microsoft.com/office/drawing/2014/main" id="{33AF1F32-6023-D462-64ED-2F325B3B5290}"/>
-                </a:ext>
-              </a:extLst>
-            </p:cNvPr>
-            <p:cNvPicPr>
-              <a:picLocks noChangeAspect="1"/>
-            </p:cNvPicPr>
-            <p:nvPr/>
-          </p:nvPicPr>
-          <p:blipFill>
-            <a:blip r:embed="rId23"/>
-            <a:stretch>
-              <a:fillRect/>
-            </a:stretch>
-          </p:blipFill>
-          <p:spPr>
-            <a:xfrm>
-              <a:off x="5717408" y="1945068"/>
-              <a:ext cx="1440000" cy="1440000"/>
-            </a:xfrm>
-            <a:prstGeom prst="rect">
-              <a:avLst/>
-            </a:prstGeom>
-          </p:spPr>
-        </p:pic>
-      </p:grpSp>
+            <a:headEnd type="none"/>
+            <a:tailEnd type="triangle"/>
+          </a:ln>
+        </p:spPr>
+        <p:style>
+          <a:lnRef idx="1">
+            <a:schemeClr val="accent1"/>
+          </a:lnRef>
+          <a:fillRef idx="0">
+            <a:schemeClr val="accent1"/>
+          </a:fillRef>
+          <a:effectRef idx="0">
+            <a:schemeClr val="accent1"/>
+          </a:effectRef>
+          <a:fontRef idx="minor">
+            <a:schemeClr val="tx1"/>
+          </a:fontRef>
+        </p:style>
+      </p:cxnSp>
     </p:spTree>
     <p:extLst>
       <p:ext uri="{BB962C8B-B14F-4D97-AF65-F5344CB8AC3E}">

--- a/12_MCC/12_MCC_Corrige.pptx
+++ b/12_MCC/12_MCC_Corrige.pptx
@@ -357,7 +357,7 @@
           <a:p>
             <a:fld id="{D7F135F6-2A09-4FDD-9ECA-096E230CA0FA}" type="datetimeFigureOut">
               <a:rPr lang="fr-FR" smtClean="0"/>
-              <a:t>15/09/2023</a:t>
+              <a:t>18/09/2023</a:t>
             </a:fld>
             <a:endParaRPr lang="fr-FR"/>
           </a:p>
@@ -562,7 +562,7 @@
           <a:p>
             <a:fld id="{D7F135F6-2A09-4FDD-9ECA-096E230CA0FA}" type="datetimeFigureOut">
               <a:rPr lang="fr-FR" smtClean="0"/>
-              <a:t>15/09/2023</a:t>
+              <a:t>18/09/2023</a:t>
             </a:fld>
             <a:endParaRPr lang="fr-FR"/>
           </a:p>
@@ -818,7 +818,7 @@
           <a:p>
             <a:fld id="{D7F135F6-2A09-4FDD-9ECA-096E230CA0FA}" type="datetimeFigureOut">
               <a:rPr lang="fr-FR" smtClean="0"/>
-              <a:t>15/09/2023</a:t>
+              <a:t>18/09/2023</a:t>
             </a:fld>
             <a:endParaRPr lang="fr-FR"/>
           </a:p>
@@ -1024,7 +1024,7 @@
           <a:p>
             <a:fld id="{D7F135F6-2A09-4FDD-9ECA-096E230CA0FA}" type="datetimeFigureOut">
               <a:rPr lang="fr-FR" smtClean="0"/>
-              <a:t>15/09/2023</a:t>
+              <a:t>18/09/2023</a:t>
             </a:fld>
             <a:endParaRPr lang="fr-FR"/>
           </a:p>
@@ -1386,7 +1386,7 @@
           <a:p>
             <a:fld id="{D7F135F6-2A09-4FDD-9ECA-096E230CA0FA}" type="datetimeFigureOut">
               <a:rPr lang="fr-FR" smtClean="0"/>
-              <a:t>15/09/2023</a:t>
+              <a:t>18/09/2023</a:t>
             </a:fld>
             <a:endParaRPr lang="fr-FR"/>
           </a:p>
@@ -1661,7 +1661,7 @@
           <a:p>
             <a:fld id="{D7F135F6-2A09-4FDD-9ECA-096E230CA0FA}" type="datetimeFigureOut">
               <a:rPr lang="fr-FR" smtClean="0"/>
-              <a:t>15/09/2023</a:t>
+              <a:t>18/09/2023</a:t>
             </a:fld>
             <a:endParaRPr lang="fr-FR"/>
           </a:p>
@@ -2040,7 +2040,7 @@
           <a:p>
             <a:fld id="{D7F135F6-2A09-4FDD-9ECA-096E230CA0FA}" type="datetimeFigureOut">
               <a:rPr lang="fr-FR" smtClean="0"/>
-              <a:t>15/09/2023</a:t>
+              <a:t>18/09/2023</a:t>
             </a:fld>
             <a:endParaRPr lang="fr-FR"/>
           </a:p>
@@ -2158,7 +2158,7 @@
           <a:p>
             <a:fld id="{D7F135F6-2A09-4FDD-9ECA-096E230CA0FA}" type="datetimeFigureOut">
               <a:rPr lang="fr-FR" smtClean="0"/>
-              <a:t>15/09/2023</a:t>
+              <a:t>18/09/2023</a:t>
             </a:fld>
             <a:endParaRPr lang="fr-FR"/>
           </a:p>
@@ -2332,7 +2332,7 @@
           <a:p>
             <a:fld id="{D7F135F6-2A09-4FDD-9ECA-096E230CA0FA}" type="datetimeFigureOut">
               <a:rPr lang="fr-FR" smtClean="0"/>
-              <a:t>15/09/2023</a:t>
+              <a:t>18/09/2023</a:t>
             </a:fld>
             <a:endParaRPr lang="fr-FR"/>
           </a:p>
@@ -2689,7 +2689,7 @@
           <a:p>
             <a:fld id="{D7F135F6-2A09-4FDD-9ECA-096E230CA0FA}" type="datetimeFigureOut">
               <a:rPr lang="fr-FR" smtClean="0"/>
-              <a:t>15/09/2023</a:t>
+              <a:t>18/09/2023</a:t>
             </a:fld>
             <a:endParaRPr lang="fr-FR"/>
           </a:p>
@@ -3074,7 +3074,7 @@
           <a:p>
             <a:fld id="{D7F135F6-2A09-4FDD-9ECA-096E230CA0FA}" type="datetimeFigureOut">
               <a:rPr lang="fr-FR" smtClean="0"/>
-              <a:t>15/09/2023</a:t>
+              <a:t>18/09/2023</a:t>
             </a:fld>
             <a:endParaRPr lang="fr-FR"/>
           </a:p>
@@ -3364,7 +3364,7 @@
           <a:p>
             <a:fld id="{D7F135F6-2A09-4FDD-9ECA-096E230CA0FA}" type="datetimeFigureOut">
               <a:rPr lang="fr-FR" smtClean="0"/>
-              <a:t>15/09/2023</a:t>
+              <a:t>18/09/2023</a:t>
             </a:fld>
             <a:endParaRPr lang="fr-FR" dirty="0"/>
           </a:p>
@@ -4021,7 +4021,10 @@
           <a:bodyPr/>
           <a:lstStyle/>
           <a:p>
-            <a:endParaRPr lang="fr-FR"/>
+            <a:r>
+              <a:rPr lang="fr-FR" dirty="0"/>
+              <a:t>Codeur incrémental</a:t>
+            </a:r>
           </a:p>
         </p:txBody>
       </p:sp>
@@ -7199,8 +7202,8 @@
         </p:blipFill>
         <p:spPr bwMode="auto">
           <a:xfrm>
-            <a:off x="7762053" y="3716824"/>
-            <a:ext cx="2192968" cy="2097939"/>
+            <a:off x="8841025" y="2487499"/>
+            <a:ext cx="1891322" cy="1809364"/>
           </a:xfrm>
           <a:prstGeom prst="rect">
             <a:avLst/>
@@ -7239,14 +7242,592 @@
         </p:blipFill>
         <p:spPr>
           <a:xfrm>
-            <a:off x="9955021" y="3722629"/>
-            <a:ext cx="2169477" cy="2092134"/>
+            <a:off x="10499303" y="3899749"/>
+            <a:ext cx="1704805" cy="1644028"/>
           </a:xfrm>
           <a:prstGeom prst="rect">
             <a:avLst/>
           </a:prstGeom>
         </p:spPr>
       </p:pic>
+      <p:cxnSp>
+        <p:nvCxnSpPr>
+          <p:cNvPr id="3" name="Connecteur droit avec flèche 2">
+            <a:extLst>
+              <a:ext uri="{FF2B5EF4-FFF2-40B4-BE49-F238E27FC236}">
+                <a16:creationId xmlns:a16="http://schemas.microsoft.com/office/drawing/2014/main" id="{F1E023AB-A22B-08E1-DA07-F2F66C5B6B45}"/>
+              </a:ext>
+            </a:extLst>
+          </p:cNvPr>
+          <p:cNvCxnSpPr/>
+          <p:nvPr/>
+        </p:nvCxnSpPr>
+        <p:spPr>
+          <a:xfrm flipV="1">
+            <a:off x="4542710" y="4564466"/>
+            <a:ext cx="0" cy="979714"/>
+          </a:xfrm>
+          <a:prstGeom prst="straightConnector1">
+            <a:avLst/>
+          </a:prstGeom>
+          <a:ln w="28575">
+            <a:solidFill>
+              <a:srgbClr val="00547F"/>
+            </a:solidFill>
+            <a:headEnd type="none"/>
+            <a:tailEnd type="stealth" w="med" len="lg"/>
+          </a:ln>
+        </p:spPr>
+        <p:style>
+          <a:lnRef idx="1">
+            <a:schemeClr val="accent1"/>
+          </a:lnRef>
+          <a:fillRef idx="0">
+            <a:schemeClr val="accent1"/>
+          </a:fillRef>
+          <a:effectRef idx="0">
+            <a:schemeClr val="accent1"/>
+          </a:effectRef>
+          <a:fontRef idx="minor">
+            <a:schemeClr val="tx1"/>
+          </a:fontRef>
+        </p:style>
+      </p:cxnSp>
+      <p:cxnSp>
+        <p:nvCxnSpPr>
+          <p:cNvPr id="7" name="Connecteur droit avec flèche 6">
+            <a:extLst>
+              <a:ext uri="{FF2B5EF4-FFF2-40B4-BE49-F238E27FC236}">
+                <a16:creationId xmlns:a16="http://schemas.microsoft.com/office/drawing/2014/main" id="{B4A1213D-B62A-2231-BF8E-3A9C317E26A2}"/>
+              </a:ext>
+            </a:extLst>
+          </p:cNvPr>
+          <p:cNvCxnSpPr>
+            <a:cxnSpLocks/>
+          </p:cNvCxnSpPr>
+          <p:nvPr/>
+        </p:nvCxnSpPr>
+        <p:spPr>
+          <a:xfrm>
+            <a:off x="4542710" y="5543777"/>
+            <a:ext cx="3606451" cy="0"/>
+          </a:xfrm>
+          <a:prstGeom prst="straightConnector1">
+            <a:avLst/>
+          </a:prstGeom>
+          <a:ln w="28575">
+            <a:solidFill>
+              <a:srgbClr val="00547F"/>
+            </a:solidFill>
+            <a:headEnd type="none"/>
+            <a:tailEnd type="stealth" w="med" len="lg"/>
+          </a:ln>
+        </p:spPr>
+        <p:style>
+          <a:lnRef idx="1">
+            <a:schemeClr val="accent1"/>
+          </a:lnRef>
+          <a:fillRef idx="0">
+            <a:schemeClr val="accent1"/>
+          </a:fillRef>
+          <a:effectRef idx="0">
+            <a:schemeClr val="accent1"/>
+          </a:effectRef>
+          <a:fontRef idx="minor">
+            <a:schemeClr val="tx1"/>
+          </a:fontRef>
+        </p:style>
+      </p:cxnSp>
+      <p:cxnSp>
+        <p:nvCxnSpPr>
+          <p:cNvPr id="8" name="Connecteur droit avec flèche 7">
+            <a:extLst>
+              <a:ext uri="{FF2B5EF4-FFF2-40B4-BE49-F238E27FC236}">
+                <a16:creationId xmlns:a16="http://schemas.microsoft.com/office/drawing/2014/main" id="{56599965-4109-9D4E-F29B-68384CF621E0}"/>
+              </a:ext>
+            </a:extLst>
+          </p:cNvPr>
+          <p:cNvCxnSpPr>
+            <a:cxnSpLocks/>
+          </p:cNvCxnSpPr>
+          <p:nvPr/>
+        </p:nvCxnSpPr>
+        <p:spPr>
+          <a:xfrm>
+            <a:off x="4545992" y="5534042"/>
+            <a:ext cx="384538" cy="0"/>
+          </a:xfrm>
+          <a:prstGeom prst="straightConnector1">
+            <a:avLst/>
+          </a:prstGeom>
+          <a:ln w="28575">
+            <a:solidFill>
+              <a:srgbClr val="C00000"/>
+            </a:solidFill>
+            <a:headEnd type="none"/>
+            <a:tailEnd type="none" w="med" len="lg"/>
+          </a:ln>
+        </p:spPr>
+        <p:style>
+          <a:lnRef idx="1">
+            <a:schemeClr val="accent1"/>
+          </a:lnRef>
+          <a:fillRef idx="0">
+            <a:schemeClr val="accent1"/>
+          </a:fillRef>
+          <a:effectRef idx="0">
+            <a:schemeClr val="accent1"/>
+          </a:effectRef>
+          <a:fontRef idx="minor">
+            <a:schemeClr val="tx1"/>
+          </a:fontRef>
+        </p:style>
+      </p:cxnSp>
+      <p:cxnSp>
+        <p:nvCxnSpPr>
+          <p:cNvPr id="10" name="Connecteur droit avec flèche 9">
+            <a:extLst>
+              <a:ext uri="{FF2B5EF4-FFF2-40B4-BE49-F238E27FC236}">
+                <a16:creationId xmlns:a16="http://schemas.microsoft.com/office/drawing/2014/main" id="{2FA58F1D-DCD4-223F-DF88-0B32BA938328}"/>
+              </a:ext>
+            </a:extLst>
+          </p:cNvPr>
+          <p:cNvCxnSpPr>
+            <a:cxnSpLocks/>
+          </p:cNvCxnSpPr>
+          <p:nvPr/>
+        </p:nvCxnSpPr>
+        <p:spPr>
+          <a:xfrm flipH="1">
+            <a:off x="4929963" y="1947449"/>
+            <a:ext cx="0" cy="3600000"/>
+          </a:xfrm>
+          <a:prstGeom prst="straightConnector1">
+            <a:avLst/>
+          </a:prstGeom>
+          <a:ln w="12700">
+            <a:solidFill>
+              <a:srgbClr val="C00000"/>
+            </a:solidFill>
+            <a:prstDash val="sysDash"/>
+            <a:headEnd type="none"/>
+            <a:tailEnd type="none" w="med" len="lg"/>
+          </a:ln>
+        </p:spPr>
+        <p:style>
+          <a:lnRef idx="1">
+            <a:schemeClr val="accent1"/>
+          </a:lnRef>
+          <a:fillRef idx="0">
+            <a:schemeClr val="accent1"/>
+          </a:fillRef>
+          <a:effectRef idx="0">
+            <a:schemeClr val="accent1"/>
+          </a:effectRef>
+          <a:fontRef idx="minor">
+            <a:schemeClr val="tx1"/>
+          </a:fontRef>
+        </p:style>
+      </p:cxnSp>
+      <p:cxnSp>
+        <p:nvCxnSpPr>
+          <p:cNvPr id="16" name="Connecteur droit avec flèche 15">
+            <a:extLst>
+              <a:ext uri="{FF2B5EF4-FFF2-40B4-BE49-F238E27FC236}">
+                <a16:creationId xmlns:a16="http://schemas.microsoft.com/office/drawing/2014/main" id="{DA9FC57A-CC49-88AF-9AB6-AF5D3BAC9FFE}"/>
+              </a:ext>
+            </a:extLst>
+          </p:cNvPr>
+          <p:cNvCxnSpPr>
+            <a:cxnSpLocks/>
+          </p:cNvCxnSpPr>
+          <p:nvPr/>
+        </p:nvCxnSpPr>
+        <p:spPr>
+          <a:xfrm>
+            <a:off x="4929963" y="5376013"/>
+            <a:ext cx="384538" cy="0"/>
+          </a:xfrm>
+          <a:prstGeom prst="straightConnector1">
+            <a:avLst/>
+          </a:prstGeom>
+          <a:ln w="28575">
+            <a:solidFill>
+              <a:srgbClr val="C00000"/>
+            </a:solidFill>
+            <a:headEnd type="none"/>
+            <a:tailEnd type="none" w="med" len="lg"/>
+          </a:ln>
+        </p:spPr>
+        <p:style>
+          <a:lnRef idx="1">
+            <a:schemeClr val="accent1"/>
+          </a:lnRef>
+          <a:fillRef idx="0">
+            <a:schemeClr val="accent1"/>
+          </a:fillRef>
+          <a:effectRef idx="0">
+            <a:schemeClr val="accent1"/>
+          </a:effectRef>
+          <a:fontRef idx="minor">
+            <a:schemeClr val="tx1"/>
+          </a:fontRef>
+        </p:style>
+      </p:cxnSp>
+      <p:cxnSp>
+        <p:nvCxnSpPr>
+          <p:cNvPr id="25" name="Connecteur droit avec flèche 24">
+            <a:extLst>
+              <a:ext uri="{FF2B5EF4-FFF2-40B4-BE49-F238E27FC236}">
+                <a16:creationId xmlns:a16="http://schemas.microsoft.com/office/drawing/2014/main" id="{CBF4F36F-730A-D7E2-F22A-EE609E72C4FA}"/>
+              </a:ext>
+            </a:extLst>
+          </p:cNvPr>
+          <p:cNvCxnSpPr>
+            <a:cxnSpLocks/>
+          </p:cNvCxnSpPr>
+          <p:nvPr/>
+        </p:nvCxnSpPr>
+        <p:spPr>
+          <a:xfrm flipH="1">
+            <a:off x="5317217" y="1979316"/>
+            <a:ext cx="0" cy="3600000"/>
+          </a:xfrm>
+          <a:prstGeom prst="straightConnector1">
+            <a:avLst/>
+          </a:prstGeom>
+          <a:ln w="12700">
+            <a:solidFill>
+              <a:srgbClr val="C00000"/>
+            </a:solidFill>
+            <a:prstDash val="sysDash"/>
+            <a:headEnd type="none"/>
+            <a:tailEnd type="none" w="med" len="lg"/>
+          </a:ln>
+        </p:spPr>
+        <p:style>
+          <a:lnRef idx="1">
+            <a:schemeClr val="accent1"/>
+          </a:lnRef>
+          <a:fillRef idx="0">
+            <a:schemeClr val="accent1"/>
+          </a:fillRef>
+          <a:effectRef idx="0">
+            <a:schemeClr val="accent1"/>
+          </a:effectRef>
+          <a:fontRef idx="minor">
+            <a:schemeClr val="tx1"/>
+          </a:fontRef>
+        </p:style>
+      </p:cxnSp>
+      <p:cxnSp>
+        <p:nvCxnSpPr>
+          <p:cNvPr id="39" name="Connecteur droit avec flèche 38">
+            <a:extLst>
+              <a:ext uri="{FF2B5EF4-FFF2-40B4-BE49-F238E27FC236}">
+                <a16:creationId xmlns:a16="http://schemas.microsoft.com/office/drawing/2014/main" id="{6B68E826-FC6E-7222-12CC-6840C7FCE3A6}"/>
+              </a:ext>
+            </a:extLst>
+          </p:cNvPr>
+          <p:cNvCxnSpPr>
+            <a:cxnSpLocks/>
+          </p:cNvCxnSpPr>
+          <p:nvPr/>
+        </p:nvCxnSpPr>
+        <p:spPr>
+          <a:xfrm flipH="1">
+            <a:off x="5648058" y="1917108"/>
+            <a:ext cx="0" cy="3600000"/>
+          </a:xfrm>
+          <a:prstGeom prst="straightConnector1">
+            <a:avLst/>
+          </a:prstGeom>
+          <a:ln w="12700">
+            <a:solidFill>
+              <a:srgbClr val="C00000"/>
+            </a:solidFill>
+            <a:prstDash val="sysDash"/>
+            <a:headEnd type="none"/>
+            <a:tailEnd type="none" w="med" len="lg"/>
+          </a:ln>
+        </p:spPr>
+        <p:style>
+          <a:lnRef idx="1">
+            <a:schemeClr val="accent1"/>
+          </a:lnRef>
+          <a:fillRef idx="0">
+            <a:schemeClr val="accent1"/>
+          </a:fillRef>
+          <a:effectRef idx="0">
+            <a:schemeClr val="accent1"/>
+          </a:effectRef>
+          <a:fontRef idx="minor">
+            <a:schemeClr val="tx1"/>
+          </a:fontRef>
+        </p:style>
+      </p:cxnSp>
+      <p:cxnSp>
+        <p:nvCxnSpPr>
+          <p:cNvPr id="44" name="Connecteur droit avec flèche 43">
+            <a:extLst>
+              <a:ext uri="{FF2B5EF4-FFF2-40B4-BE49-F238E27FC236}">
+                <a16:creationId xmlns:a16="http://schemas.microsoft.com/office/drawing/2014/main" id="{0EE8430E-6D30-10A8-B4CD-61A92F973011}"/>
+              </a:ext>
+            </a:extLst>
+          </p:cNvPr>
+          <p:cNvCxnSpPr>
+            <a:cxnSpLocks/>
+          </p:cNvCxnSpPr>
+          <p:nvPr/>
+        </p:nvCxnSpPr>
+        <p:spPr>
+          <a:xfrm flipH="1">
+            <a:off x="6000628" y="1943777"/>
+            <a:ext cx="0" cy="3600000"/>
+          </a:xfrm>
+          <a:prstGeom prst="straightConnector1">
+            <a:avLst/>
+          </a:prstGeom>
+          <a:ln w="12700">
+            <a:solidFill>
+              <a:srgbClr val="C00000"/>
+            </a:solidFill>
+            <a:prstDash val="sysDash"/>
+            <a:headEnd type="none"/>
+            <a:tailEnd type="none" w="med" len="lg"/>
+          </a:ln>
+        </p:spPr>
+        <p:style>
+          <a:lnRef idx="1">
+            <a:schemeClr val="accent1"/>
+          </a:lnRef>
+          <a:fillRef idx="0">
+            <a:schemeClr val="accent1"/>
+          </a:fillRef>
+          <a:effectRef idx="0">
+            <a:schemeClr val="accent1"/>
+          </a:effectRef>
+          <a:fontRef idx="minor">
+            <a:schemeClr val="tx1"/>
+          </a:fontRef>
+        </p:style>
+      </p:cxnSp>
+      <p:cxnSp>
+        <p:nvCxnSpPr>
+          <p:cNvPr id="47" name="Connecteur droit avec flèche 46">
+            <a:extLst>
+              <a:ext uri="{FF2B5EF4-FFF2-40B4-BE49-F238E27FC236}">
+                <a16:creationId xmlns:a16="http://schemas.microsoft.com/office/drawing/2014/main" id="{25D6B452-DC21-5281-6CBF-FBFAC5854E67}"/>
+              </a:ext>
+            </a:extLst>
+          </p:cNvPr>
+          <p:cNvCxnSpPr>
+            <a:cxnSpLocks/>
+          </p:cNvCxnSpPr>
+          <p:nvPr/>
+        </p:nvCxnSpPr>
+        <p:spPr>
+          <a:xfrm>
+            <a:off x="5314501" y="5217983"/>
+            <a:ext cx="333557" cy="0"/>
+          </a:xfrm>
+          <a:prstGeom prst="straightConnector1">
+            <a:avLst/>
+          </a:prstGeom>
+          <a:ln w="28575">
+            <a:solidFill>
+              <a:srgbClr val="C00000"/>
+            </a:solidFill>
+            <a:headEnd type="none"/>
+            <a:tailEnd type="none" w="med" len="lg"/>
+          </a:ln>
+        </p:spPr>
+        <p:style>
+          <a:lnRef idx="1">
+            <a:schemeClr val="accent1"/>
+          </a:lnRef>
+          <a:fillRef idx="0">
+            <a:schemeClr val="accent1"/>
+          </a:fillRef>
+          <a:effectRef idx="0">
+            <a:schemeClr val="accent1"/>
+          </a:effectRef>
+          <a:fontRef idx="minor">
+            <a:schemeClr val="tx1"/>
+          </a:fontRef>
+        </p:style>
+      </p:cxnSp>
+      <p:cxnSp>
+        <p:nvCxnSpPr>
+          <p:cNvPr id="63" name="Connecteur droit avec flèche 62">
+            <a:extLst>
+              <a:ext uri="{FF2B5EF4-FFF2-40B4-BE49-F238E27FC236}">
+                <a16:creationId xmlns:a16="http://schemas.microsoft.com/office/drawing/2014/main" id="{F85BBA92-56F0-F580-1132-FBAE44E42482}"/>
+              </a:ext>
+            </a:extLst>
+          </p:cNvPr>
+          <p:cNvCxnSpPr>
+            <a:cxnSpLocks/>
+          </p:cNvCxnSpPr>
+          <p:nvPr/>
+        </p:nvCxnSpPr>
+        <p:spPr>
+          <a:xfrm>
+            <a:off x="5644210" y="5059953"/>
+            <a:ext cx="333557" cy="0"/>
+          </a:xfrm>
+          <a:prstGeom prst="straightConnector1">
+            <a:avLst/>
+          </a:prstGeom>
+          <a:ln w="28575">
+            <a:solidFill>
+              <a:srgbClr val="C00000"/>
+            </a:solidFill>
+            <a:headEnd type="none"/>
+            <a:tailEnd type="none" w="med" len="lg"/>
+          </a:ln>
+        </p:spPr>
+        <p:style>
+          <a:lnRef idx="1">
+            <a:schemeClr val="accent1"/>
+          </a:lnRef>
+          <a:fillRef idx="0">
+            <a:schemeClr val="accent1"/>
+          </a:fillRef>
+          <a:effectRef idx="0">
+            <a:schemeClr val="accent1"/>
+          </a:effectRef>
+          <a:fontRef idx="minor">
+            <a:schemeClr val="tx1"/>
+          </a:fontRef>
+        </p:style>
+      </p:cxnSp>
+      <p:cxnSp>
+        <p:nvCxnSpPr>
+          <p:cNvPr id="65" name="Connecteur droit avec flèche 64">
+            <a:extLst>
+              <a:ext uri="{FF2B5EF4-FFF2-40B4-BE49-F238E27FC236}">
+                <a16:creationId xmlns:a16="http://schemas.microsoft.com/office/drawing/2014/main" id="{AE2E37C1-7BC4-D77A-9AB0-3CE1FEC2F9BE}"/>
+              </a:ext>
+            </a:extLst>
+          </p:cNvPr>
+          <p:cNvCxnSpPr>
+            <a:cxnSpLocks/>
+          </p:cNvCxnSpPr>
+          <p:nvPr/>
+        </p:nvCxnSpPr>
+        <p:spPr>
+          <a:xfrm flipH="1">
+            <a:off x="6383652" y="1943777"/>
+            <a:ext cx="0" cy="3600000"/>
+          </a:xfrm>
+          <a:prstGeom prst="straightConnector1">
+            <a:avLst/>
+          </a:prstGeom>
+          <a:ln w="12700">
+            <a:solidFill>
+              <a:srgbClr val="C00000"/>
+            </a:solidFill>
+            <a:prstDash val="sysDash"/>
+            <a:headEnd type="none"/>
+            <a:tailEnd type="none" w="med" len="lg"/>
+          </a:ln>
+        </p:spPr>
+        <p:style>
+          <a:lnRef idx="1">
+            <a:schemeClr val="accent1"/>
+          </a:lnRef>
+          <a:fillRef idx="0">
+            <a:schemeClr val="accent1"/>
+          </a:fillRef>
+          <a:effectRef idx="0">
+            <a:schemeClr val="accent1"/>
+          </a:effectRef>
+          <a:fontRef idx="minor">
+            <a:schemeClr val="tx1"/>
+          </a:fontRef>
+        </p:style>
+      </p:cxnSp>
+      <p:cxnSp>
+        <p:nvCxnSpPr>
+          <p:cNvPr id="67" name="Connecteur droit avec flèche 66">
+            <a:extLst>
+              <a:ext uri="{FF2B5EF4-FFF2-40B4-BE49-F238E27FC236}">
+                <a16:creationId xmlns:a16="http://schemas.microsoft.com/office/drawing/2014/main" id="{B75F6D20-4980-2AAF-0E4A-31690F964B0B}"/>
+              </a:ext>
+            </a:extLst>
+          </p:cNvPr>
+          <p:cNvCxnSpPr>
+            <a:cxnSpLocks/>
+          </p:cNvCxnSpPr>
+          <p:nvPr/>
+        </p:nvCxnSpPr>
+        <p:spPr>
+          <a:xfrm>
+            <a:off x="6009979" y="4901923"/>
+            <a:ext cx="356173" cy="0"/>
+          </a:xfrm>
+          <a:prstGeom prst="straightConnector1">
+            <a:avLst/>
+          </a:prstGeom>
+          <a:ln w="28575">
+            <a:solidFill>
+              <a:srgbClr val="C00000"/>
+            </a:solidFill>
+            <a:headEnd type="none"/>
+            <a:tailEnd type="none" w="med" len="lg"/>
+          </a:ln>
+        </p:spPr>
+        <p:style>
+          <a:lnRef idx="1">
+            <a:schemeClr val="accent1"/>
+          </a:lnRef>
+          <a:fillRef idx="0">
+            <a:schemeClr val="accent1"/>
+          </a:fillRef>
+          <a:effectRef idx="0">
+            <a:schemeClr val="accent1"/>
+          </a:effectRef>
+          <a:fontRef idx="minor">
+            <a:schemeClr val="tx1"/>
+          </a:fontRef>
+        </p:style>
+      </p:cxnSp>
+      <p:sp>
+        <p:nvSpPr>
+          <p:cNvPr id="69" name="ZoneTexte 68">
+            <a:extLst>
+              <a:ext uri="{FF2B5EF4-FFF2-40B4-BE49-F238E27FC236}">
+                <a16:creationId xmlns:a16="http://schemas.microsoft.com/office/drawing/2014/main" id="{9147FAF2-CF24-9022-229E-016E5835B95B}"/>
+              </a:ext>
+            </a:extLst>
+          </p:cNvPr>
+          <p:cNvSpPr txBox="1"/>
+          <p:nvPr/>
+        </p:nvSpPr>
+        <p:spPr>
+          <a:xfrm>
+            <a:off x="4106507" y="4308617"/>
+            <a:ext cx="1006173" cy="307777"/>
+          </a:xfrm>
+          <a:prstGeom prst="rect">
+            <a:avLst/>
+          </a:prstGeom>
+          <a:noFill/>
+        </p:spPr>
+        <p:txBody>
+          <a:bodyPr wrap="none" rtlCol="0">
+            <a:spAutoFit/>
+          </a:bodyPr>
+          <a:lstStyle/>
+          <a:p>
+            <a:r>
+              <a:rPr lang="fr-FR" sz="1400" dirty="0"/>
+              <a:t>Incréments</a:t>
+            </a:r>
+          </a:p>
+        </p:txBody>
+      </p:sp>
     </p:spTree>
     <p:extLst>
       <p:ext uri="{BB962C8B-B14F-4D97-AF65-F5344CB8AC3E}">
@@ -7323,8 +7904,8 @@
         </p:nvSpPr>
         <p:spPr>
           <a:xfrm>
-            <a:off x="4924767" y="3178847"/>
-            <a:ext cx="7182997" cy="2947985"/>
+            <a:off x="6019800" y="3178847"/>
+            <a:ext cx="6087964" cy="2947985"/>
           </a:xfrm>
         </p:spPr>
         <p:txBody>
@@ -9486,7 +10067,10 @@
           <a:bodyPr/>
           <a:lstStyle/>
           <a:p>
-            <a:endParaRPr lang="fr-FR"/>
+            <a:r>
+              <a:rPr lang="fr-FR"/>
+              <a:t>Hacheur</a:t>
+            </a:r>
           </a:p>
         </p:txBody>
       </p:sp>
@@ -11970,8 +12554,8 @@
           </p:sp>
         </mc:Fallback>
       </mc:AlternateContent>
-      <mc:AlternateContent xmlns:mc="http://schemas.openxmlformats.org/markup-compatibility/2006">
-        <mc:Choice xmlns:a14="http://schemas.microsoft.com/office/drawing/2010/main" Requires="a14">
+      <mc:AlternateContent xmlns:mc="http://schemas.openxmlformats.org/markup-compatibility/2006" xmlns:a14="http://schemas.microsoft.com/office/drawing/2010/main">
+        <mc:Choice Requires="a14">
           <p:sp>
             <p:nvSpPr>
               <p:cNvPr id="65" name="ZoneTexte 64">
@@ -12035,7 +12619,7 @@
             </p:txBody>
           </p:sp>
         </mc:Choice>
-        <mc:Fallback>
+        <mc:Fallback xmlns="">
           <p:sp>
             <p:nvSpPr>
               <p:cNvPr id="65" name="ZoneTexte 64">

--- a/12_MCC/12_MCC_Corrige.pptx
+++ b/12_MCC/12_MCC_Corrige.pptx
@@ -357,7 +357,7 @@
           <a:p>
             <a:fld id="{D7F135F6-2A09-4FDD-9ECA-096E230CA0FA}" type="datetimeFigureOut">
               <a:rPr lang="fr-FR" smtClean="0"/>
-              <a:t>18/09/2023</a:t>
+              <a:t>09/10/2023</a:t>
             </a:fld>
             <a:endParaRPr lang="fr-FR"/>
           </a:p>
@@ -562,7 +562,7 @@
           <a:p>
             <a:fld id="{D7F135F6-2A09-4FDD-9ECA-096E230CA0FA}" type="datetimeFigureOut">
               <a:rPr lang="fr-FR" smtClean="0"/>
-              <a:t>18/09/2023</a:t>
+              <a:t>09/10/2023</a:t>
             </a:fld>
             <a:endParaRPr lang="fr-FR"/>
           </a:p>
@@ -818,7 +818,7 @@
           <a:p>
             <a:fld id="{D7F135F6-2A09-4FDD-9ECA-096E230CA0FA}" type="datetimeFigureOut">
               <a:rPr lang="fr-FR" smtClean="0"/>
-              <a:t>18/09/2023</a:t>
+              <a:t>09/10/2023</a:t>
             </a:fld>
             <a:endParaRPr lang="fr-FR"/>
           </a:p>
@@ -1024,7 +1024,7 @@
           <a:p>
             <a:fld id="{D7F135F6-2A09-4FDD-9ECA-096E230CA0FA}" type="datetimeFigureOut">
               <a:rPr lang="fr-FR" smtClean="0"/>
-              <a:t>18/09/2023</a:t>
+              <a:t>09/10/2023</a:t>
             </a:fld>
             <a:endParaRPr lang="fr-FR"/>
           </a:p>
@@ -1386,7 +1386,7 @@
           <a:p>
             <a:fld id="{D7F135F6-2A09-4FDD-9ECA-096E230CA0FA}" type="datetimeFigureOut">
               <a:rPr lang="fr-FR" smtClean="0"/>
-              <a:t>18/09/2023</a:t>
+              <a:t>09/10/2023</a:t>
             </a:fld>
             <a:endParaRPr lang="fr-FR"/>
           </a:p>
@@ -1661,7 +1661,7 @@
           <a:p>
             <a:fld id="{D7F135F6-2A09-4FDD-9ECA-096E230CA0FA}" type="datetimeFigureOut">
               <a:rPr lang="fr-FR" smtClean="0"/>
-              <a:t>18/09/2023</a:t>
+              <a:t>09/10/2023</a:t>
             </a:fld>
             <a:endParaRPr lang="fr-FR"/>
           </a:p>
@@ -2040,7 +2040,7 @@
           <a:p>
             <a:fld id="{D7F135F6-2A09-4FDD-9ECA-096E230CA0FA}" type="datetimeFigureOut">
               <a:rPr lang="fr-FR" smtClean="0"/>
-              <a:t>18/09/2023</a:t>
+              <a:t>09/10/2023</a:t>
             </a:fld>
             <a:endParaRPr lang="fr-FR"/>
           </a:p>
@@ -2158,7 +2158,7 @@
           <a:p>
             <a:fld id="{D7F135F6-2A09-4FDD-9ECA-096E230CA0FA}" type="datetimeFigureOut">
               <a:rPr lang="fr-FR" smtClean="0"/>
-              <a:t>18/09/2023</a:t>
+              <a:t>09/10/2023</a:t>
             </a:fld>
             <a:endParaRPr lang="fr-FR"/>
           </a:p>
@@ -2332,7 +2332,7 @@
           <a:p>
             <a:fld id="{D7F135F6-2A09-4FDD-9ECA-096E230CA0FA}" type="datetimeFigureOut">
               <a:rPr lang="fr-FR" smtClean="0"/>
-              <a:t>18/09/2023</a:t>
+              <a:t>09/10/2023</a:t>
             </a:fld>
             <a:endParaRPr lang="fr-FR"/>
           </a:p>
@@ -2689,7 +2689,7 @@
           <a:p>
             <a:fld id="{D7F135F6-2A09-4FDD-9ECA-096E230CA0FA}" type="datetimeFigureOut">
               <a:rPr lang="fr-FR" smtClean="0"/>
-              <a:t>18/09/2023</a:t>
+              <a:t>09/10/2023</a:t>
             </a:fld>
             <a:endParaRPr lang="fr-FR"/>
           </a:p>
@@ -3074,7 +3074,7 @@
           <a:p>
             <a:fld id="{D7F135F6-2A09-4FDD-9ECA-096E230CA0FA}" type="datetimeFigureOut">
               <a:rPr lang="fr-FR" smtClean="0"/>
-              <a:t>18/09/2023</a:t>
+              <a:t>09/10/2023</a:t>
             </a:fld>
             <a:endParaRPr lang="fr-FR"/>
           </a:p>
@@ -3364,7 +3364,7 @@
           <a:p>
             <a:fld id="{D7F135F6-2A09-4FDD-9ECA-096E230CA0FA}" type="datetimeFigureOut">
               <a:rPr lang="fr-FR" smtClean="0"/>
-              <a:t>18/09/2023</a:t>
+              <a:t>09/10/2023</a:t>
             </a:fld>
             <a:endParaRPr lang="fr-FR" dirty="0"/>
           </a:p>
@@ -10097,7 +10097,7 @@
           <a:p>
             <a:r>
               <a:rPr lang="fr-FR" dirty="0"/>
-              <a:t> TTT</a:t>
+              <a:t> </a:t>
             </a:r>
           </a:p>
         </p:txBody>
@@ -10245,13 +10245,8 @@
           <a:p>
             <a:r>
               <a:rPr lang="fr-FR" dirty="0"/>
-              <a:t>Chaine fonctionnelle du </a:t>
+              <a:t>Chaine fonctionnelle du Moteur à courant continu</a:t>
             </a:r>
-            <a:r>
-              <a:rPr lang="fr-FR" dirty="0" err="1"/>
-              <a:t>Control’X</a:t>
-            </a:r>
-            <a:endParaRPr lang="fr-FR" dirty="0"/>
           </a:p>
         </p:txBody>
       </p:sp>
@@ -10772,13 +10767,25 @@
           <a:p>
             <a:pPr algn="ctr"/>
             <a:r>
-              <a:rPr lang="fr-FR" sz="1200" dirty="0">
+              <a:rPr lang="fr-FR" sz="1050" dirty="0">
                 <a:solidFill>
                   <a:srgbClr val="FDAD57"/>
                 </a:solidFill>
                 <a:latin typeface="Arial Nova" panose="020B0504020202020204" pitchFamily="34" charset="0"/>
               </a:rPr>
               <a:t>Transformateur</a:t>
+            </a:r>
+          </a:p>
+          <a:p>
+            <a:pPr algn="ctr"/>
+            <a:r>
+              <a:rPr lang="fr-FR" sz="1050" dirty="0">
+                <a:solidFill>
+                  <a:srgbClr val="FDAD57"/>
+                </a:solidFill>
+                <a:latin typeface="Arial Nova" panose="020B0504020202020204" pitchFamily="34" charset="0"/>
+              </a:rPr>
+              <a:t>(Redresseur, Filtre, convertisseur)</a:t>
             </a:r>
           </a:p>
         </p:txBody>
@@ -12554,8 +12561,8 @@
           </p:sp>
         </mc:Fallback>
       </mc:AlternateContent>
-      <mc:AlternateContent xmlns:mc="http://schemas.openxmlformats.org/markup-compatibility/2006" xmlns:a14="http://schemas.microsoft.com/office/drawing/2010/main">
-        <mc:Choice Requires="a14">
+      <mc:AlternateContent xmlns:mc="http://schemas.openxmlformats.org/markup-compatibility/2006">
+        <mc:Choice xmlns:a14="http://schemas.microsoft.com/office/drawing/2010/main" Requires="a14">
           <p:sp>
             <p:nvSpPr>
               <p:cNvPr id="65" name="ZoneTexte 64">
@@ -12571,7 +12578,7 @@
             <p:spPr>
               <a:xfrm>
                 <a:off x="2282648" y="3611652"/>
-                <a:ext cx="1161960" cy="276999"/>
+                <a:ext cx="1161960" cy="461665"/>
               </a:xfrm>
               <a:prstGeom prst="rect">
                 <a:avLst/>
@@ -12609,6 +12616,51 @@
                     </m:r>
                   </m:oMath>
                 </a14:m>
+                <a:endParaRPr lang="fr-FR" sz="1100" b="1" dirty="0">
+                  <a:solidFill>
+                    <a:srgbClr val="FFB25A"/>
+                  </a:solidFill>
+                  <a:latin typeface="Arial Nova" panose="020B0504020202020204" pitchFamily="34" charset="0"/>
+                </a:endParaRPr>
+              </a:p>
+              <a:p>
+                <a:pPr algn="ctr"/>
+                <a14:m>
+                  <m:oMathPara xmlns:m="http://schemas.openxmlformats.org/officeDocument/2006/math">
+                    <m:oMathParaPr>
+                      <m:jc m:val="centerGroup"/>
+                    </m:oMathParaPr>
+                    <m:oMath xmlns:m="http://schemas.openxmlformats.org/officeDocument/2006/math">
+                      <m:r>
+                        <a:rPr lang="fr-FR" sz="1200" b="1" i="1" smtClean="0">
+                          <a:solidFill>
+                            <a:srgbClr val="FFB25A"/>
+                          </a:solidFill>
+                          <a:latin typeface="Cambria Math" panose="02040503050406030204" pitchFamily="18" charset="0"/>
+                        </a:rPr>
+                        <m:t>𝑷</m:t>
+                      </m:r>
+                      <m:r>
+                        <a:rPr lang="fr-FR" sz="1200" b="1" i="1" smtClean="0">
+                          <a:solidFill>
+                            <a:srgbClr val="FFB25A"/>
+                          </a:solidFill>
+                          <a:latin typeface="Cambria Math" panose="02040503050406030204" pitchFamily="18" charset="0"/>
+                        </a:rPr>
+                        <m:t>=</m:t>
+                      </m:r>
+                      <m:r>
+                        <a:rPr lang="fr-FR" sz="1200" b="1" i="1" smtClean="0">
+                          <a:solidFill>
+                            <a:srgbClr val="FFB25A"/>
+                          </a:solidFill>
+                          <a:latin typeface="Cambria Math" panose="02040503050406030204" pitchFamily="18" charset="0"/>
+                        </a:rPr>
+                        <m:t>𝑼𝑰</m:t>
+                      </m:r>
+                    </m:oMath>
+                  </m:oMathPara>
+                </a14:m>
                 <a:endParaRPr lang="fr-FR" sz="1200" b="1" dirty="0">
                   <a:solidFill>
                     <a:srgbClr val="FFB25A"/>
@@ -12619,7 +12671,7 @@
             </p:txBody>
           </p:sp>
         </mc:Choice>
-        <mc:Fallback xmlns="">
+        <mc:Fallback>
           <p:sp>
             <p:nvSpPr>
               <p:cNvPr id="65" name="ZoneTexte 64">
@@ -12637,7 +12689,7 @@
             <p:spPr>
               <a:xfrm>
                 <a:off x="2282648" y="3611652"/>
-                <a:ext cx="1161960" cy="276999"/>
+                <a:ext cx="1161960" cy="461665"/>
               </a:xfrm>
               <a:prstGeom prst="rect">
                 <a:avLst/>
@@ -12645,7 +12697,7 @@
               <a:blipFill>
                 <a:blip r:embed="rId10"/>
                 <a:stretch>
-                  <a:fillRect b="-15217"/>
+                  <a:fillRect/>
                 </a:stretch>
               </a:blipFill>
             </p:spPr>
@@ -12821,7 +12873,7 @@
                   <a:srgbClr val="00547F"/>
                 </a:solidFill>
               </a:rPr>
-              <a:t>Le codeur est indispensable pour réaliser l’asservissement du moteur. </a:t>
+              <a:t>Le codeur est indispensable pour réaliser l’asservissement en position du moteur. </a:t>
             </a:r>
           </a:p>
         </p:txBody>
@@ -12929,47 +12981,140 @@
           </p:spPr>
         </p:pic>
       </p:grpSp>
-      <p:sp>
-        <p:nvSpPr>
-          <p:cNvPr id="2" name="ZoneTexte 1">
-            <a:extLst>
-              <a:ext uri="{FF2B5EF4-FFF2-40B4-BE49-F238E27FC236}">
-                <a16:creationId xmlns:a16="http://schemas.microsoft.com/office/drawing/2014/main" id="{B39CA18C-C050-2248-E6F6-D99BB87303C8}"/>
-              </a:ext>
-            </a:extLst>
-          </p:cNvPr>
-          <p:cNvSpPr txBox="1"/>
-          <p:nvPr/>
-        </p:nvSpPr>
-        <p:spPr>
-          <a:xfrm>
-            <a:off x="4452429" y="3639956"/>
-            <a:ext cx="1161960" cy="276999"/>
-          </a:xfrm>
-          <a:prstGeom prst="rect">
-            <a:avLst/>
-          </a:prstGeom>
-          <a:noFill/>
-        </p:spPr>
-        <p:txBody>
-          <a:bodyPr wrap="square" rtlCol="0">
-            <a:spAutoFit/>
-          </a:bodyPr>
-          <a:lstStyle/>
-          <a:p>
-            <a:pPr algn="ctr"/>
-            <a:r>
-              <a:rPr lang="fr-FR" sz="1200" b="1" dirty="0">
-                <a:solidFill>
-                  <a:srgbClr val="FFB25A"/>
-                </a:solidFill>
-                <a:latin typeface="Arial Nova" panose="020B0504020202020204" pitchFamily="34" charset="0"/>
-              </a:rPr>
-              <a:t> 7,5 V</a:t>
-            </a:r>
-          </a:p>
-        </p:txBody>
-      </p:sp>
+      <mc:AlternateContent xmlns:mc="http://schemas.openxmlformats.org/markup-compatibility/2006">
+        <mc:Choice xmlns:a14="http://schemas.microsoft.com/office/drawing/2010/main" Requires="a14">
+          <p:sp>
+            <p:nvSpPr>
+              <p:cNvPr id="2" name="ZoneTexte 1">
+                <a:extLst>
+                  <a:ext uri="{FF2B5EF4-FFF2-40B4-BE49-F238E27FC236}">
+                    <a16:creationId xmlns:a16="http://schemas.microsoft.com/office/drawing/2014/main" id="{B39CA18C-C050-2248-E6F6-D99BB87303C8}"/>
+                  </a:ext>
+                </a:extLst>
+              </p:cNvPr>
+              <p:cNvSpPr txBox="1"/>
+              <p:nvPr/>
+            </p:nvSpPr>
+            <p:spPr>
+              <a:xfrm>
+                <a:off x="4452429" y="3639956"/>
+                <a:ext cx="1161960" cy="461665"/>
+              </a:xfrm>
+              <a:prstGeom prst="rect">
+                <a:avLst/>
+              </a:prstGeom>
+              <a:noFill/>
+            </p:spPr>
+            <p:txBody>
+              <a:bodyPr wrap="square" rtlCol="0">
+                <a:spAutoFit/>
+              </a:bodyPr>
+              <a:lstStyle/>
+              <a:p>
+                <a:pPr algn="ctr"/>
+                <a:r>
+                  <a:rPr lang="fr-FR" sz="1200" b="1" dirty="0">
+                    <a:solidFill>
+                      <a:srgbClr val="FFB25A"/>
+                    </a:solidFill>
+                    <a:latin typeface="Arial Nova" panose="020B0504020202020204" pitchFamily="34" charset="0"/>
+                  </a:rPr>
+                  <a:t> 7,5 V</a:t>
+                </a:r>
+              </a:p>
+              <a:p>
+                <a:pPr algn="ctr"/>
+                <a14:m>
+                  <m:oMathPara xmlns:m="http://schemas.openxmlformats.org/officeDocument/2006/math">
+                    <m:oMathParaPr>
+                      <m:jc m:val="centerGroup"/>
+                    </m:oMathParaPr>
+                    <m:oMath xmlns:m="http://schemas.openxmlformats.org/officeDocument/2006/math">
+                      <m:r>
+                        <a:rPr lang="fr-FR" sz="1200" b="1" i="1" smtClean="0">
+                          <a:solidFill>
+                            <a:srgbClr val="FFB25A"/>
+                          </a:solidFill>
+                          <a:latin typeface="Cambria Math" panose="02040503050406030204" pitchFamily="18" charset="0"/>
+                        </a:rPr>
+                        <m:t>𝑷</m:t>
+                      </m:r>
+                      <m:r>
+                        <a:rPr lang="fr-FR" sz="1200" b="1" i="1" smtClean="0">
+                          <a:solidFill>
+                            <a:srgbClr val="FFB25A"/>
+                          </a:solidFill>
+                          <a:latin typeface="Cambria Math" panose="02040503050406030204" pitchFamily="18" charset="0"/>
+                        </a:rPr>
+                        <m:t>=</m:t>
+                      </m:r>
+                      <m:r>
+                        <a:rPr lang="fr-FR" sz="1200" b="1" i="1" smtClean="0">
+                          <a:solidFill>
+                            <a:srgbClr val="FFB25A"/>
+                          </a:solidFill>
+                          <a:latin typeface="Cambria Math" panose="02040503050406030204" pitchFamily="18" charset="0"/>
+                        </a:rPr>
+                        <m:t>𝑼𝑰</m:t>
+                      </m:r>
+                    </m:oMath>
+                  </m:oMathPara>
+                </a14:m>
+                <a:endParaRPr lang="fr-FR" sz="1200" b="1" dirty="0">
+                  <a:solidFill>
+                    <a:srgbClr val="FFB25A"/>
+                  </a:solidFill>
+                  <a:latin typeface="Arial Nova" panose="020B0504020202020204" pitchFamily="34" charset="0"/>
+                </a:endParaRPr>
+              </a:p>
+            </p:txBody>
+          </p:sp>
+        </mc:Choice>
+        <mc:Fallback>
+          <p:sp>
+            <p:nvSpPr>
+              <p:cNvPr id="2" name="ZoneTexte 1">
+                <a:extLst>
+                  <a:ext uri="{FF2B5EF4-FFF2-40B4-BE49-F238E27FC236}">
+                    <a16:creationId xmlns:a16="http://schemas.microsoft.com/office/drawing/2014/main" id="{B39CA18C-C050-2248-E6F6-D99BB87303C8}"/>
+                  </a:ext>
+                </a:extLst>
+              </p:cNvPr>
+              <p:cNvSpPr txBox="1">
+                <a:spLocks noRot="1" noChangeAspect="1" noMove="1" noResize="1" noEditPoints="1" noAdjustHandles="1" noChangeArrowheads="1" noChangeShapeType="1" noTextEdit="1"/>
+              </p:cNvSpPr>
+              <p:nvPr/>
+            </p:nvSpPr>
+            <p:spPr>
+              <a:xfrm>
+                <a:off x="4452429" y="3639956"/>
+                <a:ext cx="1161960" cy="461665"/>
+              </a:xfrm>
+              <a:prstGeom prst="rect">
+                <a:avLst/>
+              </a:prstGeom>
+              <a:blipFill>
+                <a:blip r:embed="rId13"/>
+                <a:stretch>
+                  <a:fillRect/>
+                </a:stretch>
+              </a:blipFill>
+            </p:spPr>
+            <p:txBody>
+              <a:bodyPr/>
+              <a:lstStyle/>
+              <a:p>
+                <a:r>
+                  <a:rPr lang="fr-FR">
+                    <a:noFill/>
+                  </a:rPr>
+                  <a:t> </a:t>
+                </a:r>
+              </a:p>
+            </p:txBody>
+          </p:sp>
+        </mc:Fallback>
+      </mc:AlternateContent>
       <p:grpSp>
         <p:nvGrpSpPr>
           <p:cNvPr id="31" name="Groupe 30">
@@ -13057,7 +13202,7 @@
             <p:nvPr/>
           </p:nvPicPr>
           <p:blipFill>
-            <a:blip r:embed="rId13"/>
+            <a:blip r:embed="rId14"/>
             <a:stretch>
               <a:fillRect/>
             </a:stretch>
@@ -13160,7 +13305,7 @@
             <p:nvPr/>
           </p:nvPicPr>
           <p:blipFill>
-            <a:blip r:embed="rId14"/>
+            <a:blip r:embed="rId15"/>
             <a:stretch>
               <a:fillRect/>
             </a:stretch>
@@ -13263,7 +13408,7 @@
             <p:nvPr/>
           </p:nvPicPr>
           <p:blipFill>
-            <a:blip r:embed="rId15"/>
+            <a:blip r:embed="rId16"/>
             <a:stretch>
               <a:fillRect/>
             </a:stretch>
@@ -13272,109 +13417,6 @@
             <a:xfrm>
               <a:off x="7939554" y="3812716"/>
               <a:ext cx="1316981" cy="1081424"/>
-            </a:xfrm>
-            <a:prstGeom prst="rect">
-              <a:avLst/>
-            </a:prstGeom>
-          </p:spPr>
-        </p:pic>
-      </p:grpSp>
-      <p:grpSp>
-        <p:nvGrpSpPr>
-          <p:cNvPr id="68" name="Groupe 67">
-            <a:extLst>
-              <a:ext uri="{FF2B5EF4-FFF2-40B4-BE49-F238E27FC236}">
-                <a16:creationId xmlns:a16="http://schemas.microsoft.com/office/drawing/2014/main" id="{B841AA18-EE52-BF71-8A77-FCA95EC11591}"/>
-              </a:ext>
-            </a:extLst>
-          </p:cNvPr>
-          <p:cNvGrpSpPr/>
-          <p:nvPr/>
-        </p:nvGrpSpPr>
-        <p:grpSpPr>
-          <a:xfrm>
-            <a:off x="6781724" y="4093477"/>
-            <a:ext cx="288000" cy="288000"/>
-            <a:chOff x="5404964" y="4396133"/>
-            <a:chExt cx="1800000" cy="1800000"/>
-          </a:xfrm>
-        </p:grpSpPr>
-        <p:sp>
-          <p:nvSpPr>
-            <p:cNvPr id="69" name="Ellipse 68">
-              <a:extLst>
-                <a:ext uri="{FF2B5EF4-FFF2-40B4-BE49-F238E27FC236}">
-                  <a16:creationId xmlns:a16="http://schemas.microsoft.com/office/drawing/2014/main" id="{65F49912-F500-977C-390A-F4CE59EA478C}"/>
-                </a:ext>
-              </a:extLst>
-            </p:cNvPr>
-            <p:cNvSpPr/>
-            <p:nvPr/>
-          </p:nvSpPr>
-          <p:spPr>
-            <a:xfrm>
-              <a:off x="5404964" y="4396133"/>
-              <a:ext cx="1800000" cy="1800000"/>
-            </a:xfrm>
-            <a:prstGeom prst="ellipse">
-              <a:avLst/>
-            </a:prstGeom>
-            <a:solidFill>
-              <a:srgbClr val="00517A"/>
-            </a:solidFill>
-            <a:ln>
-              <a:noFill/>
-            </a:ln>
-          </p:spPr>
-          <p:style>
-            <a:lnRef idx="2">
-              <a:schemeClr val="accent1">
-                <a:shade val="50000"/>
-              </a:schemeClr>
-            </a:lnRef>
-            <a:fillRef idx="1">
-              <a:schemeClr val="accent1"/>
-            </a:fillRef>
-            <a:effectRef idx="0">
-              <a:schemeClr val="accent1"/>
-            </a:effectRef>
-            <a:fontRef idx="minor">
-              <a:schemeClr val="lt1"/>
-            </a:fontRef>
-          </p:style>
-          <p:txBody>
-            <a:bodyPr rtlCol="0" anchor="ctr"/>
-            <a:lstStyle/>
-            <a:p>
-              <a:pPr algn="ctr"/>
-              <a:endParaRPr lang="fr-FR"/>
-            </a:p>
-          </p:txBody>
-        </p:sp>
-        <p:pic>
-          <p:nvPicPr>
-            <p:cNvPr id="70" name="Image 69">
-              <a:extLst>
-                <a:ext uri="{FF2B5EF4-FFF2-40B4-BE49-F238E27FC236}">
-                  <a16:creationId xmlns:a16="http://schemas.microsoft.com/office/drawing/2014/main" id="{E46C5A9A-E0F4-935F-E346-29D344A63AA9}"/>
-                </a:ext>
-              </a:extLst>
-            </p:cNvPr>
-            <p:cNvPicPr>
-              <a:picLocks noChangeAspect="1"/>
-            </p:cNvPicPr>
-            <p:nvPr/>
-          </p:nvPicPr>
-          <p:blipFill>
-            <a:blip r:embed="rId11"/>
-            <a:stretch>
-              <a:fillRect/>
-            </a:stretch>
-          </p:blipFill>
-          <p:spPr>
-            <a:xfrm>
-              <a:off x="5543445" y="4536296"/>
-              <a:ext cx="1358232" cy="1440000"/>
             </a:xfrm>
             <a:prstGeom prst="rect">
               <a:avLst/>
@@ -13469,7 +13511,7 @@
             <p:nvPr/>
           </p:nvPicPr>
           <p:blipFill>
-            <a:blip r:embed="rId13"/>
+            <a:blip r:embed="rId14"/>
             <a:stretch>
               <a:fillRect/>
             </a:stretch>
@@ -13572,7 +13614,7 @@
             <p:nvPr/>
           </p:nvPicPr>
           <p:blipFill>
-            <a:blip r:embed="rId15"/>
+            <a:blip r:embed="rId16"/>
             <a:stretch>
               <a:fillRect/>
             </a:stretch>
@@ -13675,7 +13717,7 @@
             <p:nvPr/>
           </p:nvPicPr>
           <p:blipFill>
-            <a:blip r:embed="rId16"/>
+            <a:blip r:embed="rId17"/>
             <a:stretch>
               <a:fillRect/>
             </a:stretch>
@@ -13721,6 +13763,186 @@
           </a:prstGeom>
         </p:spPr>
       </p:pic>
+      <mc:AlternateContent xmlns:mc="http://schemas.openxmlformats.org/markup-compatibility/2006">
+        <mc:Choice xmlns:a14="http://schemas.microsoft.com/office/drawing/2010/main" Requires="a14">
+          <p:sp>
+            <p:nvSpPr>
+              <p:cNvPr id="51" name="ZoneTexte 50">
+                <a:extLst>
+                  <a:ext uri="{FF2B5EF4-FFF2-40B4-BE49-F238E27FC236}">
+                    <a16:creationId xmlns:a16="http://schemas.microsoft.com/office/drawing/2014/main" id="{6D25FEB6-8D32-0047-ABCC-BC9DE89AF675}"/>
+                  </a:ext>
+                </a:extLst>
+              </p:cNvPr>
+              <p:cNvSpPr txBox="1"/>
+              <p:nvPr/>
+            </p:nvSpPr>
+            <p:spPr>
+              <a:xfrm>
+                <a:off x="6388732" y="3969305"/>
+                <a:ext cx="1601173" cy="261610"/>
+              </a:xfrm>
+              <a:prstGeom prst="rect">
+                <a:avLst/>
+              </a:prstGeom>
+              <a:noFill/>
+            </p:spPr>
+            <p:txBody>
+              <a:bodyPr wrap="square">
+                <a:spAutoFit/>
+              </a:bodyPr>
+              <a:lstStyle/>
+              <a:p>
+                <a:pPr/>
+                <a14:m>
+                  <m:oMathPara xmlns:m="http://schemas.openxmlformats.org/officeDocument/2006/math">
+                    <m:oMathParaPr>
+                      <m:jc m:val="centerGroup"/>
+                    </m:oMathParaPr>
+                    <m:oMath xmlns:m="http://schemas.openxmlformats.org/officeDocument/2006/math">
+                      <m:r>
+                        <a:rPr lang="fr-FR" sz="1100" b="1" i="1" smtClean="0">
+                          <a:solidFill>
+                            <a:srgbClr val="FF0000"/>
+                          </a:solidFill>
+                          <a:latin typeface="Cambria Math" panose="02040503050406030204" pitchFamily="18" charset="0"/>
+                        </a:rPr>
+                        <m:t>𝑷</m:t>
+                      </m:r>
+                      <m:r>
+                        <a:rPr lang="fr-FR" sz="1100" b="1" i="1" smtClean="0">
+                          <a:solidFill>
+                            <a:srgbClr val="FF0000"/>
+                          </a:solidFill>
+                          <a:latin typeface="Cambria Math" panose="02040503050406030204" pitchFamily="18" charset="0"/>
+                        </a:rPr>
+                        <m:t>=</m:t>
+                      </m:r>
+                      <m:sSub>
+                        <m:sSubPr>
+                          <m:ctrlPr>
+                            <a:rPr lang="fr-FR" sz="1100" b="1" i="1" smtClean="0">
+                              <a:solidFill>
+                                <a:srgbClr val="FF0000"/>
+                              </a:solidFill>
+                              <a:latin typeface="Cambria Math" panose="02040503050406030204" pitchFamily="18" charset="0"/>
+                            </a:rPr>
+                          </m:ctrlPr>
+                        </m:sSubPr>
+                        <m:e>
+                          <m:r>
+                            <a:rPr lang="fr-FR" sz="1100" b="1" i="1" smtClean="0">
+                              <a:solidFill>
+                                <a:srgbClr val="FF0000"/>
+                              </a:solidFill>
+                              <a:latin typeface="Cambria Math" panose="02040503050406030204" pitchFamily="18" charset="0"/>
+                            </a:rPr>
+                            <m:t>𝑪</m:t>
+                          </m:r>
+                        </m:e>
+                        <m:sub>
+                          <m:r>
+                            <a:rPr lang="fr-FR" sz="1100" b="1" i="1" smtClean="0">
+                              <a:solidFill>
+                                <a:srgbClr val="FF0000"/>
+                              </a:solidFill>
+                              <a:latin typeface="Cambria Math" panose="02040503050406030204" pitchFamily="18" charset="0"/>
+                            </a:rPr>
+                            <m:t>𝒎</m:t>
+                          </m:r>
+                        </m:sub>
+                      </m:sSub>
+                      <m:sSub>
+                        <m:sSubPr>
+                          <m:ctrlPr>
+                            <a:rPr lang="fr-FR" sz="1100" b="1" i="1" smtClean="0">
+                              <a:solidFill>
+                                <a:srgbClr val="FF0000"/>
+                              </a:solidFill>
+                              <a:latin typeface="Cambria Math" panose="02040503050406030204" pitchFamily="18" charset="0"/>
+                            </a:rPr>
+                          </m:ctrlPr>
+                        </m:sSubPr>
+                        <m:e>
+                          <m:r>
+                            <a:rPr lang="fr-FR" sz="1100" b="1" i="1" smtClean="0">
+                              <a:solidFill>
+                                <a:srgbClr val="FF0000"/>
+                              </a:solidFill>
+                              <a:latin typeface="Cambria Math" panose="02040503050406030204" pitchFamily="18" charset="0"/>
+                            </a:rPr>
+                            <m:t>𝝎</m:t>
+                          </m:r>
+                        </m:e>
+                        <m:sub>
+                          <m:r>
+                            <a:rPr lang="fr-FR" sz="1100" b="1" i="1" smtClean="0">
+                              <a:solidFill>
+                                <a:srgbClr val="FF0000"/>
+                              </a:solidFill>
+                              <a:latin typeface="Cambria Math" panose="02040503050406030204" pitchFamily="18" charset="0"/>
+                            </a:rPr>
+                            <m:t>𝒎</m:t>
+                          </m:r>
+                        </m:sub>
+                      </m:sSub>
+                    </m:oMath>
+                  </m:oMathPara>
+                </a14:m>
+                <a:endParaRPr lang="fr-FR" sz="1100" dirty="0">
+                  <a:solidFill>
+                    <a:srgbClr val="FF0000"/>
+                  </a:solidFill>
+                </a:endParaRPr>
+              </a:p>
+            </p:txBody>
+          </p:sp>
+        </mc:Choice>
+        <mc:Fallback>
+          <p:sp>
+            <p:nvSpPr>
+              <p:cNvPr id="51" name="ZoneTexte 50">
+                <a:extLst>
+                  <a:ext uri="{FF2B5EF4-FFF2-40B4-BE49-F238E27FC236}">
+                    <a16:creationId xmlns:a16="http://schemas.microsoft.com/office/drawing/2014/main" id="{6D25FEB6-8D32-0047-ABCC-BC9DE89AF675}"/>
+                  </a:ext>
+                </a:extLst>
+              </p:cNvPr>
+              <p:cNvSpPr txBox="1">
+                <a:spLocks noRot="1" noChangeAspect="1" noMove="1" noResize="1" noEditPoints="1" noAdjustHandles="1" noChangeArrowheads="1" noChangeShapeType="1" noTextEdit="1"/>
+              </p:cNvSpPr>
+              <p:nvPr/>
+            </p:nvSpPr>
+            <p:spPr>
+              <a:xfrm>
+                <a:off x="6388732" y="3969305"/>
+                <a:ext cx="1601173" cy="261610"/>
+              </a:xfrm>
+              <a:prstGeom prst="rect">
+                <a:avLst/>
+              </a:prstGeom>
+              <a:blipFill>
+                <a:blip r:embed="rId18"/>
+                <a:stretch>
+                  <a:fillRect/>
+                </a:stretch>
+              </a:blipFill>
+            </p:spPr>
+            <p:txBody>
+              <a:bodyPr/>
+              <a:lstStyle/>
+              <a:p>
+                <a:r>
+                  <a:rPr lang="fr-FR">
+                    <a:noFill/>
+                  </a:rPr>
+                  <a:t> </a:t>
+                </a:r>
+              </a:p>
+            </p:txBody>
+          </p:sp>
+        </mc:Fallback>
+      </mc:AlternateContent>
       <p:cxnSp>
         <p:nvCxnSpPr>
           <p:cNvPr id="75" name="Connecteur : en angle 74">
@@ -13732,20 +13954,20 @@
           </p:cNvPr>
           <p:cNvCxnSpPr>
             <a:cxnSpLocks/>
-            <a:stCxn id="69" idx="4"/>
+            <a:stCxn id="43" idx="2"/>
             <a:endCxn id="6" idx="1"/>
           </p:cNvCxnSpPr>
           <p:nvPr/>
         </p:nvCxnSpPr>
         <p:spPr>
           <a:xfrm rot="5400000" flipH="1">
-            <a:off x="2600765" y="56519"/>
-            <a:ext cx="2781099" cy="5868819"/>
+            <a:off x="3135586" y="-478302"/>
+            <a:ext cx="1958842" cy="6116203"/>
           </a:xfrm>
           <a:prstGeom prst="bentConnector4">
             <a:avLst>
-              <a:gd name="adj1" fmla="val -12482"/>
-              <a:gd name="adj2" fmla="val 115003"/>
+              <a:gd name="adj1" fmla="val -56683"/>
+              <a:gd name="adj2" fmla="val 103738"/>
             </a:avLst>
           </a:prstGeom>
           <a:ln w="25400">
@@ -13771,6 +13993,289 @@
           </a:fontRef>
         </p:style>
       </p:cxnSp>
+      <p:grpSp>
+        <p:nvGrpSpPr>
+          <p:cNvPr id="68" name="Groupe 67">
+            <a:extLst>
+              <a:ext uri="{FF2B5EF4-FFF2-40B4-BE49-F238E27FC236}">
+                <a16:creationId xmlns:a16="http://schemas.microsoft.com/office/drawing/2014/main" id="{B841AA18-EE52-BF71-8A77-FCA95EC11591}"/>
+              </a:ext>
+            </a:extLst>
+          </p:cNvPr>
+          <p:cNvGrpSpPr/>
+          <p:nvPr/>
+        </p:nvGrpSpPr>
+        <p:grpSpPr>
+          <a:xfrm>
+            <a:off x="6939108" y="3626991"/>
+            <a:ext cx="288000" cy="288000"/>
+            <a:chOff x="5404964" y="4396133"/>
+            <a:chExt cx="1800000" cy="1800000"/>
+          </a:xfrm>
+        </p:grpSpPr>
+        <p:sp>
+          <p:nvSpPr>
+            <p:cNvPr id="69" name="Ellipse 68">
+              <a:extLst>
+                <a:ext uri="{FF2B5EF4-FFF2-40B4-BE49-F238E27FC236}">
+                  <a16:creationId xmlns:a16="http://schemas.microsoft.com/office/drawing/2014/main" id="{65F49912-F500-977C-390A-F4CE59EA478C}"/>
+                </a:ext>
+              </a:extLst>
+            </p:cNvPr>
+            <p:cNvSpPr/>
+            <p:nvPr/>
+          </p:nvSpPr>
+          <p:spPr>
+            <a:xfrm>
+              <a:off x="5404964" y="4396133"/>
+              <a:ext cx="1800000" cy="1800000"/>
+            </a:xfrm>
+            <a:prstGeom prst="ellipse">
+              <a:avLst/>
+            </a:prstGeom>
+            <a:solidFill>
+              <a:srgbClr val="00517A"/>
+            </a:solidFill>
+            <a:ln>
+              <a:noFill/>
+            </a:ln>
+          </p:spPr>
+          <p:style>
+            <a:lnRef idx="2">
+              <a:schemeClr val="accent1">
+                <a:shade val="50000"/>
+              </a:schemeClr>
+            </a:lnRef>
+            <a:fillRef idx="1">
+              <a:schemeClr val="accent1"/>
+            </a:fillRef>
+            <a:effectRef idx="0">
+              <a:schemeClr val="accent1"/>
+            </a:effectRef>
+            <a:fontRef idx="minor">
+              <a:schemeClr val="lt1"/>
+            </a:fontRef>
+          </p:style>
+          <p:txBody>
+            <a:bodyPr rtlCol="0" anchor="ctr"/>
+            <a:lstStyle/>
+            <a:p>
+              <a:pPr algn="ctr"/>
+              <a:endParaRPr lang="fr-FR"/>
+            </a:p>
+          </p:txBody>
+        </p:sp>
+        <p:pic>
+          <p:nvPicPr>
+            <p:cNvPr id="70" name="Image 69">
+              <a:extLst>
+                <a:ext uri="{FF2B5EF4-FFF2-40B4-BE49-F238E27FC236}">
+                  <a16:creationId xmlns:a16="http://schemas.microsoft.com/office/drawing/2014/main" id="{E46C5A9A-E0F4-935F-E346-29D344A63AA9}"/>
+                </a:ext>
+              </a:extLst>
+            </p:cNvPr>
+            <p:cNvPicPr>
+              <a:picLocks noChangeAspect="1"/>
+            </p:cNvPicPr>
+            <p:nvPr/>
+          </p:nvPicPr>
+          <p:blipFill>
+            <a:blip r:embed="rId11"/>
+            <a:stretch>
+              <a:fillRect/>
+            </a:stretch>
+          </p:blipFill>
+          <p:spPr>
+            <a:xfrm>
+              <a:off x="5543445" y="4536296"/>
+              <a:ext cx="1358232" cy="1440000"/>
+            </a:xfrm>
+            <a:prstGeom prst="rect">
+              <a:avLst/>
+            </a:prstGeom>
+          </p:spPr>
+        </p:pic>
+      </p:grpSp>
+      <mc:AlternateContent xmlns:mc="http://schemas.openxmlformats.org/markup-compatibility/2006">
+        <mc:Choice xmlns:a14="http://schemas.microsoft.com/office/drawing/2010/main" Requires="a14">
+          <p:sp>
+            <p:nvSpPr>
+              <p:cNvPr id="71" name="ZoneTexte 70">
+                <a:extLst>
+                  <a:ext uri="{FF2B5EF4-FFF2-40B4-BE49-F238E27FC236}">
+                    <a16:creationId xmlns:a16="http://schemas.microsoft.com/office/drawing/2014/main" id="{D9833143-E31B-E5B9-1329-DE97200F50C2}"/>
+                  </a:ext>
+                </a:extLst>
+              </p:cNvPr>
+              <p:cNvSpPr txBox="1"/>
+              <p:nvPr/>
+            </p:nvSpPr>
+            <p:spPr>
+              <a:xfrm>
+                <a:off x="8465959" y="3675960"/>
+                <a:ext cx="1601173" cy="261610"/>
+              </a:xfrm>
+              <a:prstGeom prst="rect">
+                <a:avLst/>
+              </a:prstGeom>
+              <a:noFill/>
+            </p:spPr>
+            <p:txBody>
+              <a:bodyPr wrap="square">
+                <a:spAutoFit/>
+              </a:bodyPr>
+              <a:lstStyle/>
+              <a:p>
+                <a:pPr/>
+                <a14:m>
+                  <m:oMathPara xmlns:m="http://schemas.openxmlformats.org/officeDocument/2006/math">
+                    <m:oMathParaPr>
+                      <m:jc m:val="centerGroup"/>
+                    </m:oMathParaPr>
+                    <m:oMath xmlns:m="http://schemas.openxmlformats.org/officeDocument/2006/math">
+                      <m:r>
+                        <a:rPr lang="fr-FR" sz="1100" b="1" i="1" smtClean="0">
+                          <a:solidFill>
+                            <a:srgbClr val="FF0000"/>
+                          </a:solidFill>
+                          <a:latin typeface="Cambria Math" panose="02040503050406030204" pitchFamily="18" charset="0"/>
+                        </a:rPr>
+                        <m:t>𝑷</m:t>
+                      </m:r>
+                      <m:r>
+                        <a:rPr lang="fr-FR" sz="1100" b="1" i="1" smtClean="0">
+                          <a:solidFill>
+                            <a:srgbClr val="FF0000"/>
+                          </a:solidFill>
+                          <a:latin typeface="Cambria Math" panose="02040503050406030204" pitchFamily="18" charset="0"/>
+                        </a:rPr>
+                        <m:t>=</m:t>
+                      </m:r>
+                      <m:sSub>
+                        <m:sSubPr>
+                          <m:ctrlPr>
+                            <a:rPr lang="fr-FR" sz="1100" b="1" i="1" smtClean="0">
+                              <a:solidFill>
+                                <a:srgbClr val="FF0000"/>
+                              </a:solidFill>
+                              <a:latin typeface="Cambria Math" panose="02040503050406030204" pitchFamily="18" charset="0"/>
+                            </a:rPr>
+                          </m:ctrlPr>
+                        </m:sSubPr>
+                        <m:e>
+                          <m:r>
+                            <a:rPr lang="fr-FR" sz="1100" b="1" i="1" smtClean="0">
+                              <a:solidFill>
+                                <a:srgbClr val="FF0000"/>
+                              </a:solidFill>
+                              <a:latin typeface="Cambria Math" panose="02040503050406030204" pitchFamily="18" charset="0"/>
+                            </a:rPr>
+                            <m:t>𝑪</m:t>
+                          </m:r>
+                        </m:e>
+                        <m:sub>
+                          <m:r>
+                            <a:rPr lang="fr-FR" sz="1100" b="1" i="1" smtClean="0">
+                              <a:solidFill>
+                                <a:srgbClr val="FF0000"/>
+                              </a:solidFill>
+                              <a:latin typeface="Cambria Math" panose="02040503050406030204" pitchFamily="18" charset="0"/>
+                            </a:rPr>
+                            <m:t>𝒓</m:t>
+                          </m:r>
+                        </m:sub>
+                      </m:sSub>
+                      <m:sSub>
+                        <m:sSubPr>
+                          <m:ctrlPr>
+                            <a:rPr lang="fr-FR" sz="1100" b="1" i="1" smtClean="0">
+                              <a:solidFill>
+                                <a:srgbClr val="FF0000"/>
+                              </a:solidFill>
+                              <a:latin typeface="Cambria Math" panose="02040503050406030204" pitchFamily="18" charset="0"/>
+                            </a:rPr>
+                          </m:ctrlPr>
+                        </m:sSubPr>
+                        <m:e>
+                          <m:r>
+                            <a:rPr lang="fr-FR" sz="1100" b="1" i="1" smtClean="0">
+                              <a:solidFill>
+                                <a:srgbClr val="FF0000"/>
+                              </a:solidFill>
+                              <a:latin typeface="Cambria Math" panose="02040503050406030204" pitchFamily="18" charset="0"/>
+                            </a:rPr>
+                            <m:t>𝝎</m:t>
+                          </m:r>
+                        </m:e>
+                        <m:sub>
+                          <m:r>
+                            <a:rPr lang="fr-FR" sz="1100" b="1" i="1" smtClean="0">
+                              <a:solidFill>
+                                <a:srgbClr val="FF0000"/>
+                              </a:solidFill>
+                              <a:latin typeface="Cambria Math" panose="02040503050406030204" pitchFamily="18" charset="0"/>
+                            </a:rPr>
+                            <m:t>𝒓</m:t>
+                          </m:r>
+                        </m:sub>
+                      </m:sSub>
+                    </m:oMath>
+                  </m:oMathPara>
+                </a14:m>
+                <a:endParaRPr lang="fr-FR" sz="1100" dirty="0">
+                  <a:solidFill>
+                    <a:srgbClr val="FF0000"/>
+                  </a:solidFill>
+                </a:endParaRPr>
+              </a:p>
+            </p:txBody>
+          </p:sp>
+        </mc:Choice>
+        <mc:Fallback>
+          <p:sp>
+            <p:nvSpPr>
+              <p:cNvPr id="71" name="ZoneTexte 70">
+                <a:extLst>
+                  <a:ext uri="{FF2B5EF4-FFF2-40B4-BE49-F238E27FC236}">
+                    <a16:creationId xmlns:a16="http://schemas.microsoft.com/office/drawing/2014/main" id="{D9833143-E31B-E5B9-1329-DE97200F50C2}"/>
+                  </a:ext>
+                </a:extLst>
+              </p:cNvPr>
+              <p:cNvSpPr txBox="1">
+                <a:spLocks noRot="1" noChangeAspect="1" noMove="1" noResize="1" noEditPoints="1" noAdjustHandles="1" noChangeArrowheads="1" noChangeShapeType="1" noTextEdit="1"/>
+              </p:cNvSpPr>
+              <p:nvPr/>
+            </p:nvSpPr>
+            <p:spPr>
+              <a:xfrm>
+                <a:off x="8465959" y="3675960"/>
+                <a:ext cx="1601173" cy="261610"/>
+              </a:xfrm>
+              <a:prstGeom prst="rect">
+                <a:avLst/>
+              </a:prstGeom>
+              <a:blipFill>
+                <a:blip r:embed="rId19"/>
+                <a:stretch>
+                  <a:fillRect/>
+                </a:stretch>
+              </a:blipFill>
+            </p:spPr>
+            <p:txBody>
+              <a:bodyPr/>
+              <a:lstStyle/>
+              <a:p>
+                <a:r>
+                  <a:rPr lang="fr-FR">
+                    <a:noFill/>
+                  </a:rPr>
+                  <a:t> </a:t>
+                </a:r>
+              </a:p>
+            </p:txBody>
+          </p:sp>
+        </mc:Fallback>
+      </mc:AlternateContent>
     </p:spTree>
     <p:extLst>
       <p:ext uri="{BB962C8B-B14F-4D97-AF65-F5344CB8AC3E}">

--- a/12_MCC/12_MCC_Corrige.pptx
+++ b/12_MCC/12_MCC_Corrige.pptx
@@ -11,6 +11,7 @@
     <p:sldId id="269" r:id="rId5"/>
     <p:sldId id="266" r:id="rId6"/>
     <p:sldId id="267" r:id="rId7"/>
+    <p:sldId id="270" r:id="rId8"/>
   </p:sldIdLst>
   <p:sldSz cx="12192000" cy="6858000"/>
   <p:notesSz cx="6858000" cy="9144000"/>
@@ -357,7 +358,7 @@
           <a:p>
             <a:fld id="{D7F135F6-2A09-4FDD-9ECA-096E230CA0FA}" type="datetimeFigureOut">
               <a:rPr lang="fr-FR" smtClean="0"/>
-              <a:t>09/10/2023</a:t>
+              <a:t>14/07/2024</a:t>
             </a:fld>
             <a:endParaRPr lang="fr-FR"/>
           </a:p>
@@ -562,7 +563,7 @@
           <a:p>
             <a:fld id="{D7F135F6-2A09-4FDD-9ECA-096E230CA0FA}" type="datetimeFigureOut">
               <a:rPr lang="fr-FR" smtClean="0"/>
-              <a:t>09/10/2023</a:t>
+              <a:t>14/07/2024</a:t>
             </a:fld>
             <a:endParaRPr lang="fr-FR"/>
           </a:p>
@@ -818,7 +819,7 @@
           <a:p>
             <a:fld id="{D7F135F6-2A09-4FDD-9ECA-096E230CA0FA}" type="datetimeFigureOut">
               <a:rPr lang="fr-FR" smtClean="0"/>
-              <a:t>09/10/2023</a:t>
+              <a:t>14/07/2024</a:t>
             </a:fld>
             <a:endParaRPr lang="fr-FR"/>
           </a:p>
@@ -1024,7 +1025,7 @@
           <a:p>
             <a:fld id="{D7F135F6-2A09-4FDD-9ECA-096E230CA0FA}" type="datetimeFigureOut">
               <a:rPr lang="fr-FR" smtClean="0"/>
-              <a:t>09/10/2023</a:t>
+              <a:t>14/07/2024</a:t>
             </a:fld>
             <a:endParaRPr lang="fr-FR"/>
           </a:p>
@@ -1386,7 +1387,7 @@
           <a:p>
             <a:fld id="{D7F135F6-2A09-4FDD-9ECA-096E230CA0FA}" type="datetimeFigureOut">
               <a:rPr lang="fr-FR" smtClean="0"/>
-              <a:t>09/10/2023</a:t>
+              <a:t>14/07/2024</a:t>
             </a:fld>
             <a:endParaRPr lang="fr-FR"/>
           </a:p>
@@ -1661,7 +1662,7 @@
           <a:p>
             <a:fld id="{D7F135F6-2A09-4FDD-9ECA-096E230CA0FA}" type="datetimeFigureOut">
               <a:rPr lang="fr-FR" smtClean="0"/>
-              <a:t>09/10/2023</a:t>
+              <a:t>14/07/2024</a:t>
             </a:fld>
             <a:endParaRPr lang="fr-FR"/>
           </a:p>
@@ -2040,7 +2041,7 @@
           <a:p>
             <a:fld id="{D7F135F6-2A09-4FDD-9ECA-096E230CA0FA}" type="datetimeFigureOut">
               <a:rPr lang="fr-FR" smtClean="0"/>
-              <a:t>09/10/2023</a:t>
+              <a:t>14/07/2024</a:t>
             </a:fld>
             <a:endParaRPr lang="fr-FR"/>
           </a:p>
@@ -2158,7 +2159,7 @@
           <a:p>
             <a:fld id="{D7F135F6-2A09-4FDD-9ECA-096E230CA0FA}" type="datetimeFigureOut">
               <a:rPr lang="fr-FR" smtClean="0"/>
-              <a:t>09/10/2023</a:t>
+              <a:t>14/07/2024</a:t>
             </a:fld>
             <a:endParaRPr lang="fr-FR"/>
           </a:p>
@@ -2332,7 +2333,7 @@
           <a:p>
             <a:fld id="{D7F135F6-2A09-4FDD-9ECA-096E230CA0FA}" type="datetimeFigureOut">
               <a:rPr lang="fr-FR" smtClean="0"/>
-              <a:t>09/10/2023</a:t>
+              <a:t>14/07/2024</a:t>
             </a:fld>
             <a:endParaRPr lang="fr-FR"/>
           </a:p>
@@ -2689,7 +2690,7 @@
           <a:p>
             <a:fld id="{D7F135F6-2A09-4FDD-9ECA-096E230CA0FA}" type="datetimeFigureOut">
               <a:rPr lang="fr-FR" smtClean="0"/>
-              <a:t>09/10/2023</a:t>
+              <a:t>14/07/2024</a:t>
             </a:fld>
             <a:endParaRPr lang="fr-FR"/>
           </a:p>
@@ -3074,7 +3075,7 @@
           <a:p>
             <a:fld id="{D7F135F6-2A09-4FDD-9ECA-096E230CA0FA}" type="datetimeFigureOut">
               <a:rPr lang="fr-FR" smtClean="0"/>
-              <a:t>09/10/2023</a:t>
+              <a:t>14/07/2024</a:t>
             </a:fld>
             <a:endParaRPr lang="fr-FR"/>
           </a:p>
@@ -3364,7 +3365,7 @@
           <a:p>
             <a:fld id="{D7F135F6-2A09-4FDD-9ECA-096E230CA0FA}" type="datetimeFigureOut">
               <a:rPr lang="fr-FR" smtClean="0"/>
-              <a:t>09/10/2023</a:t>
+              <a:t>14/07/2024</a:t>
             </a:fld>
             <a:endParaRPr lang="fr-FR" dirty="0"/>
           </a:p>
@@ -12561,8 +12562,8 @@
           </p:sp>
         </mc:Fallback>
       </mc:AlternateContent>
-      <mc:AlternateContent xmlns:mc="http://schemas.openxmlformats.org/markup-compatibility/2006">
-        <mc:Choice xmlns:a14="http://schemas.microsoft.com/office/drawing/2010/main" Requires="a14">
+      <mc:AlternateContent xmlns:mc="http://schemas.openxmlformats.org/markup-compatibility/2006" xmlns:a14="http://schemas.microsoft.com/office/drawing/2010/main">
+        <mc:Choice Requires="a14">
           <p:sp>
             <p:nvSpPr>
               <p:cNvPr id="65" name="ZoneTexte 64">
@@ -12671,7 +12672,7 @@
             </p:txBody>
           </p:sp>
         </mc:Choice>
-        <mc:Fallback>
+        <mc:Fallback xmlns="">
           <p:sp>
             <p:nvSpPr>
               <p:cNvPr id="65" name="ZoneTexte 64">
@@ -12981,8 +12982,8 @@
           </p:spPr>
         </p:pic>
       </p:grpSp>
-      <mc:AlternateContent xmlns:mc="http://schemas.openxmlformats.org/markup-compatibility/2006">
-        <mc:Choice xmlns:a14="http://schemas.microsoft.com/office/drawing/2010/main" Requires="a14">
+      <mc:AlternateContent xmlns:mc="http://schemas.openxmlformats.org/markup-compatibility/2006" xmlns:a14="http://schemas.microsoft.com/office/drawing/2010/main">
+        <mc:Choice Requires="a14">
           <p:sp>
             <p:nvSpPr>
               <p:cNvPr id="2" name="ZoneTexte 1">
@@ -13070,7 +13071,7 @@
             </p:txBody>
           </p:sp>
         </mc:Choice>
-        <mc:Fallback>
+        <mc:Fallback xmlns="">
           <p:sp>
             <p:nvSpPr>
               <p:cNvPr id="2" name="ZoneTexte 1">
@@ -13763,8 +13764,8 @@
           </a:prstGeom>
         </p:spPr>
       </p:pic>
-      <mc:AlternateContent xmlns:mc="http://schemas.openxmlformats.org/markup-compatibility/2006">
-        <mc:Choice xmlns:a14="http://schemas.microsoft.com/office/drawing/2010/main" Requires="a14">
+      <mc:AlternateContent xmlns:mc="http://schemas.openxmlformats.org/markup-compatibility/2006" xmlns:a14="http://schemas.microsoft.com/office/drawing/2010/main">
+        <mc:Choice Requires="a14">
           <p:sp>
             <p:nvSpPr>
               <p:cNvPr id="51" name="ZoneTexte 50">
@@ -13898,7 +13899,7 @@
             </p:txBody>
           </p:sp>
         </mc:Choice>
-        <mc:Fallback>
+        <mc:Fallback xmlns="">
           <p:sp>
             <p:nvSpPr>
               <p:cNvPr id="51" name="ZoneTexte 50">
@@ -14096,8 +14097,8 @@
           </p:spPr>
         </p:pic>
       </p:grpSp>
-      <mc:AlternateContent xmlns:mc="http://schemas.openxmlformats.org/markup-compatibility/2006">
-        <mc:Choice xmlns:a14="http://schemas.microsoft.com/office/drawing/2010/main" Requires="a14">
+      <mc:AlternateContent xmlns:mc="http://schemas.openxmlformats.org/markup-compatibility/2006" xmlns:a14="http://schemas.microsoft.com/office/drawing/2010/main">
+        <mc:Choice Requires="a14">
           <p:sp>
             <p:nvSpPr>
               <p:cNvPr id="71" name="ZoneTexte 70">
@@ -14231,7 +14232,7 @@
             </p:txBody>
           </p:sp>
         </mc:Choice>
-        <mc:Fallback>
+        <mc:Fallback xmlns="">
           <p:sp>
             <p:nvSpPr>
               <p:cNvPr id="71" name="ZoneTexte 70">
@@ -14280,6 +14281,326 @@
     <p:extLst>
       <p:ext uri="{BB962C8B-B14F-4D97-AF65-F5344CB8AC3E}">
         <p14:creationId xmlns:p14="http://schemas.microsoft.com/office/powerpoint/2010/main" val="284060875"/>
+      </p:ext>
+    </p:extLst>
+  </p:cSld>
+  <p:clrMapOvr>
+    <a:masterClrMapping/>
+  </p:clrMapOvr>
+</p:sld>
+</file>
+
+<file path=ppt/slides/slide7.xml><?xml version="1.0" encoding="utf-8"?>
+<p:sld xmlns:a="http://schemas.openxmlformats.org/drawingml/2006/main" xmlns:r="http://schemas.openxmlformats.org/officeDocument/2006/relationships" xmlns:p="http://schemas.openxmlformats.org/presentationml/2006/main">
+  <p:cSld>
+    <p:spTree>
+      <p:nvGrpSpPr>
+        <p:cNvPr id="1" name=""/>
+        <p:cNvGrpSpPr/>
+        <p:nvPr/>
+      </p:nvGrpSpPr>
+      <p:grpSpPr>
+        <a:xfrm>
+          <a:off x="0" y="0"/>
+          <a:ext cx="0" cy="0"/>
+          <a:chOff x="0" y="0"/>
+          <a:chExt cx="0" cy="0"/>
+        </a:xfrm>
+      </p:grpSpPr>
+      <p:sp>
+        <p:nvSpPr>
+          <p:cNvPr id="2" name="Titre 1">
+            <a:extLst>
+              <a:ext uri="{FF2B5EF4-FFF2-40B4-BE49-F238E27FC236}">
+                <a16:creationId xmlns:a16="http://schemas.microsoft.com/office/drawing/2014/main" id="{E7D9A4FD-C520-F341-0A52-ECB10E5B661C}"/>
+              </a:ext>
+            </a:extLst>
+          </p:cNvPr>
+          <p:cNvSpPr>
+            <a:spLocks noGrp="1"/>
+          </p:cNvSpPr>
+          <p:nvPr>
+            <p:ph type="title"/>
+          </p:nvPr>
+        </p:nvSpPr>
+        <p:spPr/>
+        <p:txBody>
+          <a:bodyPr>
+            <a:normAutofit/>
+          </a:bodyPr>
+          <a:lstStyle/>
+          <a:p>
+            <a:r>
+              <a:rPr lang="fr-FR" dirty="0"/>
+              <a:t>Analyse des grandeurs</a:t>
+            </a:r>
+          </a:p>
+        </p:txBody>
+      </p:sp>
+      <mc:AlternateContent xmlns:mc="http://schemas.openxmlformats.org/markup-compatibility/2006">
+        <mc:Choice xmlns:a14="http://schemas.microsoft.com/office/drawing/2010/main" Requires="a14">
+          <p:sp>
+            <p:nvSpPr>
+              <p:cNvPr id="3" name="Espace réservé du contenu 2">
+                <a:extLst>
+                  <a:ext uri="{FF2B5EF4-FFF2-40B4-BE49-F238E27FC236}">
+                    <a16:creationId xmlns:a16="http://schemas.microsoft.com/office/drawing/2014/main" id="{AC4EBEAF-4BF6-1F19-F2C3-665B3351BDD1}"/>
+                  </a:ext>
+                </a:extLst>
+              </p:cNvPr>
+              <p:cNvSpPr>
+                <a:spLocks noGrp="1"/>
+              </p:cNvSpPr>
+              <p:nvPr>
+                <p:ph idx="1"/>
+              </p:nvPr>
+            </p:nvSpPr>
+            <p:spPr>
+              <a:xfrm>
+                <a:off x="7052309" y="3040380"/>
+                <a:ext cx="5021895" cy="3194846"/>
+              </a:xfrm>
+            </p:spPr>
+            <p:txBody>
+              <a:bodyPr>
+                <a:normAutofit fontScale="70000" lnSpcReduction="20000"/>
+              </a:bodyPr>
+              <a:lstStyle/>
+              <a:p>
+                <a:r>
+                  <a:rPr lang="fr-FR" dirty="0"/>
+                  <a:t>Mesures en faisant doubler R, L ou J.</a:t>
+                </a:r>
+              </a:p>
+              <a:p>
+                <a:r>
+                  <a:rPr lang="fr-FR" dirty="0"/>
+                  <a:t>Pas de frottement</a:t>
+                </a:r>
+              </a:p>
+              <a:p>
+                <a:endParaRPr lang="fr-FR" dirty="0"/>
+              </a:p>
+              <a:p>
+                <a:r>
+                  <a:rPr lang="fr-FR" dirty="0"/>
+                  <a:t>La hauteur du pic de courant est donnée par </a:t>
+                </a:r>
+                <a14:m>
+                  <m:oMath xmlns:m="http://schemas.openxmlformats.org/officeDocument/2006/math">
+                    <m:sSub>
+                      <m:sSubPr>
+                        <m:ctrlPr>
+                          <a:rPr lang="fr-FR" b="0" i="1" smtClean="0">
+                            <a:latin typeface="Cambria Math" panose="02040503050406030204" pitchFamily="18" charset="0"/>
+                          </a:rPr>
+                        </m:ctrlPr>
+                      </m:sSubPr>
+                      <m:e>
+                        <m:r>
+                          <a:rPr lang="fr-FR" b="0" i="1" smtClean="0">
+                            <a:latin typeface="Cambria Math" panose="02040503050406030204" pitchFamily="18" charset="0"/>
+                          </a:rPr>
+                          <m:t>𝐼</m:t>
+                        </m:r>
+                      </m:e>
+                      <m:sub>
+                        <m:r>
+                          <a:rPr lang="fr-FR" b="0" i="1" smtClean="0">
+                            <a:latin typeface="Cambria Math" panose="02040503050406030204" pitchFamily="18" charset="0"/>
+                          </a:rPr>
+                          <m:t>𝑝</m:t>
+                        </m:r>
+                      </m:sub>
+                    </m:sSub>
+                    <m:r>
+                      <a:rPr lang="fr-FR" b="0" i="1" smtClean="0">
+                        <a:latin typeface="Cambria Math" panose="02040503050406030204" pitchFamily="18" charset="0"/>
+                      </a:rPr>
+                      <m:t>≃</m:t>
+                    </m:r>
+                    <m:f>
+                      <m:fPr>
+                        <m:ctrlPr>
+                          <a:rPr lang="fr-FR" b="0" i="1" smtClean="0">
+                            <a:latin typeface="Cambria Math" panose="02040503050406030204" pitchFamily="18" charset="0"/>
+                          </a:rPr>
+                        </m:ctrlPr>
+                      </m:fPr>
+                      <m:num>
+                        <m:r>
+                          <a:rPr lang="fr-FR" b="0" i="1" smtClean="0">
+                            <a:latin typeface="Cambria Math" panose="02040503050406030204" pitchFamily="18" charset="0"/>
+                          </a:rPr>
+                          <m:t>𝑈</m:t>
+                        </m:r>
+                      </m:num>
+                      <m:den>
+                        <m:r>
+                          <a:rPr lang="fr-FR" b="0" i="1" smtClean="0">
+                            <a:latin typeface="Cambria Math" panose="02040503050406030204" pitchFamily="18" charset="0"/>
+                          </a:rPr>
+                          <m:t>𝑅</m:t>
+                        </m:r>
+                      </m:den>
+                    </m:f>
+                  </m:oMath>
+                </a14:m>
+                <a:endParaRPr lang="fr-FR" dirty="0"/>
+              </a:p>
+              <a:p>
+                <a:r>
+                  <a:rPr lang="fr-FR" dirty="0"/>
+                  <a:t>Doubler l’inductance a peu d’effet sur la dynamique du système</a:t>
+                </a:r>
+              </a:p>
+              <a:p>
+                <a:r>
+                  <a:rPr lang="fr-FR" dirty="0"/>
+                  <a:t>Doubler l’inertie double le temps de réponse. </a:t>
+                </a:r>
+              </a:p>
+            </p:txBody>
+          </p:sp>
+        </mc:Choice>
+        <mc:Fallback>
+          <p:sp>
+            <p:nvSpPr>
+              <p:cNvPr id="3" name="Espace réservé du contenu 2">
+                <a:extLst>
+                  <a:ext uri="{FF2B5EF4-FFF2-40B4-BE49-F238E27FC236}">
+                    <a16:creationId xmlns:a16="http://schemas.microsoft.com/office/drawing/2014/main" id="{AC4EBEAF-4BF6-1F19-F2C3-665B3351BDD1}"/>
+                  </a:ext>
+                </a:extLst>
+              </p:cNvPr>
+              <p:cNvSpPr>
+                <a:spLocks noGrp="1" noRot="1" noChangeAspect="1" noMove="1" noResize="1" noEditPoints="1" noAdjustHandles="1" noChangeArrowheads="1" noChangeShapeType="1" noTextEdit="1"/>
+              </p:cNvSpPr>
+              <p:nvPr>
+                <p:ph idx="1"/>
+              </p:nvPr>
+            </p:nvSpPr>
+            <p:spPr>
+              <a:xfrm>
+                <a:off x="7052309" y="3040380"/>
+                <a:ext cx="5021895" cy="3194846"/>
+              </a:xfrm>
+              <a:blipFill>
+                <a:blip r:embed="rId2"/>
+                <a:stretch>
+                  <a:fillRect l="-2306" t="-3626" r="-3034"/>
+                </a:stretch>
+              </a:blipFill>
+            </p:spPr>
+            <p:txBody>
+              <a:bodyPr/>
+              <a:lstStyle/>
+              <a:p>
+                <a:r>
+                  <a:rPr lang="fr-FR">
+                    <a:noFill/>
+                  </a:rPr>
+                  <a:t> </a:t>
+                </a:r>
+              </a:p>
+            </p:txBody>
+          </p:sp>
+        </mc:Fallback>
+      </mc:AlternateContent>
+      <p:pic>
+        <p:nvPicPr>
+          <p:cNvPr id="7" name="Image 6">
+            <a:extLst>
+              <a:ext uri="{FF2B5EF4-FFF2-40B4-BE49-F238E27FC236}">
+                <a16:creationId xmlns:a16="http://schemas.microsoft.com/office/drawing/2014/main" id="{64FFE19A-849D-F259-585B-75797171FD2B}"/>
+              </a:ext>
+            </a:extLst>
+          </p:cNvPr>
+          <p:cNvPicPr>
+            <a:picLocks noChangeAspect="1"/>
+          </p:cNvPicPr>
+          <p:nvPr/>
+        </p:nvPicPr>
+        <p:blipFill>
+          <a:blip r:embed="rId3"/>
+          <a:stretch>
+            <a:fillRect/>
+          </a:stretch>
+        </p:blipFill>
+        <p:spPr>
+          <a:xfrm>
+            <a:off x="1225016" y="974238"/>
+            <a:ext cx="3600000" cy="2466620"/>
+          </a:xfrm>
+          <a:prstGeom prst="rect">
+            <a:avLst/>
+          </a:prstGeom>
+        </p:spPr>
+      </p:pic>
+      <p:pic>
+        <p:nvPicPr>
+          <p:cNvPr id="9" name="Image 8">
+            <a:extLst>
+              <a:ext uri="{FF2B5EF4-FFF2-40B4-BE49-F238E27FC236}">
+                <a16:creationId xmlns:a16="http://schemas.microsoft.com/office/drawing/2014/main" id="{87575235-81DF-E51B-FE19-109A71B83721}"/>
+              </a:ext>
+            </a:extLst>
+          </p:cNvPr>
+          <p:cNvPicPr>
+            <a:picLocks noChangeAspect="1"/>
+          </p:cNvPicPr>
+          <p:nvPr/>
+        </p:nvPicPr>
+        <p:blipFill>
+          <a:blip r:embed="rId4"/>
+          <a:stretch>
+            <a:fillRect/>
+          </a:stretch>
+        </p:blipFill>
+        <p:spPr>
+          <a:xfrm>
+            <a:off x="7252686" y="364269"/>
+            <a:ext cx="3490272" cy="2314016"/>
+          </a:xfrm>
+          <a:prstGeom prst="rect">
+            <a:avLst/>
+          </a:prstGeom>
+        </p:spPr>
+      </p:pic>
+      <p:pic>
+        <p:nvPicPr>
+          <p:cNvPr id="11" name="Image 10">
+            <a:extLst>
+              <a:ext uri="{FF2B5EF4-FFF2-40B4-BE49-F238E27FC236}">
+                <a16:creationId xmlns:a16="http://schemas.microsoft.com/office/drawing/2014/main" id="{845B9322-3BF6-6424-F58E-87A35FFA12F4}"/>
+              </a:ext>
+            </a:extLst>
+          </p:cNvPr>
+          <p:cNvPicPr>
+            <a:picLocks noChangeAspect="1"/>
+          </p:cNvPicPr>
+          <p:nvPr/>
+        </p:nvPicPr>
+        <p:blipFill>
+          <a:blip r:embed="rId5"/>
+          <a:stretch>
+            <a:fillRect/>
+          </a:stretch>
+        </p:blipFill>
+        <p:spPr>
+          <a:xfrm>
+            <a:off x="1225016" y="3540096"/>
+            <a:ext cx="3600000" cy="2466620"/>
+          </a:xfrm>
+          <a:prstGeom prst="rect">
+            <a:avLst/>
+          </a:prstGeom>
+        </p:spPr>
+      </p:pic>
+    </p:spTree>
+    <p:extLst>
+      <p:ext uri="{BB962C8B-B14F-4D97-AF65-F5344CB8AC3E}">
+        <p14:creationId xmlns:p14="http://schemas.microsoft.com/office/powerpoint/2010/main" val="887298680"/>
       </p:ext>
     </p:extLst>
   </p:cSld>

--- a/12_MCC/12_MCC_Corrige.pptx
+++ b/12_MCC/12_MCC_Corrige.pptx
@@ -12,6 +12,8 @@
     <p:sldId id="266" r:id="rId6"/>
     <p:sldId id="267" r:id="rId7"/>
     <p:sldId id="270" r:id="rId8"/>
+    <p:sldId id="271" r:id="rId9"/>
+    <p:sldId id="272" r:id="rId10"/>
   </p:sldIdLst>
   <p:sldSz cx="12192000" cy="6858000"/>
   <p:notesSz cx="6858000" cy="9144000"/>
@@ -358,7 +360,7 @@
           <a:p>
             <a:fld id="{D7F135F6-2A09-4FDD-9ECA-096E230CA0FA}" type="datetimeFigureOut">
               <a:rPr lang="fr-FR" smtClean="0"/>
-              <a:t>14/07/2024</a:t>
+              <a:t>15/07/2024</a:t>
             </a:fld>
             <a:endParaRPr lang="fr-FR"/>
           </a:p>
@@ -563,7 +565,7 @@
           <a:p>
             <a:fld id="{D7F135F6-2A09-4FDD-9ECA-096E230CA0FA}" type="datetimeFigureOut">
               <a:rPr lang="fr-FR" smtClean="0"/>
-              <a:t>14/07/2024</a:t>
+              <a:t>15/07/2024</a:t>
             </a:fld>
             <a:endParaRPr lang="fr-FR"/>
           </a:p>
@@ -819,7 +821,7 @@
           <a:p>
             <a:fld id="{D7F135F6-2A09-4FDD-9ECA-096E230CA0FA}" type="datetimeFigureOut">
               <a:rPr lang="fr-FR" smtClean="0"/>
-              <a:t>14/07/2024</a:t>
+              <a:t>15/07/2024</a:t>
             </a:fld>
             <a:endParaRPr lang="fr-FR"/>
           </a:p>
@@ -1025,7 +1027,7 @@
           <a:p>
             <a:fld id="{D7F135F6-2A09-4FDD-9ECA-096E230CA0FA}" type="datetimeFigureOut">
               <a:rPr lang="fr-FR" smtClean="0"/>
-              <a:t>14/07/2024</a:t>
+              <a:t>15/07/2024</a:t>
             </a:fld>
             <a:endParaRPr lang="fr-FR"/>
           </a:p>
@@ -1387,7 +1389,7 @@
           <a:p>
             <a:fld id="{D7F135F6-2A09-4FDD-9ECA-096E230CA0FA}" type="datetimeFigureOut">
               <a:rPr lang="fr-FR" smtClean="0"/>
-              <a:t>14/07/2024</a:t>
+              <a:t>15/07/2024</a:t>
             </a:fld>
             <a:endParaRPr lang="fr-FR"/>
           </a:p>
@@ -1662,7 +1664,7 @@
           <a:p>
             <a:fld id="{D7F135F6-2A09-4FDD-9ECA-096E230CA0FA}" type="datetimeFigureOut">
               <a:rPr lang="fr-FR" smtClean="0"/>
-              <a:t>14/07/2024</a:t>
+              <a:t>15/07/2024</a:t>
             </a:fld>
             <a:endParaRPr lang="fr-FR"/>
           </a:p>
@@ -2041,7 +2043,7 @@
           <a:p>
             <a:fld id="{D7F135F6-2A09-4FDD-9ECA-096E230CA0FA}" type="datetimeFigureOut">
               <a:rPr lang="fr-FR" smtClean="0"/>
-              <a:t>14/07/2024</a:t>
+              <a:t>15/07/2024</a:t>
             </a:fld>
             <a:endParaRPr lang="fr-FR"/>
           </a:p>
@@ -2159,7 +2161,7 @@
           <a:p>
             <a:fld id="{D7F135F6-2A09-4FDD-9ECA-096E230CA0FA}" type="datetimeFigureOut">
               <a:rPr lang="fr-FR" smtClean="0"/>
-              <a:t>14/07/2024</a:t>
+              <a:t>15/07/2024</a:t>
             </a:fld>
             <a:endParaRPr lang="fr-FR"/>
           </a:p>
@@ -2333,7 +2335,7 @@
           <a:p>
             <a:fld id="{D7F135F6-2A09-4FDD-9ECA-096E230CA0FA}" type="datetimeFigureOut">
               <a:rPr lang="fr-FR" smtClean="0"/>
-              <a:t>14/07/2024</a:t>
+              <a:t>15/07/2024</a:t>
             </a:fld>
             <a:endParaRPr lang="fr-FR"/>
           </a:p>
@@ -2690,7 +2692,7 @@
           <a:p>
             <a:fld id="{D7F135F6-2A09-4FDD-9ECA-096E230CA0FA}" type="datetimeFigureOut">
               <a:rPr lang="fr-FR" smtClean="0"/>
-              <a:t>14/07/2024</a:t>
+              <a:t>15/07/2024</a:t>
             </a:fld>
             <a:endParaRPr lang="fr-FR"/>
           </a:p>
@@ -3075,7 +3077,7 @@
           <a:p>
             <a:fld id="{D7F135F6-2A09-4FDD-9ECA-096E230CA0FA}" type="datetimeFigureOut">
               <a:rPr lang="fr-FR" smtClean="0"/>
-              <a:t>14/07/2024</a:t>
+              <a:t>15/07/2024</a:t>
             </a:fld>
             <a:endParaRPr lang="fr-FR"/>
           </a:p>
@@ -3365,7 +3367,7 @@
           <a:p>
             <a:fld id="{D7F135F6-2A09-4FDD-9ECA-096E230CA0FA}" type="datetimeFigureOut">
               <a:rPr lang="fr-FR" smtClean="0"/>
-              <a:t>14/07/2024</a:t>
+              <a:t>15/07/2024</a:t>
             </a:fld>
             <a:endParaRPr lang="fr-FR" dirty="0"/>
           </a:p>
@@ -14357,8 +14359,8 @@
             </p:nvSpPr>
             <p:spPr>
               <a:xfrm>
-                <a:off x="7052309" y="3040380"/>
-                <a:ext cx="5021895" cy="3194846"/>
+                <a:off x="7052309" y="3429000"/>
+                <a:ext cx="5021895" cy="2806226"/>
               </a:xfrm>
             </p:spPr>
             <p:txBody>
@@ -14482,13 +14484,13 @@
             </p:nvSpPr>
             <p:spPr>
               <a:xfrm>
-                <a:off x="7052309" y="3040380"/>
-                <a:ext cx="5021895" cy="3194846"/>
+                <a:off x="7052309" y="3429000"/>
+                <a:ext cx="5021895" cy="2806226"/>
               </a:xfrm>
               <a:blipFill>
                 <a:blip r:embed="rId2"/>
                 <a:stretch>
-                  <a:fillRect l="-2306" t="-3626" r="-3034"/>
+                  <a:fillRect l="-2306" t="-4130" r="-3034" b="-3261"/>
                 </a:stretch>
               </a:blipFill>
             </p:spPr>
@@ -14529,8 +14531,8 @@
         </p:blipFill>
         <p:spPr>
           <a:xfrm>
-            <a:off x="1225016" y="974238"/>
-            <a:ext cx="3600000" cy="2466620"/>
+            <a:off x="1122146" y="973810"/>
+            <a:ext cx="3780000" cy="2589950"/>
           </a:xfrm>
           <a:prstGeom prst="rect">
             <a:avLst/>
@@ -14559,7 +14561,7 @@
         </p:blipFill>
         <p:spPr>
           <a:xfrm>
-            <a:off x="7252686" y="364269"/>
+            <a:off x="7579582" y="786403"/>
             <a:ext cx="3490272" cy="2314016"/>
           </a:xfrm>
           <a:prstGeom prst="rect">
@@ -14589,8 +14591,8 @@
         </p:blipFill>
         <p:spPr>
           <a:xfrm>
-            <a:off x="1225016" y="3540096"/>
-            <a:ext cx="3600000" cy="2466620"/>
+            <a:off x="1122146" y="3645276"/>
+            <a:ext cx="3780000" cy="2589950"/>
           </a:xfrm>
           <a:prstGeom prst="rect">
             <a:avLst/>
@@ -14601,6 +14603,315 @@
     <p:extLst>
       <p:ext uri="{BB962C8B-B14F-4D97-AF65-F5344CB8AC3E}">
         <p14:creationId xmlns:p14="http://schemas.microsoft.com/office/powerpoint/2010/main" val="887298680"/>
+      </p:ext>
+    </p:extLst>
+  </p:cSld>
+  <p:clrMapOvr>
+    <a:masterClrMapping/>
+  </p:clrMapOvr>
+</p:sld>
+</file>
+
+<file path=ppt/slides/slide8.xml><?xml version="1.0" encoding="utf-8"?>
+<p:sld xmlns:a="http://schemas.openxmlformats.org/drawingml/2006/main" xmlns:r="http://schemas.openxmlformats.org/officeDocument/2006/relationships" xmlns:p="http://schemas.openxmlformats.org/presentationml/2006/main">
+  <p:cSld>
+    <p:spTree>
+      <p:nvGrpSpPr>
+        <p:cNvPr id="1" name=""/>
+        <p:cNvGrpSpPr/>
+        <p:nvPr/>
+      </p:nvGrpSpPr>
+      <p:grpSpPr>
+        <a:xfrm>
+          <a:off x="0" y="0"/>
+          <a:ext cx="0" cy="0"/>
+          <a:chOff x="0" y="0"/>
+          <a:chExt cx="0" cy="0"/>
+        </a:xfrm>
+      </p:grpSpPr>
+      <p:sp>
+        <p:nvSpPr>
+          <p:cNvPr id="2" name="Titre 1">
+            <a:extLst>
+              <a:ext uri="{FF2B5EF4-FFF2-40B4-BE49-F238E27FC236}">
+                <a16:creationId xmlns:a16="http://schemas.microsoft.com/office/drawing/2014/main" id="{E7D9A4FD-C520-F341-0A52-ECB10E5B661C}"/>
+              </a:ext>
+            </a:extLst>
+          </p:cNvPr>
+          <p:cNvSpPr>
+            <a:spLocks noGrp="1"/>
+          </p:cNvSpPr>
+          <p:nvPr>
+            <p:ph type="title"/>
+          </p:nvPr>
+        </p:nvSpPr>
+        <p:spPr/>
+        <p:txBody>
+          <a:bodyPr>
+            <a:normAutofit/>
+          </a:bodyPr>
+          <a:lstStyle/>
+          <a:p>
+            <a:r>
+              <a:rPr lang="fr-FR" dirty="0"/>
+              <a:t>Analyse des grandeurs</a:t>
+            </a:r>
+          </a:p>
+        </p:txBody>
+      </p:sp>
+      <p:sp>
+        <p:nvSpPr>
+          <p:cNvPr id="3" name="Espace réservé du contenu 2">
+            <a:extLst>
+              <a:ext uri="{FF2B5EF4-FFF2-40B4-BE49-F238E27FC236}">
+                <a16:creationId xmlns:a16="http://schemas.microsoft.com/office/drawing/2014/main" id="{AC4EBEAF-4BF6-1F19-F2C3-665B3351BDD1}"/>
+              </a:ext>
+            </a:extLst>
+          </p:cNvPr>
+          <p:cNvSpPr>
+            <a:spLocks noGrp="1"/>
+          </p:cNvSpPr>
+          <p:nvPr>
+            <p:ph idx="1"/>
+          </p:nvPr>
+        </p:nvSpPr>
+        <p:spPr>
+          <a:xfrm>
+            <a:off x="7052309" y="3040380"/>
+            <a:ext cx="5021895" cy="3194846"/>
+          </a:xfrm>
+        </p:spPr>
+        <p:txBody>
+          <a:bodyPr>
+            <a:normAutofit fontScale="92500" lnSpcReduction="10000"/>
+          </a:bodyPr>
+          <a:lstStyle/>
+          <a:p>
+            <a:r>
+              <a:rPr lang="fr-FR" dirty="0"/>
+              <a:t>Mesures en faisant doubler C ou </a:t>
+            </a:r>
+            <a:r>
+              <a:rPr lang="fr-FR" dirty="0" err="1"/>
+              <a:t>fv</a:t>
+            </a:r>
+            <a:r>
+              <a:rPr lang="fr-FR" dirty="0"/>
+              <a:t>.</a:t>
+            </a:r>
+          </a:p>
+          <a:p>
+            <a:pPr marL="1588" indent="0">
+              <a:buNone/>
+            </a:pPr>
+            <a:endParaRPr lang="fr-FR" dirty="0"/>
+          </a:p>
+          <a:p>
+            <a:r>
+              <a:rPr lang="fr-FR" dirty="0"/>
+              <a:t>C et </a:t>
+            </a:r>
+            <a:r>
+              <a:rPr lang="fr-FR" dirty="0" err="1"/>
+              <a:t>fv</a:t>
+            </a:r>
+            <a:r>
+              <a:rPr lang="fr-FR" dirty="0"/>
+              <a:t> n’ont aucune influence sur la hauteur du pic.</a:t>
+            </a:r>
+          </a:p>
+          <a:p>
+            <a:r>
+              <a:rPr lang="fr-FR" dirty="0"/>
+              <a:t>Si on double C0 la vitesse atteinte est plus faible est le système est plus lent à atteindre la vitesse finale</a:t>
+            </a:r>
+          </a:p>
+          <a:p>
+            <a:endParaRPr lang="fr-FR" dirty="0"/>
+          </a:p>
+        </p:txBody>
+      </p:sp>
+      <p:pic>
+        <p:nvPicPr>
+          <p:cNvPr id="9" name="Image 8">
+            <a:extLst>
+              <a:ext uri="{FF2B5EF4-FFF2-40B4-BE49-F238E27FC236}">
+                <a16:creationId xmlns:a16="http://schemas.microsoft.com/office/drawing/2014/main" id="{87575235-81DF-E51B-FE19-109A71B83721}"/>
+              </a:ext>
+            </a:extLst>
+          </p:cNvPr>
+          <p:cNvPicPr>
+            <a:picLocks noChangeAspect="1"/>
+          </p:cNvPicPr>
+          <p:nvPr/>
+        </p:nvPicPr>
+        <p:blipFill>
+          <a:blip r:embed="rId2"/>
+          <a:stretch>
+            <a:fillRect/>
+          </a:stretch>
+        </p:blipFill>
+        <p:spPr>
+          <a:xfrm>
+            <a:off x="7252686" y="364269"/>
+            <a:ext cx="3490272" cy="2314016"/>
+          </a:xfrm>
+          <a:prstGeom prst="rect">
+            <a:avLst/>
+          </a:prstGeom>
+        </p:spPr>
+      </p:pic>
+      <p:pic>
+        <p:nvPicPr>
+          <p:cNvPr id="5" name="Image 4">
+            <a:extLst>
+              <a:ext uri="{FF2B5EF4-FFF2-40B4-BE49-F238E27FC236}">
+                <a16:creationId xmlns:a16="http://schemas.microsoft.com/office/drawing/2014/main" id="{FE4D928D-43D2-F901-4AC1-A8DA4E498FA2}"/>
+              </a:ext>
+            </a:extLst>
+          </p:cNvPr>
+          <p:cNvPicPr>
+            <a:picLocks noChangeAspect="1"/>
+          </p:cNvPicPr>
+          <p:nvPr/>
+        </p:nvPicPr>
+        <p:blipFill>
+          <a:blip r:embed="rId3"/>
+          <a:stretch>
+            <a:fillRect/>
+          </a:stretch>
+        </p:blipFill>
+        <p:spPr>
+          <a:xfrm>
+            <a:off x="1671965" y="1025414"/>
+            <a:ext cx="3960000" cy="2713283"/>
+          </a:xfrm>
+          <a:prstGeom prst="rect">
+            <a:avLst/>
+          </a:prstGeom>
+        </p:spPr>
+      </p:pic>
+      <p:pic>
+        <p:nvPicPr>
+          <p:cNvPr id="8" name="Image 7">
+            <a:extLst>
+              <a:ext uri="{FF2B5EF4-FFF2-40B4-BE49-F238E27FC236}">
+                <a16:creationId xmlns:a16="http://schemas.microsoft.com/office/drawing/2014/main" id="{D84AAFC7-AFF6-8A00-BB82-6D2766E25A0E}"/>
+              </a:ext>
+            </a:extLst>
+          </p:cNvPr>
+          <p:cNvPicPr>
+            <a:picLocks noChangeAspect="1"/>
+          </p:cNvPicPr>
+          <p:nvPr/>
+        </p:nvPicPr>
+        <p:blipFill>
+          <a:blip r:embed="rId4"/>
+          <a:stretch>
+            <a:fillRect/>
+          </a:stretch>
+        </p:blipFill>
+        <p:spPr>
+          <a:xfrm>
+            <a:off x="1671965" y="3521944"/>
+            <a:ext cx="3960000" cy="2713282"/>
+          </a:xfrm>
+          <a:prstGeom prst="rect">
+            <a:avLst/>
+          </a:prstGeom>
+        </p:spPr>
+      </p:pic>
+    </p:spTree>
+    <p:extLst>
+      <p:ext uri="{BB962C8B-B14F-4D97-AF65-F5344CB8AC3E}">
+        <p14:creationId xmlns:p14="http://schemas.microsoft.com/office/powerpoint/2010/main" val="762813936"/>
+      </p:ext>
+    </p:extLst>
+  </p:cSld>
+  <p:clrMapOvr>
+    <a:masterClrMapping/>
+  </p:clrMapOvr>
+</p:sld>
+</file>
+
+<file path=ppt/slides/slide9.xml><?xml version="1.0" encoding="utf-8"?>
+<p:sld xmlns:a="http://schemas.openxmlformats.org/drawingml/2006/main" xmlns:r="http://schemas.openxmlformats.org/officeDocument/2006/relationships" xmlns:p="http://schemas.openxmlformats.org/presentationml/2006/main">
+  <p:cSld>
+    <p:spTree>
+      <p:nvGrpSpPr>
+        <p:cNvPr id="1" name=""/>
+        <p:cNvGrpSpPr/>
+        <p:nvPr/>
+      </p:nvGrpSpPr>
+      <p:grpSpPr>
+        <a:xfrm>
+          <a:off x="0" y="0"/>
+          <a:ext cx="0" cy="0"/>
+          <a:chOff x="0" y="0"/>
+          <a:chExt cx="0" cy="0"/>
+        </a:xfrm>
+      </p:grpSpPr>
+      <p:sp>
+        <p:nvSpPr>
+          <p:cNvPr id="2" name="Titre 1">
+            <a:extLst>
+              <a:ext uri="{FF2B5EF4-FFF2-40B4-BE49-F238E27FC236}">
+                <a16:creationId xmlns:a16="http://schemas.microsoft.com/office/drawing/2014/main" id="{4FFCC137-1122-D560-0D68-557CE5B0FC3C}"/>
+              </a:ext>
+            </a:extLst>
+          </p:cNvPr>
+          <p:cNvSpPr>
+            <a:spLocks noGrp="1"/>
+          </p:cNvSpPr>
+          <p:nvPr>
+            <p:ph type="title"/>
+          </p:nvPr>
+        </p:nvSpPr>
+        <p:spPr/>
+        <p:txBody>
+          <a:bodyPr/>
+          <a:lstStyle/>
+          <a:p>
+            <a:endParaRPr lang="fr-FR"/>
+          </a:p>
+        </p:txBody>
+      </p:sp>
+      <p:pic>
+        <p:nvPicPr>
+          <p:cNvPr id="4" name="Espace réservé du contenu 3">
+            <a:extLst>
+              <a:ext uri="{FF2B5EF4-FFF2-40B4-BE49-F238E27FC236}">
+                <a16:creationId xmlns:a16="http://schemas.microsoft.com/office/drawing/2014/main" id="{4FB85A4B-A498-835F-4375-7B2F278EBFD5}"/>
+              </a:ext>
+            </a:extLst>
+          </p:cNvPr>
+          <p:cNvPicPr>
+            <a:picLocks noGrp="1" noChangeAspect="1"/>
+          </p:cNvPicPr>
+          <p:nvPr>
+            <p:ph idx="1"/>
+          </p:nvPr>
+        </p:nvPicPr>
+        <p:blipFill>
+          <a:blip r:embed="rId2"/>
+          <a:stretch>
+            <a:fillRect/>
+          </a:stretch>
+        </p:blipFill>
+        <p:spPr>
+          <a:xfrm>
+            <a:off x="2262630" y="982663"/>
+            <a:ext cx="7666740" cy="5253037"/>
+          </a:xfrm>
+          <a:prstGeom prst="rect">
+            <a:avLst/>
+          </a:prstGeom>
+        </p:spPr>
+      </p:pic>
+    </p:spTree>
+    <p:extLst>
+      <p:ext uri="{BB962C8B-B14F-4D97-AF65-F5344CB8AC3E}">
+        <p14:creationId xmlns:p14="http://schemas.microsoft.com/office/powerpoint/2010/main" val="857260369"/>
       </p:ext>
     </p:extLst>
   </p:cSld>

--- a/12_MCC/12_MCC_Corrige.pptx
+++ b/12_MCC/12_MCC_Corrige.pptx
@@ -14,6 +14,11 @@
     <p:sldId id="270" r:id="rId8"/>
     <p:sldId id="271" r:id="rId9"/>
     <p:sldId id="272" r:id="rId10"/>
+    <p:sldId id="273" r:id="rId11"/>
+    <p:sldId id="277" r:id="rId12"/>
+    <p:sldId id="275" r:id="rId13"/>
+    <p:sldId id="274" r:id="rId14"/>
+    <p:sldId id="276" r:id="rId15"/>
   </p:sldIdLst>
   <p:sldSz cx="12192000" cy="6858000"/>
   <p:notesSz cx="6858000" cy="9144000"/>
@@ -3977,6 +3982,2375 @@
     <p:extLst>
       <p:ext uri="{BB962C8B-B14F-4D97-AF65-F5344CB8AC3E}">
         <p14:creationId xmlns:p14="http://schemas.microsoft.com/office/powerpoint/2010/main" val="3289843452"/>
+      </p:ext>
+    </p:extLst>
+  </p:cSld>
+  <p:clrMapOvr>
+    <a:masterClrMapping/>
+  </p:clrMapOvr>
+</p:sld>
+</file>
+
+<file path=ppt/slides/slide10.xml><?xml version="1.0" encoding="utf-8"?>
+<p:sld xmlns:a="http://schemas.openxmlformats.org/drawingml/2006/main" xmlns:r="http://schemas.openxmlformats.org/officeDocument/2006/relationships" xmlns:p="http://schemas.openxmlformats.org/presentationml/2006/main">
+  <p:cSld>
+    <p:spTree>
+      <p:nvGrpSpPr>
+        <p:cNvPr id="1" name=""/>
+        <p:cNvGrpSpPr/>
+        <p:nvPr/>
+      </p:nvGrpSpPr>
+      <p:grpSpPr>
+        <a:xfrm>
+          <a:off x="0" y="0"/>
+          <a:ext cx="0" cy="0"/>
+          <a:chOff x="0" y="0"/>
+          <a:chExt cx="0" cy="0"/>
+        </a:xfrm>
+      </p:grpSpPr>
+      <p:sp>
+        <p:nvSpPr>
+          <p:cNvPr id="2" name="Titre 1">
+            <a:extLst>
+              <a:ext uri="{FF2B5EF4-FFF2-40B4-BE49-F238E27FC236}">
+                <a16:creationId xmlns:a16="http://schemas.microsoft.com/office/drawing/2014/main" id="{F61EEEFA-28F7-960D-F17B-89AA7E3A7274}"/>
+              </a:ext>
+            </a:extLst>
+          </p:cNvPr>
+          <p:cNvSpPr>
+            <a:spLocks noGrp="1"/>
+          </p:cNvSpPr>
+          <p:nvPr>
+            <p:ph type="title"/>
+          </p:nvPr>
+        </p:nvSpPr>
+        <p:spPr/>
+        <p:txBody>
+          <a:bodyPr/>
+          <a:lstStyle/>
+          <a:p>
+            <a:endParaRPr lang="fr-FR"/>
+          </a:p>
+        </p:txBody>
+      </p:sp>
+      <p:pic>
+        <p:nvPicPr>
+          <p:cNvPr id="5" name="Espace réservé du contenu 4">
+            <a:extLst>
+              <a:ext uri="{FF2B5EF4-FFF2-40B4-BE49-F238E27FC236}">
+                <a16:creationId xmlns:a16="http://schemas.microsoft.com/office/drawing/2014/main" id="{A8448D07-BF2E-C9B4-FD0C-0FF089A21B26}"/>
+              </a:ext>
+            </a:extLst>
+          </p:cNvPr>
+          <p:cNvPicPr>
+            <a:picLocks noGrp="1" noChangeAspect="1"/>
+          </p:cNvPicPr>
+          <p:nvPr>
+            <p:ph idx="1"/>
+          </p:nvPr>
+        </p:nvPicPr>
+        <p:blipFill>
+          <a:blip r:embed="rId2"/>
+          <a:stretch>
+            <a:fillRect/>
+          </a:stretch>
+        </p:blipFill>
+        <p:spPr>
+          <a:xfrm>
+            <a:off x="2262630" y="982663"/>
+            <a:ext cx="7666740" cy="5253037"/>
+          </a:xfrm>
+        </p:spPr>
+      </p:pic>
+      <p:cxnSp>
+        <p:nvCxnSpPr>
+          <p:cNvPr id="7" name="Connecteur droit 6">
+            <a:extLst>
+              <a:ext uri="{FF2B5EF4-FFF2-40B4-BE49-F238E27FC236}">
+                <a16:creationId xmlns:a16="http://schemas.microsoft.com/office/drawing/2014/main" id="{C3505E62-4383-0CEB-D2A4-850C12C6AAA0}"/>
+              </a:ext>
+            </a:extLst>
+          </p:cNvPr>
+          <p:cNvCxnSpPr/>
+          <p:nvPr/>
+        </p:nvCxnSpPr>
+        <p:spPr>
+          <a:xfrm>
+            <a:off x="7669530" y="2651760"/>
+            <a:ext cx="0" cy="3222000"/>
+          </a:xfrm>
+          <a:prstGeom prst="line">
+            <a:avLst/>
+          </a:prstGeom>
+          <a:ln w="38100"/>
+        </p:spPr>
+        <p:style>
+          <a:lnRef idx="1">
+            <a:schemeClr val="accent1"/>
+          </a:lnRef>
+          <a:fillRef idx="0">
+            <a:schemeClr val="accent1"/>
+          </a:fillRef>
+          <a:effectRef idx="0">
+            <a:schemeClr val="accent1"/>
+          </a:effectRef>
+          <a:fontRef idx="minor">
+            <a:schemeClr val="tx1"/>
+          </a:fontRef>
+        </p:style>
+      </p:cxnSp>
+      <p:cxnSp>
+        <p:nvCxnSpPr>
+          <p:cNvPr id="8" name="Connecteur droit 7">
+            <a:extLst>
+              <a:ext uri="{FF2B5EF4-FFF2-40B4-BE49-F238E27FC236}">
+                <a16:creationId xmlns:a16="http://schemas.microsoft.com/office/drawing/2014/main" id="{88B48BCA-2B40-5C22-CE98-FCA67557CFE5}"/>
+              </a:ext>
+            </a:extLst>
+          </p:cNvPr>
+          <p:cNvCxnSpPr>
+            <a:cxnSpLocks/>
+          </p:cNvCxnSpPr>
+          <p:nvPr/>
+        </p:nvCxnSpPr>
+        <p:spPr>
+          <a:xfrm>
+            <a:off x="2366010" y="2651760"/>
+            <a:ext cx="7764780" cy="0"/>
+          </a:xfrm>
+          <a:prstGeom prst="line">
+            <a:avLst/>
+          </a:prstGeom>
+          <a:ln w="38100"/>
+        </p:spPr>
+        <p:style>
+          <a:lnRef idx="1">
+            <a:schemeClr val="accent1"/>
+          </a:lnRef>
+          <a:fillRef idx="0">
+            <a:schemeClr val="accent1"/>
+          </a:fillRef>
+          <a:effectRef idx="0">
+            <a:schemeClr val="accent1"/>
+          </a:effectRef>
+          <a:fontRef idx="minor">
+            <a:schemeClr val="tx1"/>
+          </a:fontRef>
+        </p:style>
+      </p:cxnSp>
+      <p:cxnSp>
+        <p:nvCxnSpPr>
+          <p:cNvPr id="11" name="Connecteur droit 10">
+            <a:extLst>
+              <a:ext uri="{FF2B5EF4-FFF2-40B4-BE49-F238E27FC236}">
+                <a16:creationId xmlns:a16="http://schemas.microsoft.com/office/drawing/2014/main" id="{570B4578-1D1C-477D-9619-ABB4E8C0C098}"/>
+              </a:ext>
+            </a:extLst>
+          </p:cNvPr>
+          <p:cNvCxnSpPr>
+            <a:cxnSpLocks/>
+          </p:cNvCxnSpPr>
+          <p:nvPr/>
+        </p:nvCxnSpPr>
+        <p:spPr>
+          <a:xfrm>
+            <a:off x="9067800" y="2078730"/>
+            <a:ext cx="0" cy="3783600"/>
+          </a:xfrm>
+          <a:prstGeom prst="line">
+            <a:avLst/>
+          </a:prstGeom>
+          <a:ln w="38100"/>
+        </p:spPr>
+        <p:style>
+          <a:lnRef idx="1">
+            <a:schemeClr val="accent1"/>
+          </a:lnRef>
+          <a:fillRef idx="0">
+            <a:schemeClr val="accent1"/>
+          </a:fillRef>
+          <a:effectRef idx="0">
+            <a:schemeClr val="accent1"/>
+          </a:effectRef>
+          <a:fontRef idx="minor">
+            <a:schemeClr val="tx1"/>
+          </a:fontRef>
+        </p:style>
+      </p:cxnSp>
+      <p:cxnSp>
+        <p:nvCxnSpPr>
+          <p:cNvPr id="13" name="Connecteur droit 12">
+            <a:extLst>
+              <a:ext uri="{FF2B5EF4-FFF2-40B4-BE49-F238E27FC236}">
+                <a16:creationId xmlns:a16="http://schemas.microsoft.com/office/drawing/2014/main" id="{C7E93BEE-0ED4-FA0C-0DE6-59A10A8532B8}"/>
+              </a:ext>
+            </a:extLst>
+          </p:cNvPr>
+          <p:cNvCxnSpPr>
+            <a:cxnSpLocks/>
+          </p:cNvCxnSpPr>
+          <p:nvPr/>
+        </p:nvCxnSpPr>
+        <p:spPr>
+          <a:xfrm>
+            <a:off x="2262630" y="2078730"/>
+            <a:ext cx="8069580" cy="0"/>
+          </a:xfrm>
+          <a:prstGeom prst="line">
+            <a:avLst/>
+          </a:prstGeom>
+          <a:ln w="38100"/>
+        </p:spPr>
+        <p:style>
+          <a:lnRef idx="1">
+            <a:schemeClr val="accent1"/>
+          </a:lnRef>
+          <a:fillRef idx="0">
+            <a:schemeClr val="accent1"/>
+          </a:fillRef>
+          <a:effectRef idx="0">
+            <a:schemeClr val="accent1"/>
+          </a:effectRef>
+          <a:fontRef idx="minor">
+            <a:schemeClr val="tx1"/>
+          </a:fontRef>
+        </p:style>
+      </p:cxnSp>
+    </p:spTree>
+    <p:extLst>
+      <p:ext uri="{BB962C8B-B14F-4D97-AF65-F5344CB8AC3E}">
+        <p14:creationId xmlns:p14="http://schemas.microsoft.com/office/powerpoint/2010/main" val="1795133937"/>
+      </p:ext>
+    </p:extLst>
+  </p:cSld>
+  <p:clrMapOvr>
+    <a:masterClrMapping/>
+  </p:clrMapOvr>
+</p:sld>
+</file>
+
+<file path=ppt/slides/slide11.xml><?xml version="1.0" encoding="utf-8"?>
+<p:sld xmlns:a="http://schemas.openxmlformats.org/drawingml/2006/main" xmlns:r="http://schemas.openxmlformats.org/officeDocument/2006/relationships" xmlns:p="http://schemas.openxmlformats.org/presentationml/2006/main">
+  <p:cSld>
+    <p:spTree>
+      <p:nvGrpSpPr>
+        <p:cNvPr id="1" name=""/>
+        <p:cNvGrpSpPr/>
+        <p:nvPr/>
+      </p:nvGrpSpPr>
+      <p:grpSpPr>
+        <a:xfrm>
+          <a:off x="0" y="0"/>
+          <a:ext cx="0" cy="0"/>
+          <a:chOff x="0" y="0"/>
+          <a:chExt cx="0" cy="0"/>
+        </a:xfrm>
+      </p:grpSpPr>
+      <p:sp>
+        <p:nvSpPr>
+          <p:cNvPr id="2" name="Titre 1">
+            <a:extLst>
+              <a:ext uri="{FF2B5EF4-FFF2-40B4-BE49-F238E27FC236}">
+                <a16:creationId xmlns:a16="http://schemas.microsoft.com/office/drawing/2014/main" id="{B4F6E949-891B-D2C7-A2ED-2FC1D8419920}"/>
+              </a:ext>
+            </a:extLst>
+          </p:cNvPr>
+          <p:cNvSpPr>
+            <a:spLocks noGrp="1"/>
+          </p:cNvSpPr>
+          <p:nvPr>
+            <p:ph type="title"/>
+          </p:nvPr>
+        </p:nvSpPr>
+        <p:spPr/>
+        <p:txBody>
+          <a:bodyPr/>
+          <a:lstStyle/>
+          <a:p>
+            <a:endParaRPr lang="fr-FR"/>
+          </a:p>
+        </p:txBody>
+      </p:sp>
+      <p:sp>
+        <p:nvSpPr>
+          <p:cNvPr id="3" name="Espace réservé du contenu 2">
+            <a:extLst>
+              <a:ext uri="{FF2B5EF4-FFF2-40B4-BE49-F238E27FC236}">
+                <a16:creationId xmlns:a16="http://schemas.microsoft.com/office/drawing/2014/main" id="{8021BF26-995C-FC8E-33FA-381DB9E1A32F}"/>
+              </a:ext>
+            </a:extLst>
+          </p:cNvPr>
+          <p:cNvSpPr>
+            <a:spLocks noGrp="1"/>
+          </p:cNvSpPr>
+          <p:nvPr>
+            <p:ph idx="1"/>
+          </p:nvPr>
+        </p:nvSpPr>
+        <p:spPr/>
+        <p:txBody>
+          <a:bodyPr/>
+          <a:lstStyle/>
+          <a:p>
+            <a:endParaRPr lang="fr-FR"/>
+          </a:p>
+        </p:txBody>
+      </p:sp>
+    </p:spTree>
+    <p:extLst>
+      <p:ext uri="{BB962C8B-B14F-4D97-AF65-F5344CB8AC3E}">
+        <p14:creationId xmlns:p14="http://schemas.microsoft.com/office/powerpoint/2010/main" val="1617040271"/>
+      </p:ext>
+    </p:extLst>
+  </p:cSld>
+  <p:clrMapOvr>
+    <a:masterClrMapping/>
+  </p:clrMapOvr>
+</p:sld>
+</file>
+
+<file path=ppt/slides/slide12.xml><?xml version="1.0" encoding="utf-8"?>
+<p:sld xmlns:a="http://schemas.openxmlformats.org/drawingml/2006/main" xmlns:r="http://schemas.openxmlformats.org/officeDocument/2006/relationships" xmlns:p="http://schemas.openxmlformats.org/presentationml/2006/main">
+  <p:cSld>
+    <p:spTree>
+      <p:nvGrpSpPr>
+        <p:cNvPr id="1" name=""/>
+        <p:cNvGrpSpPr/>
+        <p:nvPr/>
+      </p:nvGrpSpPr>
+      <p:grpSpPr>
+        <a:xfrm>
+          <a:off x="0" y="0"/>
+          <a:ext cx="0" cy="0"/>
+          <a:chOff x="0" y="0"/>
+          <a:chExt cx="0" cy="0"/>
+        </a:xfrm>
+      </p:grpSpPr>
+      <p:sp>
+        <p:nvSpPr>
+          <p:cNvPr id="4" name="Titre 3">
+            <a:extLst>
+              <a:ext uri="{FF2B5EF4-FFF2-40B4-BE49-F238E27FC236}">
+                <a16:creationId xmlns:a16="http://schemas.microsoft.com/office/drawing/2014/main" id="{B794E1E6-E0CB-0314-482E-A48AE59E0887}"/>
+              </a:ext>
+            </a:extLst>
+          </p:cNvPr>
+          <p:cNvSpPr>
+            <a:spLocks noGrp="1"/>
+          </p:cNvSpPr>
+          <p:nvPr>
+            <p:ph type="title"/>
+          </p:nvPr>
+        </p:nvSpPr>
+        <p:spPr/>
+        <p:txBody>
+          <a:bodyPr>
+            <a:normAutofit fontScale="90000"/>
+          </a:bodyPr>
+          <a:lstStyle/>
+          <a:p>
+            <a:r>
+              <a:rPr lang="fr-FR" dirty="0"/>
+              <a:t>xx</a:t>
+            </a:r>
+            <a:br>
+              <a:rPr lang="fr-FR" dirty="0"/>
+            </a:br>
+            <a:r>
+              <a:rPr lang="fr-FR" dirty="0"/>
+              <a:t>Modélisation de connaissance du moteur à courant continu</a:t>
+            </a:r>
+          </a:p>
+        </p:txBody>
+      </p:sp>
+      <p:sp>
+        <p:nvSpPr>
+          <p:cNvPr id="5" name="Espace réservé du texte 4">
+            <a:extLst>
+              <a:ext uri="{FF2B5EF4-FFF2-40B4-BE49-F238E27FC236}">
+                <a16:creationId xmlns:a16="http://schemas.microsoft.com/office/drawing/2014/main" id="{31164354-1A91-E980-2D9B-9062246D64F4}"/>
+              </a:ext>
+            </a:extLst>
+          </p:cNvPr>
+          <p:cNvSpPr>
+            <a:spLocks noGrp="1"/>
+          </p:cNvSpPr>
+          <p:nvPr>
+            <p:ph type="body" idx="1"/>
+          </p:nvPr>
+        </p:nvSpPr>
+        <p:spPr/>
+        <p:txBody>
+          <a:bodyPr/>
+          <a:lstStyle/>
+          <a:p>
+            <a:endParaRPr lang="fr-FR"/>
+          </a:p>
+        </p:txBody>
+      </p:sp>
+    </p:spTree>
+    <p:extLst>
+      <p:ext uri="{BB962C8B-B14F-4D97-AF65-F5344CB8AC3E}">
+        <p14:creationId xmlns:p14="http://schemas.microsoft.com/office/powerpoint/2010/main" val="2968671033"/>
+      </p:ext>
+    </p:extLst>
+  </p:cSld>
+  <p:clrMapOvr>
+    <a:masterClrMapping/>
+  </p:clrMapOvr>
+</p:sld>
+</file>
+
+<file path=ppt/slides/slide13.xml><?xml version="1.0" encoding="utf-8"?>
+<p:sld xmlns:a="http://schemas.openxmlformats.org/drawingml/2006/main" xmlns:r="http://schemas.openxmlformats.org/officeDocument/2006/relationships" xmlns:p="http://schemas.openxmlformats.org/presentationml/2006/main">
+  <p:cSld>
+    <p:spTree>
+      <p:nvGrpSpPr>
+        <p:cNvPr id="1" name=""/>
+        <p:cNvGrpSpPr/>
+        <p:nvPr/>
+      </p:nvGrpSpPr>
+      <p:grpSpPr>
+        <a:xfrm>
+          <a:off x="0" y="0"/>
+          <a:ext cx="0" cy="0"/>
+          <a:chOff x="0" y="0"/>
+          <a:chExt cx="0" cy="0"/>
+        </a:xfrm>
+      </p:grpSpPr>
+      <p:sp>
+        <p:nvSpPr>
+          <p:cNvPr id="2" name="Titre 1">
+            <a:extLst>
+              <a:ext uri="{FF2B5EF4-FFF2-40B4-BE49-F238E27FC236}">
+                <a16:creationId xmlns:a16="http://schemas.microsoft.com/office/drawing/2014/main" id="{B4F6E949-891B-D2C7-A2ED-2FC1D8419920}"/>
+              </a:ext>
+            </a:extLst>
+          </p:cNvPr>
+          <p:cNvSpPr>
+            <a:spLocks noGrp="1"/>
+          </p:cNvSpPr>
+          <p:nvPr>
+            <p:ph type="title"/>
+          </p:nvPr>
+        </p:nvSpPr>
+        <p:spPr/>
+        <p:txBody>
+          <a:bodyPr/>
+          <a:lstStyle/>
+          <a:p>
+            <a:endParaRPr lang="fr-FR"/>
+          </a:p>
+        </p:txBody>
+      </p:sp>
+      <mc:AlternateContent xmlns:mc="http://schemas.openxmlformats.org/markup-compatibility/2006">
+        <mc:Choice xmlns:a14="http://schemas.microsoft.com/office/drawing/2010/main" Requires="a14">
+          <p:sp>
+            <p:nvSpPr>
+              <p:cNvPr id="3" name="Espace réservé du contenu 2">
+                <a:extLst>
+                  <a:ext uri="{FF2B5EF4-FFF2-40B4-BE49-F238E27FC236}">
+                    <a16:creationId xmlns:a16="http://schemas.microsoft.com/office/drawing/2014/main" id="{8021BF26-995C-FC8E-33FA-381DB9E1A32F}"/>
+                  </a:ext>
+                </a:extLst>
+              </p:cNvPr>
+              <p:cNvSpPr>
+                <a:spLocks noGrp="1"/>
+              </p:cNvSpPr>
+              <p:nvPr>
+                <p:ph idx="1"/>
+              </p:nvPr>
+            </p:nvSpPr>
+            <p:spPr/>
+            <p:txBody>
+              <a:bodyPr>
+                <a:normAutofit fontScale="92500" lnSpcReduction="20000"/>
+              </a:bodyPr>
+              <a:lstStyle/>
+              <a:p>
+                <a:r>
+                  <a:rPr lang="fr-FR" dirty="0"/>
+                  <a:t>On a </a:t>
+                </a:r>
+                <a14:m>
+                  <m:oMath xmlns:m="http://schemas.openxmlformats.org/officeDocument/2006/math">
+                    <m:r>
+                      <m:rPr>
+                        <m:sty m:val="p"/>
+                      </m:rPr>
+                      <a:rPr lang="fr-FR" b="0" i="0" smtClean="0">
+                        <a:latin typeface="Cambria Math" panose="02040503050406030204" pitchFamily="18" charset="0"/>
+                      </a:rPr>
+                      <m:t>Ω</m:t>
+                    </m:r>
+                    <m:d>
+                      <m:dPr>
+                        <m:ctrlPr>
+                          <a:rPr lang="fr-FR" b="0" i="1" smtClean="0">
+                            <a:latin typeface="Cambria Math" panose="02040503050406030204" pitchFamily="18" charset="0"/>
+                          </a:rPr>
+                        </m:ctrlPr>
+                      </m:dPr>
+                      <m:e>
+                        <m:r>
+                          <a:rPr lang="fr-FR" b="0" i="1" smtClean="0">
+                            <a:latin typeface="Cambria Math" panose="02040503050406030204" pitchFamily="18" charset="0"/>
+                          </a:rPr>
+                          <m:t>𝑚</m:t>
+                        </m:r>
+                      </m:e>
+                    </m:d>
+                    <m:r>
+                      <a:rPr lang="fr-FR" b="0" i="1" smtClean="0">
+                        <a:latin typeface="Cambria Math" panose="02040503050406030204" pitchFamily="18" charset="0"/>
+                      </a:rPr>
+                      <m:t>=</m:t>
+                    </m:r>
+                    <m:sSub>
+                      <m:sSubPr>
+                        <m:ctrlPr>
+                          <a:rPr lang="fr-FR" b="0" i="1" smtClean="0">
+                            <a:latin typeface="Cambria Math" panose="02040503050406030204" pitchFamily="18" charset="0"/>
+                          </a:rPr>
+                        </m:ctrlPr>
+                      </m:sSubPr>
+                      <m:e>
+                        <m:r>
+                          <a:rPr lang="fr-FR" b="0" i="1" smtClean="0">
+                            <a:latin typeface="Cambria Math" panose="02040503050406030204" pitchFamily="18" charset="0"/>
+                          </a:rPr>
+                          <m:t>𝐻</m:t>
+                        </m:r>
+                      </m:e>
+                      <m:sub>
+                        <m:r>
+                          <a:rPr lang="fr-FR" b="0" i="1" smtClean="0">
+                            <a:latin typeface="Cambria Math" panose="02040503050406030204" pitchFamily="18" charset="0"/>
+                          </a:rPr>
+                          <m:t>1</m:t>
+                        </m:r>
+                      </m:sub>
+                    </m:sSub>
+                    <m:r>
+                      <a:rPr lang="fr-FR" b="0" i="1" smtClean="0">
+                        <a:latin typeface="Cambria Math" panose="02040503050406030204" pitchFamily="18" charset="0"/>
+                      </a:rPr>
+                      <m:t>(</m:t>
+                    </m:r>
+                    <m:r>
+                      <a:rPr lang="fr-FR" b="0" i="1" smtClean="0">
+                        <a:latin typeface="Cambria Math" panose="02040503050406030204" pitchFamily="18" charset="0"/>
+                      </a:rPr>
+                      <m:t>𝑝</m:t>
+                    </m:r>
+                    <m:r>
+                      <a:rPr lang="fr-FR" b="0" i="1" smtClean="0">
+                        <a:latin typeface="Cambria Math" panose="02040503050406030204" pitchFamily="18" charset="0"/>
+                      </a:rPr>
+                      <m:t>)</m:t>
+                    </m:r>
+                    <m:r>
+                      <a:rPr lang="fr-FR" b="0" i="1" smtClean="0">
+                        <a:latin typeface="Cambria Math" panose="02040503050406030204" pitchFamily="18" charset="0"/>
+                      </a:rPr>
+                      <m:t>𝑈</m:t>
+                    </m:r>
+                    <m:d>
+                      <m:dPr>
+                        <m:ctrlPr>
+                          <a:rPr lang="fr-FR" b="0" i="1" smtClean="0">
+                            <a:latin typeface="Cambria Math" panose="02040503050406030204" pitchFamily="18" charset="0"/>
+                          </a:rPr>
+                        </m:ctrlPr>
+                      </m:dPr>
+                      <m:e>
+                        <m:r>
+                          <a:rPr lang="fr-FR" b="0" i="1" smtClean="0">
+                            <a:latin typeface="Cambria Math" panose="02040503050406030204" pitchFamily="18" charset="0"/>
+                          </a:rPr>
+                          <m:t>𝑝</m:t>
+                        </m:r>
+                      </m:e>
+                    </m:d>
+                    <m:r>
+                      <a:rPr lang="fr-FR" b="0" i="1" smtClean="0">
+                        <a:latin typeface="Cambria Math" panose="02040503050406030204" pitchFamily="18" charset="0"/>
+                      </a:rPr>
+                      <m:t>±</m:t>
+                    </m:r>
+                    <m:sSub>
+                      <m:sSubPr>
+                        <m:ctrlPr>
+                          <a:rPr lang="fr-FR" i="1">
+                            <a:latin typeface="Cambria Math" panose="02040503050406030204" pitchFamily="18" charset="0"/>
+                          </a:rPr>
+                        </m:ctrlPr>
+                      </m:sSubPr>
+                      <m:e>
+                        <m:r>
+                          <a:rPr lang="fr-FR" i="1">
+                            <a:latin typeface="Cambria Math" panose="02040503050406030204" pitchFamily="18" charset="0"/>
+                          </a:rPr>
+                          <m:t>𝐻</m:t>
+                        </m:r>
+                      </m:e>
+                      <m:sub>
+                        <m:r>
+                          <a:rPr lang="fr-FR" b="0" i="1" smtClean="0">
+                            <a:latin typeface="Cambria Math" panose="02040503050406030204" pitchFamily="18" charset="0"/>
+                          </a:rPr>
+                          <m:t>2</m:t>
+                        </m:r>
+                      </m:sub>
+                    </m:sSub>
+                    <m:d>
+                      <m:dPr>
+                        <m:ctrlPr>
+                          <a:rPr lang="fr-FR" i="1">
+                            <a:latin typeface="Cambria Math" panose="02040503050406030204" pitchFamily="18" charset="0"/>
+                          </a:rPr>
+                        </m:ctrlPr>
+                      </m:dPr>
+                      <m:e>
+                        <m:r>
+                          <a:rPr lang="fr-FR" i="1">
+                            <a:latin typeface="Cambria Math" panose="02040503050406030204" pitchFamily="18" charset="0"/>
+                          </a:rPr>
+                          <m:t>𝑝</m:t>
+                        </m:r>
+                      </m:e>
+                    </m:d>
+                    <m:r>
+                      <a:rPr lang="fr-FR" b="0" i="1" smtClean="0">
+                        <a:latin typeface="Cambria Math" panose="02040503050406030204" pitchFamily="18" charset="0"/>
+                      </a:rPr>
+                      <m:t>𝐶</m:t>
+                    </m:r>
+                    <m:d>
+                      <m:dPr>
+                        <m:ctrlPr>
+                          <a:rPr lang="fr-FR" i="1">
+                            <a:latin typeface="Cambria Math" panose="02040503050406030204" pitchFamily="18" charset="0"/>
+                          </a:rPr>
+                        </m:ctrlPr>
+                      </m:dPr>
+                      <m:e>
+                        <m:r>
+                          <a:rPr lang="fr-FR" i="1">
+                            <a:latin typeface="Cambria Math" panose="02040503050406030204" pitchFamily="18" charset="0"/>
+                          </a:rPr>
+                          <m:t>𝑝</m:t>
+                        </m:r>
+                      </m:e>
+                    </m:d>
+                  </m:oMath>
+                </a14:m>
+                <a:endParaRPr lang="fr-FR" dirty="0"/>
+              </a:p>
+              <a:p>
+                <a:r>
+                  <a:rPr lang="fr-FR" dirty="0"/>
+                  <a:t>Avec </a:t>
+                </a:r>
+                <a14:m>
+                  <m:oMath xmlns:m="http://schemas.openxmlformats.org/officeDocument/2006/math">
+                    <m:sSub>
+                      <m:sSubPr>
+                        <m:ctrlPr>
+                          <a:rPr lang="fr-FR" b="0" i="1" smtClean="0">
+                            <a:latin typeface="Cambria Math" panose="02040503050406030204" pitchFamily="18" charset="0"/>
+                          </a:rPr>
+                        </m:ctrlPr>
+                      </m:sSubPr>
+                      <m:e>
+                        <m:r>
+                          <a:rPr lang="fr-FR" b="0" i="1" smtClean="0">
+                            <a:latin typeface="Cambria Math" panose="02040503050406030204" pitchFamily="18" charset="0"/>
+                          </a:rPr>
+                          <m:t>𝐻</m:t>
+                        </m:r>
+                      </m:e>
+                      <m:sub>
+                        <m:r>
+                          <a:rPr lang="fr-FR" b="0" i="1" smtClean="0">
+                            <a:latin typeface="Cambria Math" panose="02040503050406030204" pitchFamily="18" charset="0"/>
+                          </a:rPr>
+                          <m:t>1</m:t>
+                        </m:r>
+                        <m:d>
+                          <m:dPr>
+                            <m:ctrlPr>
+                              <a:rPr lang="fr-FR" b="0" i="1" smtClean="0">
+                                <a:latin typeface="Cambria Math" panose="02040503050406030204" pitchFamily="18" charset="0"/>
+                              </a:rPr>
+                            </m:ctrlPr>
+                          </m:dPr>
+                          <m:e>
+                            <m:r>
+                              <a:rPr lang="fr-FR" b="0" i="1" smtClean="0">
+                                <a:latin typeface="Cambria Math" panose="02040503050406030204" pitchFamily="18" charset="0"/>
+                              </a:rPr>
+                              <m:t>𝑝</m:t>
+                            </m:r>
+                          </m:e>
+                        </m:d>
+                      </m:sub>
+                    </m:sSub>
+                    <m:r>
+                      <a:rPr lang="fr-FR" b="0" i="1" smtClean="0">
+                        <a:latin typeface="Cambria Math" panose="02040503050406030204" pitchFamily="18" charset="0"/>
+                      </a:rPr>
+                      <m:t>=</m:t>
+                    </m:r>
+                    <m:f>
+                      <m:fPr>
+                        <m:ctrlPr>
+                          <a:rPr lang="fr-FR" b="0" i="1" smtClean="0">
+                            <a:latin typeface="Cambria Math" panose="02040503050406030204" pitchFamily="18" charset="0"/>
+                          </a:rPr>
+                        </m:ctrlPr>
+                      </m:fPr>
+                      <m:num>
+                        <m:f>
+                          <m:fPr>
+                            <m:ctrlPr>
+                              <a:rPr lang="fr-FR" i="1">
+                                <a:latin typeface="Cambria Math" panose="02040503050406030204" pitchFamily="18" charset="0"/>
+                              </a:rPr>
+                            </m:ctrlPr>
+                          </m:fPr>
+                          <m:num>
+                            <m:r>
+                              <a:rPr lang="fr-FR" i="1">
+                                <a:latin typeface="Cambria Math" panose="02040503050406030204" pitchFamily="18" charset="0"/>
+                              </a:rPr>
+                              <m:t>𝐾</m:t>
+                            </m:r>
+                          </m:num>
+                          <m:den>
+                            <m:r>
+                              <a:rPr lang="fr-FR" i="1">
+                                <a:latin typeface="Cambria Math" panose="02040503050406030204" pitchFamily="18" charset="0"/>
+                              </a:rPr>
+                              <m:t>𝑅𝑓</m:t>
+                            </m:r>
+                            <m:r>
+                              <a:rPr lang="fr-FR" i="1">
+                                <a:latin typeface="Cambria Math" panose="02040503050406030204" pitchFamily="18" charset="0"/>
+                              </a:rPr>
+                              <m:t>+</m:t>
+                            </m:r>
+                            <m:sSup>
+                              <m:sSupPr>
+                                <m:ctrlPr>
+                                  <a:rPr lang="fr-FR" i="1">
+                                    <a:latin typeface="Cambria Math" panose="02040503050406030204" pitchFamily="18" charset="0"/>
+                                  </a:rPr>
+                                </m:ctrlPr>
+                              </m:sSupPr>
+                              <m:e>
+                                <m:r>
+                                  <a:rPr lang="fr-FR" i="1">
+                                    <a:latin typeface="Cambria Math" panose="02040503050406030204" pitchFamily="18" charset="0"/>
+                                  </a:rPr>
+                                  <m:t>𝐾</m:t>
+                                </m:r>
+                              </m:e>
+                              <m:sup>
+                                <m:r>
+                                  <a:rPr lang="fr-FR" i="1">
+                                    <a:latin typeface="Cambria Math" panose="02040503050406030204" pitchFamily="18" charset="0"/>
+                                  </a:rPr>
+                                  <m:t>2</m:t>
+                                </m:r>
+                              </m:sup>
+                            </m:sSup>
+                          </m:den>
+                        </m:f>
+                      </m:num>
+                      <m:den>
+                        <m:f>
+                          <m:fPr>
+                            <m:ctrlPr>
+                              <a:rPr lang="fr-FR" i="1">
+                                <a:latin typeface="Cambria Math" panose="02040503050406030204" pitchFamily="18" charset="0"/>
+                              </a:rPr>
+                            </m:ctrlPr>
+                          </m:fPr>
+                          <m:num>
+                            <m:r>
+                              <a:rPr lang="fr-FR" i="1">
+                                <a:latin typeface="Cambria Math" panose="02040503050406030204" pitchFamily="18" charset="0"/>
+                              </a:rPr>
+                              <m:t>𝐽𝐿</m:t>
+                            </m:r>
+                          </m:num>
+                          <m:den>
+                            <m:r>
+                              <a:rPr lang="fr-FR" i="1">
+                                <a:latin typeface="Cambria Math" panose="02040503050406030204" pitchFamily="18" charset="0"/>
+                              </a:rPr>
+                              <m:t>𝑅𝑓</m:t>
+                            </m:r>
+                            <m:r>
+                              <a:rPr lang="fr-FR" i="1">
+                                <a:latin typeface="Cambria Math" panose="02040503050406030204" pitchFamily="18" charset="0"/>
+                              </a:rPr>
+                              <m:t>+</m:t>
+                            </m:r>
+                            <m:sSup>
+                              <m:sSupPr>
+                                <m:ctrlPr>
+                                  <a:rPr lang="fr-FR" i="1">
+                                    <a:latin typeface="Cambria Math" panose="02040503050406030204" pitchFamily="18" charset="0"/>
+                                  </a:rPr>
+                                </m:ctrlPr>
+                              </m:sSupPr>
+                              <m:e>
+                                <m:r>
+                                  <a:rPr lang="fr-FR" i="1">
+                                    <a:latin typeface="Cambria Math" panose="02040503050406030204" pitchFamily="18" charset="0"/>
+                                  </a:rPr>
+                                  <m:t>𝐾</m:t>
+                                </m:r>
+                              </m:e>
+                              <m:sup>
+                                <m:r>
+                                  <a:rPr lang="fr-FR" i="1">
+                                    <a:latin typeface="Cambria Math" panose="02040503050406030204" pitchFamily="18" charset="0"/>
+                                  </a:rPr>
+                                  <m:t>2</m:t>
+                                </m:r>
+                              </m:sup>
+                            </m:sSup>
+                          </m:den>
+                        </m:f>
+                        <m:sSup>
+                          <m:sSupPr>
+                            <m:ctrlPr>
+                              <a:rPr lang="fr-FR" i="1">
+                                <a:latin typeface="Cambria Math" panose="02040503050406030204" pitchFamily="18" charset="0"/>
+                              </a:rPr>
+                            </m:ctrlPr>
+                          </m:sSupPr>
+                          <m:e>
+                            <m:r>
+                              <a:rPr lang="fr-FR" i="1">
+                                <a:latin typeface="Cambria Math" panose="02040503050406030204" pitchFamily="18" charset="0"/>
+                              </a:rPr>
+                              <m:t>𝑝</m:t>
+                            </m:r>
+                          </m:e>
+                          <m:sup>
+                            <m:r>
+                              <a:rPr lang="fr-FR" i="1">
+                                <a:latin typeface="Cambria Math" panose="02040503050406030204" pitchFamily="18" charset="0"/>
+                              </a:rPr>
+                              <m:t>2</m:t>
+                            </m:r>
+                          </m:sup>
+                        </m:sSup>
+                        <m:r>
+                          <a:rPr lang="fr-FR" b="0" i="1" smtClean="0">
+                            <a:latin typeface="Cambria Math" panose="02040503050406030204" pitchFamily="18" charset="0"/>
+                          </a:rPr>
+                          <m:t>+</m:t>
+                        </m:r>
+                        <m:f>
+                          <m:fPr>
+                            <m:ctrlPr>
+                              <a:rPr lang="fr-FR" i="1">
+                                <a:latin typeface="Cambria Math" panose="02040503050406030204" pitchFamily="18" charset="0"/>
+                              </a:rPr>
+                            </m:ctrlPr>
+                          </m:fPr>
+                          <m:num>
+                            <m:r>
+                              <a:rPr lang="fr-FR" i="1">
+                                <a:latin typeface="Cambria Math" panose="02040503050406030204" pitchFamily="18" charset="0"/>
+                              </a:rPr>
+                              <m:t>𝐽</m:t>
+                            </m:r>
+                            <m:r>
+                              <a:rPr lang="fr-FR" b="0" i="1" smtClean="0">
+                                <a:latin typeface="Cambria Math" panose="02040503050406030204" pitchFamily="18" charset="0"/>
+                              </a:rPr>
+                              <m:t>𝑅</m:t>
+                            </m:r>
+                            <m:r>
+                              <a:rPr lang="fr-FR" b="0" i="1" smtClean="0">
+                                <a:latin typeface="Cambria Math" panose="02040503050406030204" pitchFamily="18" charset="0"/>
+                              </a:rPr>
+                              <m:t>+</m:t>
+                            </m:r>
+                            <m:r>
+                              <a:rPr lang="fr-FR" b="0" i="1" smtClean="0">
+                                <a:latin typeface="Cambria Math" panose="02040503050406030204" pitchFamily="18" charset="0"/>
+                              </a:rPr>
+                              <m:t>𝐿𝑓</m:t>
+                            </m:r>
+                          </m:num>
+                          <m:den>
+                            <m:r>
+                              <a:rPr lang="fr-FR" i="1">
+                                <a:latin typeface="Cambria Math" panose="02040503050406030204" pitchFamily="18" charset="0"/>
+                              </a:rPr>
+                              <m:t>𝑅𝑓</m:t>
+                            </m:r>
+                            <m:r>
+                              <a:rPr lang="fr-FR" i="1">
+                                <a:latin typeface="Cambria Math" panose="02040503050406030204" pitchFamily="18" charset="0"/>
+                              </a:rPr>
+                              <m:t>+</m:t>
+                            </m:r>
+                            <m:sSup>
+                              <m:sSupPr>
+                                <m:ctrlPr>
+                                  <a:rPr lang="fr-FR" i="1">
+                                    <a:latin typeface="Cambria Math" panose="02040503050406030204" pitchFamily="18" charset="0"/>
+                                  </a:rPr>
+                                </m:ctrlPr>
+                              </m:sSupPr>
+                              <m:e>
+                                <m:r>
+                                  <a:rPr lang="fr-FR" i="1">
+                                    <a:latin typeface="Cambria Math" panose="02040503050406030204" pitchFamily="18" charset="0"/>
+                                  </a:rPr>
+                                  <m:t>𝐾</m:t>
+                                </m:r>
+                              </m:e>
+                              <m:sup>
+                                <m:r>
+                                  <a:rPr lang="fr-FR" i="1">
+                                    <a:latin typeface="Cambria Math" panose="02040503050406030204" pitchFamily="18" charset="0"/>
+                                  </a:rPr>
+                                  <m:t>2</m:t>
+                                </m:r>
+                              </m:sup>
+                            </m:sSup>
+                          </m:den>
+                        </m:f>
+                        <m:r>
+                          <a:rPr lang="fr-FR" b="0" i="1" smtClean="0">
+                            <a:latin typeface="Cambria Math" panose="02040503050406030204" pitchFamily="18" charset="0"/>
+                          </a:rPr>
+                          <m:t>𝑝</m:t>
+                        </m:r>
+                        <m:r>
+                          <a:rPr lang="fr-FR" b="0" i="1" smtClean="0">
+                            <a:latin typeface="Cambria Math" panose="02040503050406030204" pitchFamily="18" charset="0"/>
+                          </a:rPr>
+                          <m:t>+1</m:t>
+                        </m:r>
+                      </m:den>
+                    </m:f>
+                  </m:oMath>
+                </a14:m>
+                <a:r>
+                  <a:rPr lang="fr-FR" dirty="0"/>
+                  <a:t> et </a:t>
+                </a:r>
+                <a14:m>
+                  <m:oMath xmlns:m="http://schemas.openxmlformats.org/officeDocument/2006/math">
+                    <m:sSub>
+                      <m:sSubPr>
+                        <m:ctrlPr>
+                          <a:rPr lang="fr-FR" b="0" i="1" smtClean="0">
+                            <a:latin typeface="Cambria Math" panose="02040503050406030204" pitchFamily="18" charset="0"/>
+                          </a:rPr>
+                        </m:ctrlPr>
+                      </m:sSubPr>
+                      <m:e>
+                        <m:r>
+                          <a:rPr lang="fr-FR" b="0" i="1" smtClean="0">
+                            <a:latin typeface="Cambria Math" panose="02040503050406030204" pitchFamily="18" charset="0"/>
+                          </a:rPr>
+                          <m:t>𝐻</m:t>
+                        </m:r>
+                      </m:e>
+                      <m:sub>
+                        <m:r>
+                          <a:rPr lang="fr-FR" b="0" i="1" smtClean="0">
+                            <a:latin typeface="Cambria Math" panose="02040503050406030204" pitchFamily="18" charset="0"/>
+                          </a:rPr>
+                          <m:t>2</m:t>
+                        </m:r>
+                      </m:sub>
+                    </m:sSub>
+                    <m:d>
+                      <m:dPr>
+                        <m:ctrlPr>
+                          <a:rPr lang="fr-FR" b="0" i="1" smtClean="0">
+                            <a:latin typeface="Cambria Math" panose="02040503050406030204" pitchFamily="18" charset="0"/>
+                          </a:rPr>
+                        </m:ctrlPr>
+                      </m:dPr>
+                      <m:e>
+                        <m:r>
+                          <a:rPr lang="fr-FR" b="0" i="1" smtClean="0">
+                            <a:latin typeface="Cambria Math" panose="02040503050406030204" pitchFamily="18" charset="0"/>
+                          </a:rPr>
+                          <m:t>𝑝</m:t>
+                        </m:r>
+                      </m:e>
+                    </m:d>
+                    <m:r>
+                      <a:rPr lang="fr-FR" b="0" i="1" smtClean="0">
+                        <a:latin typeface="Cambria Math" panose="02040503050406030204" pitchFamily="18" charset="0"/>
+                      </a:rPr>
+                      <m:t>=−</m:t>
+                    </m:r>
+                    <m:f>
+                      <m:fPr>
+                        <m:ctrlPr>
+                          <a:rPr lang="fr-FR" i="1">
+                            <a:latin typeface="Cambria Math" panose="02040503050406030204" pitchFamily="18" charset="0"/>
+                          </a:rPr>
+                        </m:ctrlPr>
+                      </m:fPr>
+                      <m:num>
+                        <m:f>
+                          <m:fPr>
+                            <m:ctrlPr>
+                              <a:rPr lang="fr-FR" i="1">
+                                <a:latin typeface="Cambria Math" panose="02040503050406030204" pitchFamily="18" charset="0"/>
+                              </a:rPr>
+                            </m:ctrlPr>
+                          </m:fPr>
+                          <m:num>
+                            <m:r>
+                              <a:rPr lang="fr-FR" b="0" i="1" smtClean="0">
+                                <a:latin typeface="Cambria Math" panose="02040503050406030204" pitchFamily="18" charset="0"/>
+                              </a:rPr>
+                              <m:t>𝑅</m:t>
+                            </m:r>
+                            <m:r>
+                              <a:rPr lang="fr-FR" b="0" i="1" smtClean="0">
+                                <a:latin typeface="Cambria Math" panose="02040503050406030204" pitchFamily="18" charset="0"/>
+                              </a:rPr>
+                              <m:t>+</m:t>
+                            </m:r>
+                            <m:r>
+                              <a:rPr lang="fr-FR" b="0" i="1" smtClean="0">
+                                <a:latin typeface="Cambria Math" panose="02040503050406030204" pitchFamily="18" charset="0"/>
+                              </a:rPr>
+                              <m:t>𝐿𝑝</m:t>
+                            </m:r>
+                          </m:num>
+                          <m:den>
+                            <m:r>
+                              <a:rPr lang="fr-FR" i="1">
+                                <a:latin typeface="Cambria Math" panose="02040503050406030204" pitchFamily="18" charset="0"/>
+                              </a:rPr>
+                              <m:t>𝑅𝑓</m:t>
+                            </m:r>
+                            <m:r>
+                              <a:rPr lang="fr-FR" i="1">
+                                <a:latin typeface="Cambria Math" panose="02040503050406030204" pitchFamily="18" charset="0"/>
+                              </a:rPr>
+                              <m:t>+</m:t>
+                            </m:r>
+                            <m:sSup>
+                              <m:sSupPr>
+                                <m:ctrlPr>
+                                  <a:rPr lang="fr-FR" i="1">
+                                    <a:latin typeface="Cambria Math" panose="02040503050406030204" pitchFamily="18" charset="0"/>
+                                  </a:rPr>
+                                </m:ctrlPr>
+                              </m:sSupPr>
+                              <m:e>
+                                <m:r>
+                                  <a:rPr lang="fr-FR" i="1">
+                                    <a:latin typeface="Cambria Math" panose="02040503050406030204" pitchFamily="18" charset="0"/>
+                                  </a:rPr>
+                                  <m:t>𝐾</m:t>
+                                </m:r>
+                              </m:e>
+                              <m:sup>
+                                <m:r>
+                                  <a:rPr lang="fr-FR" i="1">
+                                    <a:latin typeface="Cambria Math" panose="02040503050406030204" pitchFamily="18" charset="0"/>
+                                  </a:rPr>
+                                  <m:t>2</m:t>
+                                </m:r>
+                              </m:sup>
+                            </m:sSup>
+                          </m:den>
+                        </m:f>
+                      </m:num>
+                      <m:den>
+                        <m:f>
+                          <m:fPr>
+                            <m:ctrlPr>
+                              <a:rPr lang="fr-FR" i="1">
+                                <a:latin typeface="Cambria Math" panose="02040503050406030204" pitchFamily="18" charset="0"/>
+                              </a:rPr>
+                            </m:ctrlPr>
+                          </m:fPr>
+                          <m:num>
+                            <m:r>
+                              <a:rPr lang="fr-FR" i="1">
+                                <a:latin typeface="Cambria Math" panose="02040503050406030204" pitchFamily="18" charset="0"/>
+                              </a:rPr>
+                              <m:t>𝐽𝐿</m:t>
+                            </m:r>
+                          </m:num>
+                          <m:den>
+                            <m:r>
+                              <a:rPr lang="fr-FR" i="1">
+                                <a:latin typeface="Cambria Math" panose="02040503050406030204" pitchFamily="18" charset="0"/>
+                              </a:rPr>
+                              <m:t>𝑅𝑓</m:t>
+                            </m:r>
+                            <m:r>
+                              <a:rPr lang="fr-FR" i="1">
+                                <a:latin typeface="Cambria Math" panose="02040503050406030204" pitchFamily="18" charset="0"/>
+                              </a:rPr>
+                              <m:t>+</m:t>
+                            </m:r>
+                            <m:sSup>
+                              <m:sSupPr>
+                                <m:ctrlPr>
+                                  <a:rPr lang="fr-FR" i="1">
+                                    <a:latin typeface="Cambria Math" panose="02040503050406030204" pitchFamily="18" charset="0"/>
+                                  </a:rPr>
+                                </m:ctrlPr>
+                              </m:sSupPr>
+                              <m:e>
+                                <m:r>
+                                  <a:rPr lang="fr-FR" i="1">
+                                    <a:latin typeface="Cambria Math" panose="02040503050406030204" pitchFamily="18" charset="0"/>
+                                  </a:rPr>
+                                  <m:t>𝐾</m:t>
+                                </m:r>
+                              </m:e>
+                              <m:sup>
+                                <m:r>
+                                  <a:rPr lang="fr-FR" i="1">
+                                    <a:latin typeface="Cambria Math" panose="02040503050406030204" pitchFamily="18" charset="0"/>
+                                  </a:rPr>
+                                  <m:t>2</m:t>
+                                </m:r>
+                              </m:sup>
+                            </m:sSup>
+                          </m:den>
+                        </m:f>
+                        <m:sSup>
+                          <m:sSupPr>
+                            <m:ctrlPr>
+                              <a:rPr lang="fr-FR" i="1">
+                                <a:latin typeface="Cambria Math" panose="02040503050406030204" pitchFamily="18" charset="0"/>
+                              </a:rPr>
+                            </m:ctrlPr>
+                          </m:sSupPr>
+                          <m:e>
+                            <m:r>
+                              <a:rPr lang="fr-FR" i="1">
+                                <a:latin typeface="Cambria Math" panose="02040503050406030204" pitchFamily="18" charset="0"/>
+                              </a:rPr>
+                              <m:t>𝑝</m:t>
+                            </m:r>
+                          </m:e>
+                          <m:sup>
+                            <m:r>
+                              <a:rPr lang="fr-FR" i="1">
+                                <a:latin typeface="Cambria Math" panose="02040503050406030204" pitchFamily="18" charset="0"/>
+                              </a:rPr>
+                              <m:t>2</m:t>
+                            </m:r>
+                          </m:sup>
+                        </m:sSup>
+                        <m:r>
+                          <a:rPr lang="fr-FR" i="1">
+                            <a:latin typeface="Cambria Math" panose="02040503050406030204" pitchFamily="18" charset="0"/>
+                          </a:rPr>
+                          <m:t>+</m:t>
+                        </m:r>
+                        <m:f>
+                          <m:fPr>
+                            <m:ctrlPr>
+                              <a:rPr lang="fr-FR" i="1">
+                                <a:latin typeface="Cambria Math" panose="02040503050406030204" pitchFamily="18" charset="0"/>
+                              </a:rPr>
+                            </m:ctrlPr>
+                          </m:fPr>
+                          <m:num>
+                            <m:r>
+                              <a:rPr lang="fr-FR" i="1">
+                                <a:latin typeface="Cambria Math" panose="02040503050406030204" pitchFamily="18" charset="0"/>
+                              </a:rPr>
+                              <m:t>𝐽</m:t>
+                            </m:r>
+                            <m:r>
+                              <a:rPr lang="fr-FR" i="1">
+                                <a:latin typeface="Cambria Math" panose="02040503050406030204" pitchFamily="18" charset="0"/>
+                              </a:rPr>
+                              <m:t>𝑅</m:t>
+                            </m:r>
+                            <m:r>
+                              <a:rPr lang="fr-FR" i="1">
+                                <a:latin typeface="Cambria Math" panose="02040503050406030204" pitchFamily="18" charset="0"/>
+                              </a:rPr>
+                              <m:t>+</m:t>
+                            </m:r>
+                            <m:r>
+                              <a:rPr lang="fr-FR" i="1">
+                                <a:latin typeface="Cambria Math" panose="02040503050406030204" pitchFamily="18" charset="0"/>
+                              </a:rPr>
+                              <m:t>𝐿𝑓</m:t>
+                            </m:r>
+                          </m:num>
+                          <m:den>
+                            <m:r>
+                              <a:rPr lang="fr-FR" i="1">
+                                <a:latin typeface="Cambria Math" panose="02040503050406030204" pitchFamily="18" charset="0"/>
+                              </a:rPr>
+                              <m:t>𝑅𝑓</m:t>
+                            </m:r>
+                            <m:r>
+                              <a:rPr lang="fr-FR" i="1">
+                                <a:latin typeface="Cambria Math" panose="02040503050406030204" pitchFamily="18" charset="0"/>
+                              </a:rPr>
+                              <m:t>+</m:t>
+                            </m:r>
+                            <m:sSup>
+                              <m:sSupPr>
+                                <m:ctrlPr>
+                                  <a:rPr lang="fr-FR" i="1">
+                                    <a:latin typeface="Cambria Math" panose="02040503050406030204" pitchFamily="18" charset="0"/>
+                                  </a:rPr>
+                                </m:ctrlPr>
+                              </m:sSupPr>
+                              <m:e>
+                                <m:r>
+                                  <a:rPr lang="fr-FR" i="1">
+                                    <a:latin typeface="Cambria Math" panose="02040503050406030204" pitchFamily="18" charset="0"/>
+                                  </a:rPr>
+                                  <m:t>𝐾</m:t>
+                                </m:r>
+                              </m:e>
+                              <m:sup>
+                                <m:r>
+                                  <a:rPr lang="fr-FR" i="1">
+                                    <a:latin typeface="Cambria Math" panose="02040503050406030204" pitchFamily="18" charset="0"/>
+                                  </a:rPr>
+                                  <m:t>2</m:t>
+                                </m:r>
+                              </m:sup>
+                            </m:sSup>
+                          </m:den>
+                        </m:f>
+                        <m:r>
+                          <a:rPr lang="fr-FR" i="1">
+                            <a:latin typeface="Cambria Math" panose="02040503050406030204" pitchFamily="18" charset="0"/>
+                          </a:rPr>
+                          <m:t>𝑝</m:t>
+                        </m:r>
+                        <m:r>
+                          <a:rPr lang="fr-FR" i="1">
+                            <a:latin typeface="Cambria Math" panose="02040503050406030204" pitchFamily="18" charset="0"/>
+                          </a:rPr>
+                          <m:t>+1</m:t>
+                        </m:r>
+                      </m:den>
+                    </m:f>
+                  </m:oMath>
+                </a14:m>
+                <a:endParaRPr lang="fr-FR" dirty="0"/>
+              </a:p>
+              <a:p>
+                <a:endParaRPr lang="fr-FR" dirty="0"/>
+              </a:p>
+              <a:p>
+                <a:endParaRPr lang="fr-FR" dirty="0"/>
+              </a:p>
+              <a:p>
+                <a:r>
+                  <a:rPr lang="fr-FR" dirty="0"/>
+                  <a:t>En négligeant </a:t>
+                </a:r>
+                <a14:m>
+                  <m:oMath xmlns:m="http://schemas.openxmlformats.org/officeDocument/2006/math">
+                    <m:r>
+                      <a:rPr lang="fr-FR" b="0" i="1" smtClean="0">
+                        <a:latin typeface="Cambria Math" panose="02040503050406030204" pitchFamily="18" charset="0"/>
+                      </a:rPr>
+                      <m:t>𝐿</m:t>
+                    </m:r>
+                  </m:oMath>
+                </a14:m>
+                <a:r>
+                  <a:rPr lang="fr-FR" dirty="0"/>
+                  <a:t> :</a:t>
+                </a:r>
+              </a:p>
+              <a:p>
+                <a:pPr lvl="1"/>
+                <a14:m>
+                  <m:oMath xmlns:m="http://schemas.openxmlformats.org/officeDocument/2006/math">
+                    <m:sSub>
+                      <m:sSubPr>
+                        <m:ctrlPr>
+                          <a:rPr lang="fr-FR" b="0" i="1" smtClean="0">
+                            <a:latin typeface="Cambria Math" panose="02040503050406030204" pitchFamily="18" charset="0"/>
+                          </a:rPr>
+                        </m:ctrlPr>
+                      </m:sSubPr>
+                      <m:e>
+                        <m:r>
+                          <a:rPr lang="fr-FR" b="0" i="1" smtClean="0">
+                            <a:latin typeface="Cambria Math" panose="02040503050406030204" pitchFamily="18" charset="0"/>
+                          </a:rPr>
+                          <m:t>𝐻</m:t>
+                        </m:r>
+                      </m:e>
+                      <m:sub>
+                        <m:r>
+                          <a:rPr lang="fr-FR" b="0" i="1" smtClean="0">
+                            <a:latin typeface="Cambria Math" panose="02040503050406030204" pitchFamily="18" charset="0"/>
+                          </a:rPr>
+                          <m:t>1</m:t>
+                        </m:r>
+                        <m:d>
+                          <m:dPr>
+                            <m:ctrlPr>
+                              <a:rPr lang="fr-FR" b="0" i="1" smtClean="0">
+                                <a:latin typeface="Cambria Math" panose="02040503050406030204" pitchFamily="18" charset="0"/>
+                              </a:rPr>
+                            </m:ctrlPr>
+                          </m:dPr>
+                          <m:e>
+                            <m:r>
+                              <a:rPr lang="fr-FR" b="0" i="1" smtClean="0">
+                                <a:latin typeface="Cambria Math" panose="02040503050406030204" pitchFamily="18" charset="0"/>
+                              </a:rPr>
+                              <m:t>𝑝</m:t>
+                            </m:r>
+                          </m:e>
+                        </m:d>
+                      </m:sub>
+                    </m:sSub>
+                    <m:r>
+                      <a:rPr lang="fr-FR" b="0" i="1" smtClean="0">
+                        <a:latin typeface="Cambria Math" panose="02040503050406030204" pitchFamily="18" charset="0"/>
+                      </a:rPr>
+                      <m:t>=</m:t>
+                    </m:r>
+                    <m:f>
+                      <m:fPr>
+                        <m:ctrlPr>
+                          <a:rPr lang="fr-FR" b="0" i="1" smtClean="0">
+                            <a:latin typeface="Cambria Math" panose="02040503050406030204" pitchFamily="18" charset="0"/>
+                          </a:rPr>
+                        </m:ctrlPr>
+                      </m:fPr>
+                      <m:num>
+                        <m:f>
+                          <m:fPr>
+                            <m:ctrlPr>
+                              <a:rPr lang="fr-FR" i="1">
+                                <a:latin typeface="Cambria Math" panose="02040503050406030204" pitchFamily="18" charset="0"/>
+                              </a:rPr>
+                            </m:ctrlPr>
+                          </m:fPr>
+                          <m:num>
+                            <m:r>
+                              <a:rPr lang="fr-FR" i="1">
+                                <a:latin typeface="Cambria Math" panose="02040503050406030204" pitchFamily="18" charset="0"/>
+                              </a:rPr>
+                              <m:t>𝐾</m:t>
+                            </m:r>
+                          </m:num>
+                          <m:den>
+                            <m:r>
+                              <a:rPr lang="fr-FR" i="1">
+                                <a:latin typeface="Cambria Math" panose="02040503050406030204" pitchFamily="18" charset="0"/>
+                              </a:rPr>
+                              <m:t>𝑅𝑓</m:t>
+                            </m:r>
+                            <m:r>
+                              <a:rPr lang="fr-FR" i="1">
+                                <a:latin typeface="Cambria Math" panose="02040503050406030204" pitchFamily="18" charset="0"/>
+                              </a:rPr>
+                              <m:t>+</m:t>
+                            </m:r>
+                            <m:sSup>
+                              <m:sSupPr>
+                                <m:ctrlPr>
+                                  <a:rPr lang="fr-FR" i="1">
+                                    <a:latin typeface="Cambria Math" panose="02040503050406030204" pitchFamily="18" charset="0"/>
+                                  </a:rPr>
+                                </m:ctrlPr>
+                              </m:sSupPr>
+                              <m:e>
+                                <m:r>
+                                  <a:rPr lang="fr-FR" i="1">
+                                    <a:latin typeface="Cambria Math" panose="02040503050406030204" pitchFamily="18" charset="0"/>
+                                  </a:rPr>
+                                  <m:t>𝐾</m:t>
+                                </m:r>
+                              </m:e>
+                              <m:sup>
+                                <m:r>
+                                  <a:rPr lang="fr-FR" i="1">
+                                    <a:latin typeface="Cambria Math" panose="02040503050406030204" pitchFamily="18" charset="0"/>
+                                  </a:rPr>
+                                  <m:t>2</m:t>
+                                </m:r>
+                              </m:sup>
+                            </m:sSup>
+                          </m:den>
+                        </m:f>
+                      </m:num>
+                      <m:den>
+                        <m:f>
+                          <m:fPr>
+                            <m:ctrlPr>
+                              <a:rPr lang="fr-FR" i="1">
+                                <a:latin typeface="Cambria Math" panose="02040503050406030204" pitchFamily="18" charset="0"/>
+                              </a:rPr>
+                            </m:ctrlPr>
+                          </m:fPr>
+                          <m:num>
+                            <m:r>
+                              <a:rPr lang="fr-FR" i="1">
+                                <a:latin typeface="Cambria Math" panose="02040503050406030204" pitchFamily="18" charset="0"/>
+                              </a:rPr>
+                              <m:t>𝐽</m:t>
+                            </m:r>
+                            <m:r>
+                              <a:rPr lang="fr-FR" b="0" i="1" smtClean="0">
+                                <a:latin typeface="Cambria Math" panose="02040503050406030204" pitchFamily="18" charset="0"/>
+                              </a:rPr>
+                              <m:t>𝑅</m:t>
+                            </m:r>
+                          </m:num>
+                          <m:den>
+                            <m:r>
+                              <a:rPr lang="fr-FR" i="1">
+                                <a:latin typeface="Cambria Math" panose="02040503050406030204" pitchFamily="18" charset="0"/>
+                              </a:rPr>
+                              <m:t>𝑅𝑓</m:t>
+                            </m:r>
+                            <m:r>
+                              <a:rPr lang="fr-FR" i="1">
+                                <a:latin typeface="Cambria Math" panose="02040503050406030204" pitchFamily="18" charset="0"/>
+                              </a:rPr>
+                              <m:t>+</m:t>
+                            </m:r>
+                            <m:sSup>
+                              <m:sSupPr>
+                                <m:ctrlPr>
+                                  <a:rPr lang="fr-FR" i="1">
+                                    <a:latin typeface="Cambria Math" panose="02040503050406030204" pitchFamily="18" charset="0"/>
+                                  </a:rPr>
+                                </m:ctrlPr>
+                              </m:sSupPr>
+                              <m:e>
+                                <m:r>
+                                  <a:rPr lang="fr-FR" i="1">
+                                    <a:latin typeface="Cambria Math" panose="02040503050406030204" pitchFamily="18" charset="0"/>
+                                  </a:rPr>
+                                  <m:t>𝐾</m:t>
+                                </m:r>
+                              </m:e>
+                              <m:sup>
+                                <m:r>
+                                  <a:rPr lang="fr-FR" i="1">
+                                    <a:latin typeface="Cambria Math" panose="02040503050406030204" pitchFamily="18" charset="0"/>
+                                  </a:rPr>
+                                  <m:t>2</m:t>
+                                </m:r>
+                              </m:sup>
+                            </m:sSup>
+                          </m:den>
+                        </m:f>
+                        <m:r>
+                          <a:rPr lang="fr-FR" b="0" i="1" smtClean="0">
+                            <a:latin typeface="Cambria Math" panose="02040503050406030204" pitchFamily="18" charset="0"/>
+                          </a:rPr>
+                          <m:t>𝑝</m:t>
+                        </m:r>
+                        <m:r>
+                          <a:rPr lang="fr-FR" b="0" i="1" smtClean="0">
+                            <a:latin typeface="Cambria Math" panose="02040503050406030204" pitchFamily="18" charset="0"/>
+                          </a:rPr>
+                          <m:t>+1</m:t>
+                        </m:r>
+                      </m:den>
+                    </m:f>
+                  </m:oMath>
+                </a14:m>
+                <a:r>
+                  <a:rPr lang="fr-FR" dirty="0"/>
+                  <a:t> et </a:t>
+                </a:r>
+                <a14:m>
+                  <m:oMath xmlns:m="http://schemas.openxmlformats.org/officeDocument/2006/math">
+                    <m:sSub>
+                      <m:sSubPr>
+                        <m:ctrlPr>
+                          <a:rPr lang="fr-FR" b="0" i="1" smtClean="0">
+                            <a:latin typeface="Cambria Math" panose="02040503050406030204" pitchFamily="18" charset="0"/>
+                          </a:rPr>
+                        </m:ctrlPr>
+                      </m:sSubPr>
+                      <m:e>
+                        <m:r>
+                          <a:rPr lang="fr-FR" b="0" i="1" smtClean="0">
+                            <a:latin typeface="Cambria Math" panose="02040503050406030204" pitchFamily="18" charset="0"/>
+                          </a:rPr>
+                          <m:t>𝐻</m:t>
+                        </m:r>
+                      </m:e>
+                      <m:sub>
+                        <m:r>
+                          <a:rPr lang="fr-FR" b="0" i="1" smtClean="0">
+                            <a:latin typeface="Cambria Math" panose="02040503050406030204" pitchFamily="18" charset="0"/>
+                          </a:rPr>
+                          <m:t>2</m:t>
+                        </m:r>
+                      </m:sub>
+                    </m:sSub>
+                    <m:d>
+                      <m:dPr>
+                        <m:ctrlPr>
+                          <a:rPr lang="fr-FR" b="0" i="1" smtClean="0">
+                            <a:latin typeface="Cambria Math" panose="02040503050406030204" pitchFamily="18" charset="0"/>
+                          </a:rPr>
+                        </m:ctrlPr>
+                      </m:dPr>
+                      <m:e>
+                        <m:r>
+                          <a:rPr lang="fr-FR" b="0" i="1" smtClean="0">
+                            <a:latin typeface="Cambria Math" panose="02040503050406030204" pitchFamily="18" charset="0"/>
+                          </a:rPr>
+                          <m:t>𝑝</m:t>
+                        </m:r>
+                      </m:e>
+                    </m:d>
+                    <m:r>
+                      <a:rPr lang="fr-FR" b="0" i="1" smtClean="0">
+                        <a:latin typeface="Cambria Math" panose="02040503050406030204" pitchFamily="18" charset="0"/>
+                      </a:rPr>
+                      <m:t>=−</m:t>
+                    </m:r>
+                    <m:f>
+                      <m:fPr>
+                        <m:ctrlPr>
+                          <a:rPr lang="fr-FR" i="1">
+                            <a:latin typeface="Cambria Math" panose="02040503050406030204" pitchFamily="18" charset="0"/>
+                          </a:rPr>
+                        </m:ctrlPr>
+                      </m:fPr>
+                      <m:num>
+                        <m:f>
+                          <m:fPr>
+                            <m:ctrlPr>
+                              <a:rPr lang="fr-FR" i="1">
+                                <a:latin typeface="Cambria Math" panose="02040503050406030204" pitchFamily="18" charset="0"/>
+                              </a:rPr>
+                            </m:ctrlPr>
+                          </m:fPr>
+                          <m:num>
+                            <m:r>
+                              <a:rPr lang="fr-FR" b="0" i="1" smtClean="0">
+                                <a:latin typeface="Cambria Math" panose="02040503050406030204" pitchFamily="18" charset="0"/>
+                              </a:rPr>
+                              <m:t>𝑅</m:t>
+                            </m:r>
+                          </m:num>
+                          <m:den>
+                            <m:r>
+                              <a:rPr lang="fr-FR" i="1">
+                                <a:latin typeface="Cambria Math" panose="02040503050406030204" pitchFamily="18" charset="0"/>
+                              </a:rPr>
+                              <m:t>𝑅𝑓</m:t>
+                            </m:r>
+                            <m:r>
+                              <a:rPr lang="fr-FR" i="1">
+                                <a:latin typeface="Cambria Math" panose="02040503050406030204" pitchFamily="18" charset="0"/>
+                              </a:rPr>
+                              <m:t>+</m:t>
+                            </m:r>
+                            <m:sSup>
+                              <m:sSupPr>
+                                <m:ctrlPr>
+                                  <a:rPr lang="fr-FR" i="1">
+                                    <a:latin typeface="Cambria Math" panose="02040503050406030204" pitchFamily="18" charset="0"/>
+                                  </a:rPr>
+                                </m:ctrlPr>
+                              </m:sSupPr>
+                              <m:e>
+                                <m:r>
+                                  <a:rPr lang="fr-FR" i="1">
+                                    <a:latin typeface="Cambria Math" panose="02040503050406030204" pitchFamily="18" charset="0"/>
+                                  </a:rPr>
+                                  <m:t>𝐾</m:t>
+                                </m:r>
+                              </m:e>
+                              <m:sup>
+                                <m:r>
+                                  <a:rPr lang="fr-FR" i="1">
+                                    <a:latin typeface="Cambria Math" panose="02040503050406030204" pitchFamily="18" charset="0"/>
+                                  </a:rPr>
+                                  <m:t>2</m:t>
+                                </m:r>
+                              </m:sup>
+                            </m:sSup>
+                          </m:den>
+                        </m:f>
+                      </m:num>
+                      <m:den>
+                        <m:f>
+                          <m:fPr>
+                            <m:ctrlPr>
+                              <a:rPr lang="fr-FR" i="1">
+                                <a:latin typeface="Cambria Math" panose="02040503050406030204" pitchFamily="18" charset="0"/>
+                              </a:rPr>
+                            </m:ctrlPr>
+                          </m:fPr>
+                          <m:num>
+                            <m:r>
+                              <a:rPr lang="fr-FR" i="1">
+                                <a:latin typeface="Cambria Math" panose="02040503050406030204" pitchFamily="18" charset="0"/>
+                              </a:rPr>
+                              <m:t>𝐽𝑅</m:t>
+                            </m:r>
+                          </m:num>
+                          <m:den>
+                            <m:r>
+                              <a:rPr lang="fr-FR" i="1">
+                                <a:latin typeface="Cambria Math" panose="02040503050406030204" pitchFamily="18" charset="0"/>
+                              </a:rPr>
+                              <m:t>𝑅𝑓</m:t>
+                            </m:r>
+                            <m:r>
+                              <a:rPr lang="fr-FR" i="1">
+                                <a:latin typeface="Cambria Math" panose="02040503050406030204" pitchFamily="18" charset="0"/>
+                              </a:rPr>
+                              <m:t>+</m:t>
+                            </m:r>
+                            <m:sSup>
+                              <m:sSupPr>
+                                <m:ctrlPr>
+                                  <a:rPr lang="fr-FR" i="1">
+                                    <a:latin typeface="Cambria Math" panose="02040503050406030204" pitchFamily="18" charset="0"/>
+                                  </a:rPr>
+                                </m:ctrlPr>
+                              </m:sSupPr>
+                              <m:e>
+                                <m:r>
+                                  <a:rPr lang="fr-FR" i="1">
+                                    <a:latin typeface="Cambria Math" panose="02040503050406030204" pitchFamily="18" charset="0"/>
+                                  </a:rPr>
+                                  <m:t>𝐾</m:t>
+                                </m:r>
+                              </m:e>
+                              <m:sup>
+                                <m:r>
+                                  <a:rPr lang="fr-FR" i="1">
+                                    <a:latin typeface="Cambria Math" panose="02040503050406030204" pitchFamily="18" charset="0"/>
+                                  </a:rPr>
+                                  <m:t>2</m:t>
+                                </m:r>
+                              </m:sup>
+                            </m:sSup>
+                          </m:den>
+                        </m:f>
+                        <m:r>
+                          <a:rPr lang="fr-FR" i="1">
+                            <a:latin typeface="Cambria Math" panose="02040503050406030204" pitchFamily="18" charset="0"/>
+                          </a:rPr>
+                          <m:t>𝑝</m:t>
+                        </m:r>
+                        <m:r>
+                          <a:rPr lang="fr-FR" i="1">
+                            <a:latin typeface="Cambria Math" panose="02040503050406030204" pitchFamily="18" charset="0"/>
+                          </a:rPr>
+                          <m:t>+1</m:t>
+                        </m:r>
+                      </m:den>
+                    </m:f>
+                  </m:oMath>
+                </a14:m>
+                <a:endParaRPr lang="fr-FR" dirty="0"/>
+              </a:p>
+              <a:p>
+                <a:endParaRPr lang="fr-FR" dirty="0"/>
+              </a:p>
+              <a:p>
+                <a:r>
+                  <a:rPr lang="fr-FR" dirty="0"/>
+                  <a:t>En négligeant </a:t>
+                </a:r>
+                <a14:m>
+                  <m:oMath xmlns:m="http://schemas.openxmlformats.org/officeDocument/2006/math">
+                    <m:sSub>
+                      <m:sSubPr>
+                        <m:ctrlPr>
+                          <a:rPr lang="fr-FR" b="0" i="1" smtClean="0">
+                            <a:latin typeface="Cambria Math" panose="02040503050406030204" pitchFamily="18" charset="0"/>
+                          </a:rPr>
+                        </m:ctrlPr>
+                      </m:sSubPr>
+                      <m:e>
+                        <m:r>
+                          <a:rPr lang="fr-FR" b="0" i="1" smtClean="0">
+                            <a:latin typeface="Cambria Math" panose="02040503050406030204" pitchFamily="18" charset="0"/>
+                          </a:rPr>
+                          <m:t>𝑓</m:t>
+                        </m:r>
+                      </m:e>
+                      <m:sub>
+                        <m:r>
+                          <a:rPr lang="fr-FR" b="0" i="1" smtClean="0">
+                            <a:latin typeface="Cambria Math" panose="02040503050406030204" pitchFamily="18" charset="0"/>
+                          </a:rPr>
+                          <m:t>𝑣</m:t>
+                        </m:r>
+                      </m:sub>
+                    </m:sSub>
+                  </m:oMath>
+                </a14:m>
+                <a:r>
+                  <a:rPr lang="fr-FR" dirty="0"/>
+                  <a:t> :</a:t>
+                </a:r>
+              </a:p>
+              <a:p>
+                <a:pPr lvl="1"/>
+                <a14:m>
+                  <m:oMath xmlns:m="http://schemas.openxmlformats.org/officeDocument/2006/math">
+                    <m:sSub>
+                      <m:sSubPr>
+                        <m:ctrlPr>
+                          <a:rPr lang="fr-FR" i="1">
+                            <a:latin typeface="Cambria Math" panose="02040503050406030204" pitchFamily="18" charset="0"/>
+                          </a:rPr>
+                        </m:ctrlPr>
+                      </m:sSubPr>
+                      <m:e>
+                        <m:r>
+                          <a:rPr lang="fr-FR" i="1">
+                            <a:latin typeface="Cambria Math" panose="02040503050406030204" pitchFamily="18" charset="0"/>
+                          </a:rPr>
+                          <m:t>𝐻</m:t>
+                        </m:r>
+                      </m:e>
+                      <m:sub>
+                        <m:r>
+                          <a:rPr lang="fr-FR" i="1">
+                            <a:latin typeface="Cambria Math" panose="02040503050406030204" pitchFamily="18" charset="0"/>
+                          </a:rPr>
+                          <m:t>1</m:t>
+                        </m:r>
+                        <m:d>
+                          <m:dPr>
+                            <m:ctrlPr>
+                              <a:rPr lang="fr-FR" i="1">
+                                <a:latin typeface="Cambria Math" panose="02040503050406030204" pitchFamily="18" charset="0"/>
+                              </a:rPr>
+                            </m:ctrlPr>
+                          </m:dPr>
+                          <m:e>
+                            <m:r>
+                              <a:rPr lang="fr-FR" i="1">
+                                <a:latin typeface="Cambria Math" panose="02040503050406030204" pitchFamily="18" charset="0"/>
+                              </a:rPr>
+                              <m:t>𝑝</m:t>
+                            </m:r>
+                          </m:e>
+                        </m:d>
+                      </m:sub>
+                    </m:sSub>
+                    <m:r>
+                      <a:rPr lang="fr-FR" i="1">
+                        <a:latin typeface="Cambria Math" panose="02040503050406030204" pitchFamily="18" charset="0"/>
+                      </a:rPr>
+                      <m:t>=</m:t>
+                    </m:r>
+                    <m:f>
+                      <m:fPr>
+                        <m:ctrlPr>
+                          <a:rPr lang="fr-FR" i="1">
+                            <a:latin typeface="Cambria Math" panose="02040503050406030204" pitchFamily="18" charset="0"/>
+                          </a:rPr>
+                        </m:ctrlPr>
+                      </m:fPr>
+                      <m:num>
+                        <m:f>
+                          <m:fPr>
+                            <m:ctrlPr>
+                              <a:rPr lang="fr-FR" i="1">
+                                <a:latin typeface="Cambria Math" panose="02040503050406030204" pitchFamily="18" charset="0"/>
+                              </a:rPr>
+                            </m:ctrlPr>
+                          </m:fPr>
+                          <m:num>
+                            <m:r>
+                              <a:rPr lang="fr-FR" i="1">
+                                <a:latin typeface="Cambria Math" panose="02040503050406030204" pitchFamily="18" charset="0"/>
+                              </a:rPr>
+                              <m:t>𝐾</m:t>
+                            </m:r>
+                          </m:num>
+                          <m:den>
+                            <m:sSup>
+                              <m:sSupPr>
+                                <m:ctrlPr>
+                                  <a:rPr lang="fr-FR" i="1">
+                                    <a:latin typeface="Cambria Math" panose="02040503050406030204" pitchFamily="18" charset="0"/>
+                                  </a:rPr>
+                                </m:ctrlPr>
+                              </m:sSupPr>
+                              <m:e>
+                                <m:r>
+                                  <a:rPr lang="fr-FR" i="1">
+                                    <a:latin typeface="Cambria Math" panose="02040503050406030204" pitchFamily="18" charset="0"/>
+                                  </a:rPr>
+                                  <m:t>𝐾</m:t>
+                                </m:r>
+                              </m:e>
+                              <m:sup>
+                                <m:r>
+                                  <a:rPr lang="fr-FR" i="1">
+                                    <a:latin typeface="Cambria Math" panose="02040503050406030204" pitchFamily="18" charset="0"/>
+                                  </a:rPr>
+                                  <m:t>2</m:t>
+                                </m:r>
+                              </m:sup>
+                            </m:sSup>
+                          </m:den>
+                        </m:f>
+                      </m:num>
+                      <m:den>
+                        <m:f>
+                          <m:fPr>
+                            <m:ctrlPr>
+                              <a:rPr lang="fr-FR" i="1">
+                                <a:latin typeface="Cambria Math" panose="02040503050406030204" pitchFamily="18" charset="0"/>
+                              </a:rPr>
+                            </m:ctrlPr>
+                          </m:fPr>
+                          <m:num>
+                            <m:r>
+                              <a:rPr lang="fr-FR" i="1">
+                                <a:latin typeface="Cambria Math" panose="02040503050406030204" pitchFamily="18" charset="0"/>
+                              </a:rPr>
+                              <m:t>𝐽𝐿</m:t>
+                            </m:r>
+                          </m:num>
+                          <m:den>
+                            <m:sSup>
+                              <m:sSupPr>
+                                <m:ctrlPr>
+                                  <a:rPr lang="fr-FR" i="1">
+                                    <a:latin typeface="Cambria Math" panose="02040503050406030204" pitchFamily="18" charset="0"/>
+                                  </a:rPr>
+                                </m:ctrlPr>
+                              </m:sSupPr>
+                              <m:e>
+                                <m:r>
+                                  <a:rPr lang="fr-FR" i="1">
+                                    <a:latin typeface="Cambria Math" panose="02040503050406030204" pitchFamily="18" charset="0"/>
+                                  </a:rPr>
+                                  <m:t>𝐾</m:t>
+                                </m:r>
+                              </m:e>
+                              <m:sup>
+                                <m:r>
+                                  <a:rPr lang="fr-FR" i="1">
+                                    <a:latin typeface="Cambria Math" panose="02040503050406030204" pitchFamily="18" charset="0"/>
+                                  </a:rPr>
+                                  <m:t>2</m:t>
+                                </m:r>
+                              </m:sup>
+                            </m:sSup>
+                          </m:den>
+                        </m:f>
+                        <m:sSup>
+                          <m:sSupPr>
+                            <m:ctrlPr>
+                              <a:rPr lang="fr-FR" i="1">
+                                <a:latin typeface="Cambria Math" panose="02040503050406030204" pitchFamily="18" charset="0"/>
+                              </a:rPr>
+                            </m:ctrlPr>
+                          </m:sSupPr>
+                          <m:e>
+                            <m:r>
+                              <a:rPr lang="fr-FR" i="1">
+                                <a:latin typeface="Cambria Math" panose="02040503050406030204" pitchFamily="18" charset="0"/>
+                              </a:rPr>
+                              <m:t>𝑝</m:t>
+                            </m:r>
+                          </m:e>
+                          <m:sup>
+                            <m:r>
+                              <a:rPr lang="fr-FR" i="1">
+                                <a:latin typeface="Cambria Math" panose="02040503050406030204" pitchFamily="18" charset="0"/>
+                              </a:rPr>
+                              <m:t>2</m:t>
+                            </m:r>
+                          </m:sup>
+                        </m:sSup>
+                        <m:r>
+                          <a:rPr lang="fr-FR" i="1">
+                            <a:latin typeface="Cambria Math" panose="02040503050406030204" pitchFamily="18" charset="0"/>
+                          </a:rPr>
+                          <m:t>+</m:t>
+                        </m:r>
+                        <m:f>
+                          <m:fPr>
+                            <m:ctrlPr>
+                              <a:rPr lang="fr-FR" i="1">
+                                <a:latin typeface="Cambria Math" panose="02040503050406030204" pitchFamily="18" charset="0"/>
+                              </a:rPr>
+                            </m:ctrlPr>
+                          </m:fPr>
+                          <m:num>
+                            <m:r>
+                              <a:rPr lang="fr-FR" i="1">
+                                <a:latin typeface="Cambria Math" panose="02040503050406030204" pitchFamily="18" charset="0"/>
+                              </a:rPr>
+                              <m:t>𝐽</m:t>
+                            </m:r>
+                            <m:r>
+                              <a:rPr lang="fr-FR" i="1">
+                                <a:latin typeface="Cambria Math" panose="02040503050406030204" pitchFamily="18" charset="0"/>
+                              </a:rPr>
+                              <m:t>𝑅</m:t>
+                            </m:r>
+                          </m:num>
+                          <m:den>
+                            <m:sSup>
+                              <m:sSupPr>
+                                <m:ctrlPr>
+                                  <a:rPr lang="fr-FR" i="1">
+                                    <a:latin typeface="Cambria Math" panose="02040503050406030204" pitchFamily="18" charset="0"/>
+                                  </a:rPr>
+                                </m:ctrlPr>
+                              </m:sSupPr>
+                              <m:e>
+                                <m:r>
+                                  <a:rPr lang="fr-FR" i="1">
+                                    <a:latin typeface="Cambria Math" panose="02040503050406030204" pitchFamily="18" charset="0"/>
+                                  </a:rPr>
+                                  <m:t>𝐾</m:t>
+                                </m:r>
+                              </m:e>
+                              <m:sup>
+                                <m:r>
+                                  <a:rPr lang="fr-FR" i="1">
+                                    <a:latin typeface="Cambria Math" panose="02040503050406030204" pitchFamily="18" charset="0"/>
+                                  </a:rPr>
+                                  <m:t>2</m:t>
+                                </m:r>
+                              </m:sup>
+                            </m:sSup>
+                          </m:den>
+                        </m:f>
+                        <m:r>
+                          <a:rPr lang="fr-FR" i="1">
+                            <a:latin typeface="Cambria Math" panose="02040503050406030204" pitchFamily="18" charset="0"/>
+                          </a:rPr>
+                          <m:t>𝑝</m:t>
+                        </m:r>
+                        <m:r>
+                          <a:rPr lang="fr-FR" i="1">
+                            <a:latin typeface="Cambria Math" panose="02040503050406030204" pitchFamily="18" charset="0"/>
+                          </a:rPr>
+                          <m:t>+1</m:t>
+                        </m:r>
+                      </m:den>
+                    </m:f>
+                  </m:oMath>
+                </a14:m>
+                <a:r>
+                  <a:rPr lang="fr-FR" dirty="0"/>
+                  <a:t> et </a:t>
+                </a:r>
+                <a14:m>
+                  <m:oMath xmlns:m="http://schemas.openxmlformats.org/officeDocument/2006/math">
+                    <m:sSub>
+                      <m:sSubPr>
+                        <m:ctrlPr>
+                          <a:rPr lang="fr-FR" i="1">
+                            <a:latin typeface="Cambria Math" panose="02040503050406030204" pitchFamily="18" charset="0"/>
+                          </a:rPr>
+                        </m:ctrlPr>
+                      </m:sSubPr>
+                      <m:e>
+                        <m:r>
+                          <a:rPr lang="fr-FR" i="1">
+                            <a:latin typeface="Cambria Math" panose="02040503050406030204" pitchFamily="18" charset="0"/>
+                          </a:rPr>
+                          <m:t>𝐻</m:t>
+                        </m:r>
+                      </m:e>
+                      <m:sub>
+                        <m:r>
+                          <a:rPr lang="fr-FR" i="1">
+                            <a:latin typeface="Cambria Math" panose="02040503050406030204" pitchFamily="18" charset="0"/>
+                          </a:rPr>
+                          <m:t>2</m:t>
+                        </m:r>
+                      </m:sub>
+                    </m:sSub>
+                    <m:d>
+                      <m:dPr>
+                        <m:ctrlPr>
+                          <a:rPr lang="fr-FR" i="1">
+                            <a:latin typeface="Cambria Math" panose="02040503050406030204" pitchFamily="18" charset="0"/>
+                          </a:rPr>
+                        </m:ctrlPr>
+                      </m:dPr>
+                      <m:e>
+                        <m:r>
+                          <a:rPr lang="fr-FR" i="1">
+                            <a:latin typeface="Cambria Math" panose="02040503050406030204" pitchFamily="18" charset="0"/>
+                          </a:rPr>
+                          <m:t>𝑝</m:t>
+                        </m:r>
+                      </m:e>
+                    </m:d>
+                    <m:r>
+                      <a:rPr lang="fr-FR" i="1">
+                        <a:latin typeface="Cambria Math" panose="02040503050406030204" pitchFamily="18" charset="0"/>
+                      </a:rPr>
+                      <m:t>=−</m:t>
+                    </m:r>
+                    <m:f>
+                      <m:fPr>
+                        <m:ctrlPr>
+                          <a:rPr lang="fr-FR" i="1">
+                            <a:latin typeface="Cambria Math" panose="02040503050406030204" pitchFamily="18" charset="0"/>
+                          </a:rPr>
+                        </m:ctrlPr>
+                      </m:fPr>
+                      <m:num>
+                        <m:f>
+                          <m:fPr>
+                            <m:ctrlPr>
+                              <a:rPr lang="fr-FR" i="1">
+                                <a:latin typeface="Cambria Math" panose="02040503050406030204" pitchFamily="18" charset="0"/>
+                              </a:rPr>
+                            </m:ctrlPr>
+                          </m:fPr>
+                          <m:num>
+                            <m:r>
+                              <a:rPr lang="fr-FR" i="1">
+                                <a:latin typeface="Cambria Math" panose="02040503050406030204" pitchFamily="18" charset="0"/>
+                              </a:rPr>
+                              <m:t>𝑅</m:t>
+                            </m:r>
+                            <m:r>
+                              <a:rPr lang="fr-FR" i="1">
+                                <a:latin typeface="Cambria Math" panose="02040503050406030204" pitchFamily="18" charset="0"/>
+                              </a:rPr>
+                              <m:t>+</m:t>
+                            </m:r>
+                            <m:r>
+                              <a:rPr lang="fr-FR" i="1">
+                                <a:latin typeface="Cambria Math" panose="02040503050406030204" pitchFamily="18" charset="0"/>
+                              </a:rPr>
+                              <m:t>𝐿𝑝</m:t>
+                            </m:r>
+                          </m:num>
+                          <m:den>
+                            <m:sSup>
+                              <m:sSupPr>
+                                <m:ctrlPr>
+                                  <a:rPr lang="fr-FR" i="1">
+                                    <a:latin typeface="Cambria Math" panose="02040503050406030204" pitchFamily="18" charset="0"/>
+                                  </a:rPr>
+                                </m:ctrlPr>
+                              </m:sSupPr>
+                              <m:e>
+                                <m:r>
+                                  <a:rPr lang="fr-FR" i="1">
+                                    <a:latin typeface="Cambria Math" panose="02040503050406030204" pitchFamily="18" charset="0"/>
+                                  </a:rPr>
+                                  <m:t>𝐾</m:t>
+                                </m:r>
+                              </m:e>
+                              <m:sup>
+                                <m:r>
+                                  <a:rPr lang="fr-FR" i="1">
+                                    <a:latin typeface="Cambria Math" panose="02040503050406030204" pitchFamily="18" charset="0"/>
+                                  </a:rPr>
+                                  <m:t>2</m:t>
+                                </m:r>
+                              </m:sup>
+                            </m:sSup>
+                          </m:den>
+                        </m:f>
+                      </m:num>
+                      <m:den>
+                        <m:f>
+                          <m:fPr>
+                            <m:ctrlPr>
+                              <a:rPr lang="fr-FR" i="1">
+                                <a:latin typeface="Cambria Math" panose="02040503050406030204" pitchFamily="18" charset="0"/>
+                              </a:rPr>
+                            </m:ctrlPr>
+                          </m:fPr>
+                          <m:num>
+                            <m:r>
+                              <a:rPr lang="fr-FR" i="1">
+                                <a:latin typeface="Cambria Math" panose="02040503050406030204" pitchFamily="18" charset="0"/>
+                              </a:rPr>
+                              <m:t>𝐽𝐿</m:t>
+                            </m:r>
+                          </m:num>
+                          <m:den>
+                            <m:sSup>
+                              <m:sSupPr>
+                                <m:ctrlPr>
+                                  <a:rPr lang="fr-FR" i="1">
+                                    <a:latin typeface="Cambria Math" panose="02040503050406030204" pitchFamily="18" charset="0"/>
+                                  </a:rPr>
+                                </m:ctrlPr>
+                              </m:sSupPr>
+                              <m:e>
+                                <m:r>
+                                  <a:rPr lang="fr-FR" i="1">
+                                    <a:latin typeface="Cambria Math" panose="02040503050406030204" pitchFamily="18" charset="0"/>
+                                  </a:rPr>
+                                  <m:t>𝐾</m:t>
+                                </m:r>
+                              </m:e>
+                              <m:sup>
+                                <m:r>
+                                  <a:rPr lang="fr-FR" i="1">
+                                    <a:latin typeface="Cambria Math" panose="02040503050406030204" pitchFamily="18" charset="0"/>
+                                  </a:rPr>
+                                  <m:t>2</m:t>
+                                </m:r>
+                              </m:sup>
+                            </m:sSup>
+                          </m:den>
+                        </m:f>
+                        <m:sSup>
+                          <m:sSupPr>
+                            <m:ctrlPr>
+                              <a:rPr lang="fr-FR" i="1">
+                                <a:latin typeface="Cambria Math" panose="02040503050406030204" pitchFamily="18" charset="0"/>
+                              </a:rPr>
+                            </m:ctrlPr>
+                          </m:sSupPr>
+                          <m:e>
+                            <m:r>
+                              <a:rPr lang="fr-FR" i="1">
+                                <a:latin typeface="Cambria Math" panose="02040503050406030204" pitchFamily="18" charset="0"/>
+                              </a:rPr>
+                              <m:t>𝑝</m:t>
+                            </m:r>
+                          </m:e>
+                          <m:sup>
+                            <m:r>
+                              <a:rPr lang="fr-FR" i="1">
+                                <a:latin typeface="Cambria Math" panose="02040503050406030204" pitchFamily="18" charset="0"/>
+                              </a:rPr>
+                              <m:t>2</m:t>
+                            </m:r>
+                          </m:sup>
+                        </m:sSup>
+                        <m:r>
+                          <a:rPr lang="fr-FR" i="1">
+                            <a:latin typeface="Cambria Math" panose="02040503050406030204" pitchFamily="18" charset="0"/>
+                          </a:rPr>
+                          <m:t>+</m:t>
+                        </m:r>
+                        <m:f>
+                          <m:fPr>
+                            <m:ctrlPr>
+                              <a:rPr lang="fr-FR" i="1">
+                                <a:latin typeface="Cambria Math" panose="02040503050406030204" pitchFamily="18" charset="0"/>
+                              </a:rPr>
+                            </m:ctrlPr>
+                          </m:fPr>
+                          <m:num>
+                            <m:r>
+                              <a:rPr lang="fr-FR" i="1">
+                                <a:latin typeface="Cambria Math" panose="02040503050406030204" pitchFamily="18" charset="0"/>
+                              </a:rPr>
+                              <m:t>𝐽𝑅</m:t>
+                            </m:r>
+                          </m:num>
+                          <m:den>
+                            <m:sSup>
+                              <m:sSupPr>
+                                <m:ctrlPr>
+                                  <a:rPr lang="fr-FR" i="1">
+                                    <a:latin typeface="Cambria Math" panose="02040503050406030204" pitchFamily="18" charset="0"/>
+                                  </a:rPr>
+                                </m:ctrlPr>
+                              </m:sSupPr>
+                              <m:e>
+                                <m:r>
+                                  <a:rPr lang="fr-FR" i="1">
+                                    <a:latin typeface="Cambria Math" panose="02040503050406030204" pitchFamily="18" charset="0"/>
+                                  </a:rPr>
+                                  <m:t>𝐾</m:t>
+                                </m:r>
+                              </m:e>
+                              <m:sup>
+                                <m:r>
+                                  <a:rPr lang="fr-FR" i="1">
+                                    <a:latin typeface="Cambria Math" panose="02040503050406030204" pitchFamily="18" charset="0"/>
+                                  </a:rPr>
+                                  <m:t>2</m:t>
+                                </m:r>
+                              </m:sup>
+                            </m:sSup>
+                          </m:den>
+                        </m:f>
+                        <m:r>
+                          <a:rPr lang="fr-FR" i="1">
+                            <a:latin typeface="Cambria Math" panose="02040503050406030204" pitchFamily="18" charset="0"/>
+                          </a:rPr>
+                          <m:t>𝑝</m:t>
+                        </m:r>
+                        <m:r>
+                          <a:rPr lang="fr-FR" i="1">
+                            <a:latin typeface="Cambria Math" panose="02040503050406030204" pitchFamily="18" charset="0"/>
+                          </a:rPr>
+                          <m:t>+1</m:t>
+                        </m:r>
+                      </m:den>
+                    </m:f>
+                  </m:oMath>
+                </a14:m>
+                <a:endParaRPr lang="fr-FR" dirty="0"/>
+              </a:p>
+            </p:txBody>
+          </p:sp>
+        </mc:Choice>
+        <mc:Fallback>
+          <p:sp>
+            <p:nvSpPr>
+              <p:cNvPr id="3" name="Espace réservé du contenu 2">
+                <a:extLst>
+                  <a:ext uri="{FF2B5EF4-FFF2-40B4-BE49-F238E27FC236}">
+                    <a16:creationId xmlns:a16="http://schemas.microsoft.com/office/drawing/2014/main" id="{8021BF26-995C-FC8E-33FA-381DB9E1A32F}"/>
+                  </a:ext>
+                </a:extLst>
+              </p:cNvPr>
+              <p:cNvSpPr>
+                <a:spLocks noGrp="1" noRot="1" noChangeAspect="1" noMove="1" noResize="1" noEditPoints="1" noAdjustHandles="1" noChangeArrowheads="1" noChangeShapeType="1" noTextEdit="1"/>
+              </p:cNvSpPr>
+              <p:nvPr>
+                <p:ph idx="1"/>
+              </p:nvPr>
+            </p:nvSpPr>
+            <p:spPr>
+              <a:blipFill>
+                <a:blip r:embed="rId2"/>
+                <a:stretch>
+                  <a:fillRect l="-1223" t="-2900"/>
+                </a:stretch>
+              </a:blipFill>
+            </p:spPr>
+            <p:txBody>
+              <a:bodyPr/>
+              <a:lstStyle/>
+              <a:p>
+                <a:r>
+                  <a:rPr lang="fr-FR">
+                    <a:noFill/>
+                  </a:rPr>
+                  <a:t> </a:t>
+                </a:r>
+              </a:p>
+            </p:txBody>
+          </p:sp>
+        </mc:Fallback>
+      </mc:AlternateContent>
+    </p:spTree>
+    <p:extLst>
+      <p:ext uri="{BB962C8B-B14F-4D97-AF65-F5344CB8AC3E}">
+        <p14:creationId xmlns:p14="http://schemas.microsoft.com/office/powerpoint/2010/main" val="3755468872"/>
+      </p:ext>
+    </p:extLst>
+  </p:cSld>
+  <p:clrMapOvr>
+    <a:masterClrMapping/>
+  </p:clrMapOvr>
+</p:sld>
+</file>
+
+<file path=ppt/slides/slide14.xml><?xml version="1.0" encoding="utf-8"?>
+<p:sld xmlns:a="http://schemas.openxmlformats.org/drawingml/2006/main" xmlns:r="http://schemas.openxmlformats.org/officeDocument/2006/relationships" xmlns:p="http://schemas.openxmlformats.org/presentationml/2006/main">
+  <p:cSld>
+    <p:spTree>
+      <p:nvGrpSpPr>
+        <p:cNvPr id="1" name=""/>
+        <p:cNvGrpSpPr/>
+        <p:nvPr/>
+      </p:nvGrpSpPr>
+      <p:grpSpPr>
+        <a:xfrm>
+          <a:off x="0" y="0"/>
+          <a:ext cx="0" cy="0"/>
+          <a:chOff x="0" y="0"/>
+          <a:chExt cx="0" cy="0"/>
+        </a:xfrm>
+      </p:grpSpPr>
+      <p:sp>
+        <p:nvSpPr>
+          <p:cNvPr id="2" name="Titre 1">
+            <a:extLst>
+              <a:ext uri="{FF2B5EF4-FFF2-40B4-BE49-F238E27FC236}">
+                <a16:creationId xmlns:a16="http://schemas.microsoft.com/office/drawing/2014/main" id="{0CDFEB72-2BF6-B3A2-A6C0-7949196299D9}"/>
+              </a:ext>
+            </a:extLst>
+          </p:cNvPr>
+          <p:cNvSpPr>
+            <a:spLocks noGrp="1"/>
+          </p:cNvSpPr>
+          <p:nvPr>
+            <p:ph type="title"/>
+          </p:nvPr>
+        </p:nvSpPr>
+        <p:spPr/>
+        <p:txBody>
+          <a:bodyPr/>
+          <a:lstStyle/>
+          <a:p>
+            <a:endParaRPr lang="fr-FR"/>
+          </a:p>
+        </p:txBody>
+      </p:sp>
+      <p:sp>
+        <p:nvSpPr>
+          <p:cNvPr id="3" name="Espace réservé du texte 2">
+            <a:extLst>
+              <a:ext uri="{FF2B5EF4-FFF2-40B4-BE49-F238E27FC236}">
+                <a16:creationId xmlns:a16="http://schemas.microsoft.com/office/drawing/2014/main" id="{4BCEFE47-1235-D6F3-4E19-CCF7C9D360EC}"/>
+              </a:ext>
+            </a:extLst>
+          </p:cNvPr>
+          <p:cNvSpPr>
+            <a:spLocks noGrp="1"/>
+          </p:cNvSpPr>
+          <p:nvPr>
+            <p:ph type="body" idx="1"/>
+          </p:nvPr>
+        </p:nvSpPr>
+        <p:spPr/>
+        <p:txBody>
+          <a:bodyPr/>
+          <a:lstStyle/>
+          <a:p>
+            <a:endParaRPr lang="fr-FR"/>
+          </a:p>
+        </p:txBody>
+      </p:sp>
+    </p:spTree>
+    <p:extLst>
+      <p:ext uri="{BB962C8B-B14F-4D97-AF65-F5344CB8AC3E}">
+        <p14:creationId xmlns:p14="http://schemas.microsoft.com/office/powerpoint/2010/main" val="3763185326"/>
       </p:ext>
     </p:extLst>
   </p:cSld>
@@ -14339,8 +16713,8 @@
           </a:p>
         </p:txBody>
       </p:sp>
-      <mc:AlternateContent xmlns:mc="http://schemas.openxmlformats.org/markup-compatibility/2006">
-        <mc:Choice xmlns:a14="http://schemas.microsoft.com/office/drawing/2010/main" Requires="a14">
+      <mc:AlternateContent xmlns:mc="http://schemas.openxmlformats.org/markup-compatibility/2006" xmlns:a14="http://schemas.microsoft.com/office/drawing/2010/main">
+        <mc:Choice Requires="a14">
           <p:sp>
             <p:nvSpPr>
               <p:cNvPr id="3" name="Espace réservé du contenu 2">
@@ -14465,7 +16839,7 @@
             </p:txBody>
           </p:sp>
         </mc:Choice>
-        <mc:Fallback>
+        <mc:Fallback xmlns="">
           <p:sp>
             <p:nvSpPr>
               <p:cNvPr id="3" name="Espace réservé du contenu 2">

--- a/12_MCC/12_MCC_Corrige.pptx
+++ b/12_MCC/12_MCC_Corrige.pptx
@@ -4443,8 +4443,8 @@
           </a:p>
         </p:txBody>
       </p:sp>
-      <mc:AlternateContent xmlns:mc="http://schemas.openxmlformats.org/markup-compatibility/2006">
-        <mc:Choice xmlns:a14="http://schemas.microsoft.com/office/drawing/2010/main" Requires="a14">
+      <mc:AlternateContent xmlns:mc="http://schemas.openxmlformats.org/markup-compatibility/2006" xmlns:a14="http://schemas.microsoft.com/office/drawing/2010/main">
+        <mc:Choice Requires="a14">
           <p:sp>
             <p:nvSpPr>
               <p:cNvPr id="3" name="Espace réservé du contenu 2">
@@ -5179,13 +5179,7 @@
                               <a:rPr lang="fr-FR" i="1">
                                 <a:latin typeface="Cambria Math" panose="02040503050406030204" pitchFamily="18" charset="0"/>
                               </a:rPr>
-                              <m:t>𝐽</m:t>
-                            </m:r>
-                            <m:r>
-                              <a:rPr lang="fr-FR" i="1">
-                                <a:latin typeface="Cambria Math" panose="02040503050406030204" pitchFamily="18" charset="0"/>
-                              </a:rPr>
-                              <m:t>𝑅</m:t>
+                              <m:t>𝐽𝑅</m:t>
                             </m:r>
                             <m:r>
                               <a:rPr lang="fr-FR" i="1">
@@ -5913,13 +5907,7 @@
                               <a:rPr lang="fr-FR" i="1">
                                 <a:latin typeface="Cambria Math" panose="02040503050406030204" pitchFamily="18" charset="0"/>
                               </a:rPr>
-                              <m:t>𝐽</m:t>
-                            </m:r>
-                            <m:r>
-                              <a:rPr lang="fr-FR" i="1">
-                                <a:latin typeface="Cambria Math" panose="02040503050406030204" pitchFamily="18" charset="0"/>
-                              </a:rPr>
-                              <m:t>𝑅</m:t>
+                              <m:t>𝐽𝑅</m:t>
                             </m:r>
                           </m:num>
                           <m:den>
@@ -6227,7 +6215,7 @@
             </p:txBody>
           </p:sp>
         </mc:Choice>
-        <mc:Fallback>
+        <mc:Fallback xmlns="">
           <p:sp>
             <p:nvSpPr>
               <p:cNvPr id="3" name="Espace réservé du contenu 2">
@@ -17091,7 +17079,7 @@
             </a:r>
             <a:r>
               <a:rPr lang="fr-FR" dirty="0"/>
-              <a:t> n’ont aucune influence sur la hauteur du pic.</a:t>
+              <a:t> n’ont (apparemment) pas influence sur la hauteur du pic.</a:t>
             </a:r>
           </a:p>
           <a:p>
@@ -17195,6 +17183,351 @@
           </a:prstGeom>
         </p:spPr>
       </p:pic>
+      <p:grpSp>
+        <p:nvGrpSpPr>
+          <p:cNvPr id="6" name="Groupe 5">
+            <a:extLst>
+              <a:ext uri="{FF2B5EF4-FFF2-40B4-BE49-F238E27FC236}">
+                <a16:creationId xmlns:a16="http://schemas.microsoft.com/office/drawing/2014/main" id="{D7418165-4A26-A729-9814-66E7ECE29FF3}"/>
+              </a:ext>
+            </a:extLst>
+          </p:cNvPr>
+          <p:cNvGrpSpPr/>
+          <p:nvPr/>
+        </p:nvGrpSpPr>
+        <p:grpSpPr>
+          <a:xfrm>
+            <a:off x="3060700" y="3881312"/>
+            <a:ext cx="2350668" cy="2160563"/>
+            <a:chOff x="154004" y="2242685"/>
+            <a:chExt cx="1080000" cy="3600000"/>
+          </a:xfrm>
+        </p:grpSpPr>
+        <p:sp>
+          <p:nvSpPr>
+            <p:cNvPr id="4" name="Rectangle 3">
+              <a:extLst>
+                <a:ext uri="{FF2B5EF4-FFF2-40B4-BE49-F238E27FC236}">
+                  <a16:creationId xmlns:a16="http://schemas.microsoft.com/office/drawing/2014/main" id="{6CADA135-105C-2C2C-1E64-C25A8D2943AE}"/>
+                </a:ext>
+              </a:extLst>
+            </p:cNvPr>
+            <p:cNvSpPr/>
+            <p:nvPr/>
+          </p:nvSpPr>
+          <p:spPr>
+            <a:xfrm>
+              <a:off x="154004" y="2242685"/>
+              <a:ext cx="1080000" cy="3600000"/>
+            </a:xfrm>
+            <a:prstGeom prst="rect">
+              <a:avLst/>
+            </a:prstGeom>
+            <a:noFill/>
+          </p:spPr>
+          <p:style>
+            <a:lnRef idx="2">
+              <a:schemeClr val="accent1">
+                <a:shade val="15000"/>
+              </a:schemeClr>
+            </a:lnRef>
+            <a:fillRef idx="1">
+              <a:schemeClr val="accent1"/>
+            </a:fillRef>
+            <a:effectRef idx="0">
+              <a:schemeClr val="accent1"/>
+            </a:effectRef>
+            <a:fontRef idx="minor">
+              <a:schemeClr val="lt1"/>
+            </a:fontRef>
+          </p:style>
+          <p:txBody>
+            <a:bodyPr rtlCol="0" anchor="ctr"/>
+            <a:lstStyle/>
+            <a:p>
+              <a:pPr algn="ctr"/>
+              <a:endParaRPr lang="fr-FR"/>
+            </a:p>
+          </p:txBody>
+        </p:sp>
+        <p:sp>
+          <p:nvSpPr>
+            <p:cNvPr id="7" name="Rectangle 6">
+              <a:extLst>
+                <a:ext uri="{FF2B5EF4-FFF2-40B4-BE49-F238E27FC236}">
+                  <a16:creationId xmlns:a16="http://schemas.microsoft.com/office/drawing/2014/main" id="{37881FB5-D513-2E3E-C2E0-4E1E51260D37}"/>
+                </a:ext>
+              </a:extLst>
+            </p:cNvPr>
+            <p:cNvSpPr/>
+            <p:nvPr/>
+          </p:nvSpPr>
+          <p:spPr>
+            <a:xfrm>
+              <a:off x="154004" y="2422685"/>
+              <a:ext cx="1080000" cy="3420000"/>
+            </a:xfrm>
+            <a:prstGeom prst="rect">
+              <a:avLst/>
+            </a:prstGeom>
+            <a:noFill/>
+          </p:spPr>
+          <p:style>
+            <a:lnRef idx="2">
+              <a:schemeClr val="accent1">
+                <a:shade val="15000"/>
+              </a:schemeClr>
+            </a:lnRef>
+            <a:fillRef idx="1">
+              <a:schemeClr val="accent1"/>
+            </a:fillRef>
+            <a:effectRef idx="0">
+              <a:schemeClr val="accent1"/>
+            </a:effectRef>
+            <a:fontRef idx="minor">
+              <a:schemeClr val="lt1"/>
+            </a:fontRef>
+          </p:style>
+          <p:txBody>
+            <a:bodyPr rtlCol="0" anchor="ctr"/>
+            <a:lstStyle/>
+            <a:p>
+              <a:pPr algn="ctr"/>
+              <a:endParaRPr lang="fr-FR"/>
+            </a:p>
+          </p:txBody>
+        </p:sp>
+      </p:grpSp>
+      <p:grpSp>
+        <p:nvGrpSpPr>
+          <p:cNvPr id="10" name="Groupe 9">
+            <a:extLst>
+              <a:ext uri="{FF2B5EF4-FFF2-40B4-BE49-F238E27FC236}">
+                <a16:creationId xmlns:a16="http://schemas.microsoft.com/office/drawing/2014/main" id="{D2B10BFE-3ADD-8E58-F56F-93BC4F5AF75F}"/>
+              </a:ext>
+            </a:extLst>
+          </p:cNvPr>
+          <p:cNvGrpSpPr/>
+          <p:nvPr/>
+        </p:nvGrpSpPr>
+        <p:grpSpPr>
+          <a:xfrm>
+            <a:off x="3101975" y="4744721"/>
+            <a:ext cx="1851024" cy="1297154"/>
+            <a:chOff x="154004" y="2242685"/>
+            <a:chExt cx="1080000" cy="3600000"/>
+          </a:xfrm>
+        </p:grpSpPr>
+        <p:sp>
+          <p:nvSpPr>
+            <p:cNvPr id="11" name="Rectangle 10">
+              <a:extLst>
+                <a:ext uri="{FF2B5EF4-FFF2-40B4-BE49-F238E27FC236}">
+                  <a16:creationId xmlns:a16="http://schemas.microsoft.com/office/drawing/2014/main" id="{9B0EBFAC-1418-853D-8084-2984367F2742}"/>
+                </a:ext>
+              </a:extLst>
+            </p:cNvPr>
+            <p:cNvSpPr/>
+            <p:nvPr/>
+          </p:nvSpPr>
+          <p:spPr>
+            <a:xfrm>
+              <a:off x="154004" y="2242685"/>
+              <a:ext cx="1080000" cy="3600000"/>
+            </a:xfrm>
+            <a:prstGeom prst="rect">
+              <a:avLst/>
+            </a:prstGeom>
+            <a:noFill/>
+          </p:spPr>
+          <p:style>
+            <a:lnRef idx="2">
+              <a:schemeClr val="accent1">
+                <a:shade val="15000"/>
+              </a:schemeClr>
+            </a:lnRef>
+            <a:fillRef idx="1">
+              <a:schemeClr val="accent1"/>
+            </a:fillRef>
+            <a:effectRef idx="0">
+              <a:schemeClr val="accent1"/>
+            </a:effectRef>
+            <a:fontRef idx="minor">
+              <a:schemeClr val="lt1"/>
+            </a:fontRef>
+          </p:style>
+          <p:txBody>
+            <a:bodyPr rtlCol="0" anchor="ctr"/>
+            <a:lstStyle/>
+            <a:p>
+              <a:pPr algn="ctr"/>
+              <a:endParaRPr lang="fr-FR"/>
+            </a:p>
+          </p:txBody>
+        </p:sp>
+        <p:sp>
+          <p:nvSpPr>
+            <p:cNvPr id="12" name="Rectangle 11">
+              <a:extLst>
+                <a:ext uri="{FF2B5EF4-FFF2-40B4-BE49-F238E27FC236}">
+                  <a16:creationId xmlns:a16="http://schemas.microsoft.com/office/drawing/2014/main" id="{772AE915-FAF9-A3D3-BC38-55A8F06B73D8}"/>
+                </a:ext>
+              </a:extLst>
+            </p:cNvPr>
+            <p:cNvSpPr/>
+            <p:nvPr/>
+          </p:nvSpPr>
+          <p:spPr>
+            <a:xfrm>
+              <a:off x="154004" y="2422685"/>
+              <a:ext cx="1080000" cy="3420000"/>
+            </a:xfrm>
+            <a:prstGeom prst="rect">
+              <a:avLst/>
+            </a:prstGeom>
+            <a:noFill/>
+          </p:spPr>
+          <p:style>
+            <a:lnRef idx="2">
+              <a:schemeClr val="accent1">
+                <a:shade val="15000"/>
+              </a:schemeClr>
+            </a:lnRef>
+            <a:fillRef idx="1">
+              <a:schemeClr val="accent1"/>
+            </a:fillRef>
+            <a:effectRef idx="0">
+              <a:schemeClr val="accent1"/>
+            </a:effectRef>
+            <a:fontRef idx="minor">
+              <a:schemeClr val="lt1"/>
+            </a:fontRef>
+          </p:style>
+          <p:txBody>
+            <a:bodyPr rtlCol="0" anchor="ctr"/>
+            <a:lstStyle/>
+            <a:p>
+              <a:pPr algn="ctr"/>
+              <a:endParaRPr lang="fr-FR"/>
+            </a:p>
+          </p:txBody>
+        </p:sp>
+      </p:grpSp>
+      <p:grpSp>
+        <p:nvGrpSpPr>
+          <p:cNvPr id="13" name="Groupe 12">
+            <a:extLst>
+              <a:ext uri="{FF2B5EF4-FFF2-40B4-BE49-F238E27FC236}">
+                <a16:creationId xmlns:a16="http://schemas.microsoft.com/office/drawing/2014/main" id="{CBE55AC8-248D-1BEB-CA2C-0658C826BEAC}"/>
+              </a:ext>
+            </a:extLst>
+          </p:cNvPr>
+          <p:cNvGrpSpPr/>
+          <p:nvPr/>
+        </p:nvGrpSpPr>
+        <p:grpSpPr>
+          <a:xfrm>
+            <a:off x="3101975" y="4168775"/>
+            <a:ext cx="2309393" cy="1873100"/>
+            <a:chOff x="154004" y="2242685"/>
+            <a:chExt cx="1080000" cy="3600000"/>
+          </a:xfrm>
+        </p:grpSpPr>
+        <p:sp>
+          <p:nvSpPr>
+            <p:cNvPr id="14" name="Rectangle 13">
+              <a:extLst>
+                <a:ext uri="{FF2B5EF4-FFF2-40B4-BE49-F238E27FC236}">
+                  <a16:creationId xmlns:a16="http://schemas.microsoft.com/office/drawing/2014/main" id="{BBA617B9-46C5-1E14-F34D-34D2F418E087}"/>
+                </a:ext>
+              </a:extLst>
+            </p:cNvPr>
+            <p:cNvSpPr/>
+            <p:nvPr/>
+          </p:nvSpPr>
+          <p:spPr>
+            <a:xfrm>
+              <a:off x="154004" y="2242685"/>
+              <a:ext cx="1080000" cy="3600000"/>
+            </a:xfrm>
+            <a:prstGeom prst="rect">
+              <a:avLst/>
+            </a:prstGeom>
+            <a:noFill/>
+          </p:spPr>
+          <p:style>
+            <a:lnRef idx="2">
+              <a:schemeClr val="accent1">
+                <a:shade val="15000"/>
+              </a:schemeClr>
+            </a:lnRef>
+            <a:fillRef idx="1">
+              <a:schemeClr val="accent1"/>
+            </a:fillRef>
+            <a:effectRef idx="0">
+              <a:schemeClr val="accent1"/>
+            </a:effectRef>
+            <a:fontRef idx="minor">
+              <a:schemeClr val="lt1"/>
+            </a:fontRef>
+          </p:style>
+          <p:txBody>
+            <a:bodyPr rtlCol="0" anchor="ctr"/>
+            <a:lstStyle/>
+            <a:p>
+              <a:pPr algn="ctr"/>
+              <a:endParaRPr lang="fr-FR"/>
+            </a:p>
+          </p:txBody>
+        </p:sp>
+        <p:sp>
+          <p:nvSpPr>
+            <p:cNvPr id="15" name="Rectangle 14">
+              <a:extLst>
+                <a:ext uri="{FF2B5EF4-FFF2-40B4-BE49-F238E27FC236}">
+                  <a16:creationId xmlns:a16="http://schemas.microsoft.com/office/drawing/2014/main" id="{BDB35A05-D705-1C62-15F6-F53DBCE01E00}"/>
+                </a:ext>
+              </a:extLst>
+            </p:cNvPr>
+            <p:cNvSpPr/>
+            <p:nvPr/>
+          </p:nvSpPr>
+          <p:spPr>
+            <a:xfrm>
+              <a:off x="154004" y="2422685"/>
+              <a:ext cx="1080000" cy="3420000"/>
+            </a:xfrm>
+            <a:prstGeom prst="rect">
+              <a:avLst/>
+            </a:prstGeom>
+            <a:noFill/>
+          </p:spPr>
+          <p:style>
+            <a:lnRef idx="2">
+              <a:schemeClr val="accent1">
+                <a:shade val="15000"/>
+              </a:schemeClr>
+            </a:lnRef>
+            <a:fillRef idx="1">
+              <a:schemeClr val="accent1"/>
+            </a:fillRef>
+            <a:effectRef idx="0">
+              <a:schemeClr val="accent1"/>
+            </a:effectRef>
+            <a:fontRef idx="minor">
+              <a:schemeClr val="lt1"/>
+            </a:fontRef>
+          </p:style>
+          <p:txBody>
+            <a:bodyPr rtlCol="0" anchor="ctr"/>
+            <a:lstStyle/>
+            <a:p>
+              <a:pPr algn="ctr"/>
+              <a:endParaRPr lang="fr-FR"/>
+            </a:p>
+          </p:txBody>
+        </p:sp>
+      </p:grpSp>
     </p:spTree>
     <p:extLst>
       <p:ext uri="{BB962C8B-B14F-4D97-AF65-F5344CB8AC3E}">

--- a/12_MCC/12_MCC_Corrige.pptx
+++ b/12_MCC/12_MCC_Corrige.pptx
@@ -365,7 +365,7 @@
           <a:p>
             <a:fld id="{D7F135F6-2A09-4FDD-9ECA-096E230CA0FA}" type="datetimeFigureOut">
               <a:rPr lang="fr-FR" smtClean="0"/>
-              <a:t>15/07/2024</a:t>
+              <a:t>16/09/2024</a:t>
             </a:fld>
             <a:endParaRPr lang="fr-FR"/>
           </a:p>
@@ -570,7 +570,7 @@
           <a:p>
             <a:fld id="{D7F135F6-2A09-4FDD-9ECA-096E230CA0FA}" type="datetimeFigureOut">
               <a:rPr lang="fr-FR" smtClean="0"/>
-              <a:t>15/07/2024</a:t>
+              <a:t>16/09/2024</a:t>
             </a:fld>
             <a:endParaRPr lang="fr-FR"/>
           </a:p>
@@ -826,7 +826,7 @@
           <a:p>
             <a:fld id="{D7F135F6-2A09-4FDD-9ECA-096E230CA0FA}" type="datetimeFigureOut">
               <a:rPr lang="fr-FR" smtClean="0"/>
-              <a:t>15/07/2024</a:t>
+              <a:t>16/09/2024</a:t>
             </a:fld>
             <a:endParaRPr lang="fr-FR"/>
           </a:p>
@@ -1032,7 +1032,7 @@
           <a:p>
             <a:fld id="{D7F135F6-2A09-4FDD-9ECA-096E230CA0FA}" type="datetimeFigureOut">
               <a:rPr lang="fr-FR" smtClean="0"/>
-              <a:t>15/07/2024</a:t>
+              <a:t>16/09/2024</a:t>
             </a:fld>
             <a:endParaRPr lang="fr-FR"/>
           </a:p>
@@ -1394,7 +1394,7 @@
           <a:p>
             <a:fld id="{D7F135F6-2A09-4FDD-9ECA-096E230CA0FA}" type="datetimeFigureOut">
               <a:rPr lang="fr-FR" smtClean="0"/>
-              <a:t>15/07/2024</a:t>
+              <a:t>16/09/2024</a:t>
             </a:fld>
             <a:endParaRPr lang="fr-FR"/>
           </a:p>
@@ -1669,7 +1669,7 @@
           <a:p>
             <a:fld id="{D7F135F6-2A09-4FDD-9ECA-096E230CA0FA}" type="datetimeFigureOut">
               <a:rPr lang="fr-FR" smtClean="0"/>
-              <a:t>15/07/2024</a:t>
+              <a:t>16/09/2024</a:t>
             </a:fld>
             <a:endParaRPr lang="fr-FR"/>
           </a:p>
@@ -2048,7 +2048,7 @@
           <a:p>
             <a:fld id="{D7F135F6-2A09-4FDD-9ECA-096E230CA0FA}" type="datetimeFigureOut">
               <a:rPr lang="fr-FR" smtClean="0"/>
-              <a:t>15/07/2024</a:t>
+              <a:t>16/09/2024</a:t>
             </a:fld>
             <a:endParaRPr lang="fr-FR"/>
           </a:p>
@@ -2166,7 +2166,7 @@
           <a:p>
             <a:fld id="{D7F135F6-2A09-4FDD-9ECA-096E230CA0FA}" type="datetimeFigureOut">
               <a:rPr lang="fr-FR" smtClean="0"/>
-              <a:t>15/07/2024</a:t>
+              <a:t>16/09/2024</a:t>
             </a:fld>
             <a:endParaRPr lang="fr-FR"/>
           </a:p>
@@ -2340,7 +2340,7 @@
           <a:p>
             <a:fld id="{D7F135F6-2A09-4FDD-9ECA-096E230CA0FA}" type="datetimeFigureOut">
               <a:rPr lang="fr-FR" smtClean="0"/>
-              <a:t>15/07/2024</a:t>
+              <a:t>16/09/2024</a:t>
             </a:fld>
             <a:endParaRPr lang="fr-FR"/>
           </a:p>
@@ -2697,7 +2697,7 @@
           <a:p>
             <a:fld id="{D7F135F6-2A09-4FDD-9ECA-096E230CA0FA}" type="datetimeFigureOut">
               <a:rPr lang="fr-FR" smtClean="0"/>
-              <a:t>15/07/2024</a:t>
+              <a:t>16/09/2024</a:t>
             </a:fld>
             <a:endParaRPr lang="fr-FR"/>
           </a:p>
@@ -3082,7 +3082,7 @@
           <a:p>
             <a:fld id="{D7F135F6-2A09-4FDD-9ECA-096E230CA0FA}" type="datetimeFigureOut">
               <a:rPr lang="fr-FR" smtClean="0"/>
-              <a:t>15/07/2024</a:t>
+              <a:t>16/09/2024</a:t>
             </a:fld>
             <a:endParaRPr lang="fr-FR"/>
           </a:p>
@@ -3372,7 +3372,7 @@
           <a:p>
             <a:fld id="{D7F135F6-2A09-4FDD-9ECA-096E230CA0FA}" type="datetimeFigureOut">
               <a:rPr lang="fr-FR" smtClean="0"/>
-              <a:t>15/07/2024</a:t>
+              <a:t>16/09/2024</a:t>
             </a:fld>
             <a:endParaRPr lang="fr-FR" dirty="0"/>
           </a:p>
@@ -13878,7 +13878,7 @@
         </p:blipFill>
         <p:spPr>
           <a:xfrm>
-            <a:off x="498044" y="3446765"/>
+            <a:off x="167257" y="3630979"/>
             <a:ext cx="360000" cy="360000"/>
           </a:xfrm>
           <a:prstGeom prst="rect">
@@ -16641,6 +16641,199 @@
           </p:sp>
         </mc:Fallback>
       </mc:AlternateContent>
+      <p:cxnSp>
+        <p:nvCxnSpPr>
+          <p:cNvPr id="3" name="Connecteur droit avec flèche 2">
+            <a:extLst>
+              <a:ext uri="{FF2B5EF4-FFF2-40B4-BE49-F238E27FC236}">
+                <a16:creationId xmlns:a16="http://schemas.microsoft.com/office/drawing/2014/main" id="{ECDCE430-8170-2CE6-4A26-C936D08494C1}"/>
+              </a:ext>
+            </a:extLst>
+          </p:cNvPr>
+          <p:cNvCxnSpPr>
+            <a:cxnSpLocks/>
+          </p:cNvCxnSpPr>
+          <p:nvPr/>
+        </p:nvCxnSpPr>
+        <p:spPr>
+          <a:xfrm flipV="1">
+            <a:off x="344679" y="3599566"/>
+            <a:ext cx="720000" cy="1536"/>
+          </a:xfrm>
+          <a:prstGeom prst="straightConnector1">
+            <a:avLst/>
+          </a:prstGeom>
+          <a:ln w="25400" cap="rnd">
+            <a:solidFill>
+              <a:srgbClr val="FDAD57"/>
+            </a:solidFill>
+            <a:tailEnd type="triangle" w="med" len="lg"/>
+          </a:ln>
+        </p:spPr>
+        <p:style>
+          <a:lnRef idx="1">
+            <a:schemeClr val="accent1"/>
+          </a:lnRef>
+          <a:fillRef idx="0">
+            <a:schemeClr val="accent1"/>
+          </a:fillRef>
+          <a:effectRef idx="0">
+            <a:schemeClr val="accent1"/>
+          </a:effectRef>
+          <a:fontRef idx="minor">
+            <a:schemeClr val="tx1"/>
+          </a:fontRef>
+        </p:style>
+      </p:cxnSp>
+      <p:graphicFrame>
+        <p:nvGraphicFramePr>
+          <p:cNvPr id="5" name="Tableau 4">
+            <a:extLst>
+              <a:ext uri="{FF2B5EF4-FFF2-40B4-BE49-F238E27FC236}">
+                <a16:creationId xmlns:a16="http://schemas.microsoft.com/office/drawing/2014/main" id="{49F70887-3D42-3E84-4AFF-0CF8A5AD22FC}"/>
+              </a:ext>
+            </a:extLst>
+          </p:cNvPr>
+          <p:cNvGraphicFramePr>
+            <a:graphicFrameLocks noGrp="1"/>
+          </p:cNvGraphicFramePr>
+          <p:nvPr>
+            <p:extLst>
+              <p:ext uri="{D42A27DB-BD31-4B8C-83A1-F6EECF244321}">
+                <p14:modId xmlns:p14="http://schemas.microsoft.com/office/powerpoint/2010/main" val="2310169808"/>
+              </p:ext>
+            </p:extLst>
+          </p:nvPr>
+        </p:nvGraphicFramePr>
+        <p:xfrm>
+          <a:off x="9213532" y="1012526"/>
+          <a:ext cx="2911030" cy="914400"/>
+        </p:xfrm>
+        <a:graphic>
+          <a:graphicData uri="http://schemas.openxmlformats.org/drawingml/2006/table">
+            <a:tbl>
+              <a:tblPr firstRow="1" bandRow="1">
+                <a:tableStyleId>{5C22544A-7EE6-4342-B048-85BDC9FD1C3A}</a:tableStyleId>
+              </a:tblPr>
+              <a:tblGrid>
+                <a:gridCol w="1455515">
+                  <a:extLst>
+                    <a:ext uri="{9D8B030D-6E8A-4147-A177-3AD203B41FA5}">
+                      <a16:colId xmlns:a16="http://schemas.microsoft.com/office/drawing/2014/main" val="1976441781"/>
+                    </a:ext>
+                  </a:extLst>
+                </a:gridCol>
+                <a:gridCol w="1455515">
+                  <a:extLst>
+                    <a:ext uri="{9D8B030D-6E8A-4147-A177-3AD203B41FA5}">
+                      <a16:colId xmlns:a16="http://schemas.microsoft.com/office/drawing/2014/main" val="1365729874"/>
+                    </a:ext>
+                  </a:extLst>
+                </a:gridCol>
+              </a:tblGrid>
+              <a:tr h="275858">
+                <a:tc>
+                  <a:txBody>
+                    <a:bodyPr/>
+                    <a:lstStyle/>
+                    <a:p>
+                      <a:r>
+                        <a:rPr lang="fr-FR" sz="1400" dirty="0"/>
+                        <a:t>FLUX</a:t>
+                      </a:r>
+                    </a:p>
+                  </a:txBody>
+                  <a:tcPr/>
+                </a:tc>
+                <a:tc>
+                  <a:txBody>
+                    <a:bodyPr/>
+                    <a:lstStyle/>
+                    <a:p>
+                      <a:r>
+                        <a:rPr lang="fr-FR" sz="1400" dirty="0"/>
+                        <a:t>EFFORT</a:t>
+                      </a:r>
+                    </a:p>
+                  </a:txBody>
+                  <a:tcPr/>
+                </a:tc>
+                <a:extLst>
+                  <a:ext uri="{0D108BD9-81ED-4DB2-BD59-A6C34878D82A}">
+                    <a16:rowId xmlns:a16="http://schemas.microsoft.com/office/drawing/2014/main" val="3182012259"/>
+                  </a:ext>
+                </a:extLst>
+              </a:tr>
+              <a:tr h="275858">
+                <a:tc>
+                  <a:txBody>
+                    <a:bodyPr/>
+                    <a:lstStyle/>
+                    <a:p>
+                      <a:r>
+                        <a:rPr lang="fr-FR" sz="1400" dirty="0"/>
+                        <a:t>Courant</a:t>
+                      </a:r>
+                    </a:p>
+                  </a:txBody>
+                  <a:tcPr/>
+                </a:tc>
+                <a:tc>
+                  <a:txBody>
+                    <a:bodyPr/>
+                    <a:lstStyle/>
+                    <a:p>
+                      <a:r>
+                        <a:rPr lang="fr-FR" sz="1400" dirty="0"/>
+                        <a:t>Tension</a:t>
+                      </a:r>
+                    </a:p>
+                  </a:txBody>
+                  <a:tcPr/>
+                </a:tc>
+                <a:extLst>
+                  <a:ext uri="{0D108BD9-81ED-4DB2-BD59-A6C34878D82A}">
+                    <a16:rowId xmlns:a16="http://schemas.microsoft.com/office/drawing/2014/main" val="3627856586"/>
+                  </a:ext>
+                </a:extLst>
+              </a:tr>
+              <a:tr h="275858">
+                <a:tc>
+                  <a:txBody>
+                    <a:bodyPr/>
+                    <a:lstStyle/>
+                    <a:p>
+                      <a:r>
+                        <a:rPr lang="fr-FR" sz="1400" dirty="0"/>
+                        <a:t>Vitesse</a:t>
+                      </a:r>
+                    </a:p>
+                  </a:txBody>
+                  <a:tcPr/>
+                </a:tc>
+                <a:tc>
+                  <a:txBody>
+                    <a:bodyPr/>
+                    <a:lstStyle/>
+                    <a:p>
+                      <a:r>
+                        <a:rPr lang="fr-FR" sz="1400" dirty="0"/>
+                        <a:t>Couple</a:t>
+                      </a:r>
+                    </a:p>
+                  </a:txBody>
+                  <a:tcPr/>
+                </a:tc>
+                <a:extLst>
+                  <a:ext uri="{0D108BD9-81ED-4DB2-BD59-A6C34878D82A}">
+                    <a16:rowId xmlns:a16="http://schemas.microsoft.com/office/drawing/2014/main" val="3693268287"/>
+                  </a:ext>
+                </a:extLst>
+              </a:tr>
+            </a:tbl>
+          </a:graphicData>
+        </a:graphic>
+      </p:graphicFrame>
     </p:spTree>
     <p:extLst>
       <p:ext uri="{BB962C8B-B14F-4D97-AF65-F5344CB8AC3E}">

--- a/12_MCC/12_MCC_Corrige.pptx
+++ b/12_MCC/12_MCC_Corrige.pptx
@@ -8,17 +8,18 @@
     <p:sldId id="256" r:id="rId2"/>
     <p:sldId id="268" r:id="rId3"/>
     <p:sldId id="265" r:id="rId4"/>
-    <p:sldId id="269" r:id="rId5"/>
-    <p:sldId id="266" r:id="rId6"/>
-    <p:sldId id="267" r:id="rId7"/>
-    <p:sldId id="270" r:id="rId8"/>
-    <p:sldId id="271" r:id="rId9"/>
-    <p:sldId id="272" r:id="rId10"/>
-    <p:sldId id="273" r:id="rId11"/>
-    <p:sldId id="277" r:id="rId12"/>
-    <p:sldId id="275" r:id="rId13"/>
-    <p:sldId id="274" r:id="rId14"/>
-    <p:sldId id="276" r:id="rId15"/>
+    <p:sldId id="278" r:id="rId5"/>
+    <p:sldId id="269" r:id="rId6"/>
+    <p:sldId id="266" r:id="rId7"/>
+    <p:sldId id="267" r:id="rId8"/>
+    <p:sldId id="270" r:id="rId9"/>
+    <p:sldId id="271" r:id="rId10"/>
+    <p:sldId id="272" r:id="rId11"/>
+    <p:sldId id="273" r:id="rId12"/>
+    <p:sldId id="277" r:id="rId13"/>
+    <p:sldId id="275" r:id="rId14"/>
+    <p:sldId id="274" r:id="rId15"/>
+    <p:sldId id="276" r:id="rId16"/>
   </p:sldIdLst>
   <p:sldSz cx="12192000" cy="6858000"/>
   <p:notesSz cx="6858000" cy="9144000"/>
@@ -365,7 +366,7 @@
           <a:p>
             <a:fld id="{D7F135F6-2A09-4FDD-9ECA-096E230CA0FA}" type="datetimeFigureOut">
               <a:rPr lang="fr-FR" smtClean="0"/>
-              <a:t>16/09/2024</a:t>
+              <a:t>20/09/2024</a:t>
             </a:fld>
             <a:endParaRPr lang="fr-FR"/>
           </a:p>
@@ -570,7 +571,7 @@
           <a:p>
             <a:fld id="{D7F135F6-2A09-4FDD-9ECA-096E230CA0FA}" type="datetimeFigureOut">
               <a:rPr lang="fr-FR" smtClean="0"/>
-              <a:t>16/09/2024</a:t>
+              <a:t>20/09/2024</a:t>
             </a:fld>
             <a:endParaRPr lang="fr-FR"/>
           </a:p>
@@ -826,7 +827,7 @@
           <a:p>
             <a:fld id="{D7F135F6-2A09-4FDD-9ECA-096E230CA0FA}" type="datetimeFigureOut">
               <a:rPr lang="fr-FR" smtClean="0"/>
-              <a:t>16/09/2024</a:t>
+              <a:t>20/09/2024</a:t>
             </a:fld>
             <a:endParaRPr lang="fr-FR"/>
           </a:p>
@@ -1032,7 +1033,7 @@
           <a:p>
             <a:fld id="{D7F135F6-2A09-4FDD-9ECA-096E230CA0FA}" type="datetimeFigureOut">
               <a:rPr lang="fr-FR" smtClean="0"/>
-              <a:t>16/09/2024</a:t>
+              <a:t>20/09/2024</a:t>
             </a:fld>
             <a:endParaRPr lang="fr-FR"/>
           </a:p>
@@ -1394,7 +1395,7 @@
           <a:p>
             <a:fld id="{D7F135F6-2A09-4FDD-9ECA-096E230CA0FA}" type="datetimeFigureOut">
               <a:rPr lang="fr-FR" smtClean="0"/>
-              <a:t>16/09/2024</a:t>
+              <a:t>20/09/2024</a:t>
             </a:fld>
             <a:endParaRPr lang="fr-FR"/>
           </a:p>
@@ -1669,7 +1670,7 @@
           <a:p>
             <a:fld id="{D7F135F6-2A09-4FDD-9ECA-096E230CA0FA}" type="datetimeFigureOut">
               <a:rPr lang="fr-FR" smtClean="0"/>
-              <a:t>16/09/2024</a:t>
+              <a:t>20/09/2024</a:t>
             </a:fld>
             <a:endParaRPr lang="fr-FR"/>
           </a:p>
@@ -2048,7 +2049,7 @@
           <a:p>
             <a:fld id="{D7F135F6-2A09-4FDD-9ECA-096E230CA0FA}" type="datetimeFigureOut">
               <a:rPr lang="fr-FR" smtClean="0"/>
-              <a:t>16/09/2024</a:t>
+              <a:t>20/09/2024</a:t>
             </a:fld>
             <a:endParaRPr lang="fr-FR"/>
           </a:p>
@@ -2166,7 +2167,7 @@
           <a:p>
             <a:fld id="{D7F135F6-2A09-4FDD-9ECA-096E230CA0FA}" type="datetimeFigureOut">
               <a:rPr lang="fr-FR" smtClean="0"/>
-              <a:t>16/09/2024</a:t>
+              <a:t>20/09/2024</a:t>
             </a:fld>
             <a:endParaRPr lang="fr-FR"/>
           </a:p>
@@ -2340,7 +2341,7 @@
           <a:p>
             <a:fld id="{D7F135F6-2A09-4FDD-9ECA-096E230CA0FA}" type="datetimeFigureOut">
               <a:rPr lang="fr-FR" smtClean="0"/>
-              <a:t>16/09/2024</a:t>
+              <a:t>20/09/2024</a:t>
             </a:fld>
             <a:endParaRPr lang="fr-FR"/>
           </a:p>
@@ -2697,7 +2698,7 @@
           <a:p>
             <a:fld id="{D7F135F6-2A09-4FDD-9ECA-096E230CA0FA}" type="datetimeFigureOut">
               <a:rPr lang="fr-FR" smtClean="0"/>
-              <a:t>16/09/2024</a:t>
+              <a:t>20/09/2024</a:t>
             </a:fld>
             <a:endParaRPr lang="fr-FR"/>
           </a:p>
@@ -3082,7 +3083,7 @@
           <a:p>
             <a:fld id="{D7F135F6-2A09-4FDD-9ECA-096E230CA0FA}" type="datetimeFigureOut">
               <a:rPr lang="fr-FR" smtClean="0"/>
-              <a:t>16/09/2024</a:t>
+              <a:t>20/09/2024</a:t>
             </a:fld>
             <a:endParaRPr lang="fr-FR"/>
           </a:p>
@@ -3372,7 +3373,7 @@
           <a:p>
             <a:fld id="{D7F135F6-2A09-4FDD-9ECA-096E230CA0FA}" type="datetimeFigureOut">
               <a:rPr lang="fr-FR" smtClean="0"/>
-              <a:t>16/09/2024</a:t>
+              <a:t>20/09/2024</a:t>
             </a:fld>
             <a:endParaRPr lang="fr-FR" dirty="0"/>
           </a:p>
@@ -4013,6 +4014,93 @@
           <p:cNvPr id="2" name="Titre 1">
             <a:extLst>
               <a:ext uri="{FF2B5EF4-FFF2-40B4-BE49-F238E27FC236}">
+                <a16:creationId xmlns:a16="http://schemas.microsoft.com/office/drawing/2014/main" id="{4FFCC137-1122-D560-0D68-557CE5B0FC3C}"/>
+              </a:ext>
+            </a:extLst>
+          </p:cNvPr>
+          <p:cNvSpPr>
+            <a:spLocks noGrp="1"/>
+          </p:cNvSpPr>
+          <p:nvPr>
+            <p:ph type="title"/>
+          </p:nvPr>
+        </p:nvSpPr>
+        <p:spPr/>
+        <p:txBody>
+          <a:bodyPr/>
+          <a:lstStyle/>
+          <a:p>
+            <a:endParaRPr lang="fr-FR"/>
+          </a:p>
+        </p:txBody>
+      </p:sp>
+      <p:pic>
+        <p:nvPicPr>
+          <p:cNvPr id="4" name="Espace réservé du contenu 3">
+            <a:extLst>
+              <a:ext uri="{FF2B5EF4-FFF2-40B4-BE49-F238E27FC236}">
+                <a16:creationId xmlns:a16="http://schemas.microsoft.com/office/drawing/2014/main" id="{4FB85A4B-A498-835F-4375-7B2F278EBFD5}"/>
+              </a:ext>
+            </a:extLst>
+          </p:cNvPr>
+          <p:cNvPicPr>
+            <a:picLocks noGrp="1" noChangeAspect="1"/>
+          </p:cNvPicPr>
+          <p:nvPr>
+            <p:ph idx="1"/>
+          </p:nvPr>
+        </p:nvPicPr>
+        <p:blipFill>
+          <a:blip r:embed="rId2"/>
+          <a:stretch>
+            <a:fillRect/>
+          </a:stretch>
+        </p:blipFill>
+        <p:spPr>
+          <a:xfrm>
+            <a:off x="2262630" y="982663"/>
+            <a:ext cx="7666740" cy="5253037"/>
+          </a:xfrm>
+          <a:prstGeom prst="rect">
+            <a:avLst/>
+          </a:prstGeom>
+        </p:spPr>
+      </p:pic>
+    </p:spTree>
+    <p:extLst>
+      <p:ext uri="{BB962C8B-B14F-4D97-AF65-F5344CB8AC3E}">
+        <p14:creationId xmlns:p14="http://schemas.microsoft.com/office/powerpoint/2010/main" val="857260369"/>
+      </p:ext>
+    </p:extLst>
+  </p:cSld>
+  <p:clrMapOvr>
+    <a:masterClrMapping/>
+  </p:clrMapOvr>
+</p:sld>
+</file>
+
+<file path=ppt/slides/slide11.xml><?xml version="1.0" encoding="utf-8"?>
+<p:sld xmlns:a="http://schemas.openxmlformats.org/drawingml/2006/main" xmlns:r="http://schemas.openxmlformats.org/officeDocument/2006/relationships" xmlns:p="http://schemas.openxmlformats.org/presentationml/2006/main">
+  <p:cSld>
+    <p:spTree>
+      <p:nvGrpSpPr>
+        <p:cNvPr id="1" name=""/>
+        <p:cNvGrpSpPr/>
+        <p:nvPr/>
+      </p:nvGrpSpPr>
+      <p:grpSpPr>
+        <a:xfrm>
+          <a:off x="0" y="0"/>
+          <a:ext cx="0" cy="0"/>
+          <a:chOff x="0" y="0"/>
+          <a:chExt cx="0" cy="0"/>
+        </a:xfrm>
+      </p:grpSpPr>
+      <p:sp>
+        <p:nvSpPr>
+          <p:cNvPr id="2" name="Titre 1">
+            <a:extLst>
+              <a:ext uri="{FF2B5EF4-FFF2-40B4-BE49-F238E27FC236}">
                 <a16:creationId xmlns:a16="http://schemas.microsoft.com/office/drawing/2014/main" id="{F61EEEFA-28F7-960D-F17B-89AA7E3A7274}"/>
               </a:ext>
             </a:extLst>
@@ -4229,7 +4317,7 @@
 </p:sld>
 </file>
 
-<file path=ppt/slides/slide11.xml><?xml version="1.0" encoding="utf-8"?>
+<file path=ppt/slides/slide12.xml><?xml version="1.0" encoding="utf-8"?>
 <p:sld xmlns:a="http://schemas.openxmlformats.org/drawingml/2006/main" xmlns:r="http://schemas.openxmlformats.org/officeDocument/2006/relationships" xmlns:p="http://schemas.openxmlformats.org/presentationml/2006/main">
   <p:cSld>
     <p:spTree>
@@ -4309,7 +4397,7 @@
 </p:sld>
 </file>
 
-<file path=ppt/slides/slide12.xml><?xml version="1.0" encoding="utf-8"?>
+<file path=ppt/slides/slide13.xml><?xml version="1.0" encoding="utf-8"?>
 <p:sld xmlns:a="http://schemas.openxmlformats.org/drawingml/2006/main" xmlns:r="http://schemas.openxmlformats.org/officeDocument/2006/relationships" xmlns:p="http://schemas.openxmlformats.org/presentationml/2006/main">
   <p:cSld>
     <p:spTree>
@@ -4401,7 +4489,7 @@
 </p:sld>
 </file>
 
-<file path=ppt/slides/slide13.xml><?xml version="1.0" encoding="utf-8"?>
+<file path=ppt/slides/slide14.xml><?xml version="1.0" encoding="utf-8"?>
 <p:sld xmlns:a="http://schemas.openxmlformats.org/drawingml/2006/main" xmlns:r="http://schemas.openxmlformats.org/officeDocument/2006/relationships" xmlns:p="http://schemas.openxmlformats.org/presentationml/2006/main">
   <p:cSld>
     <p:spTree>
@@ -6268,7 +6356,7 @@
 </p:sld>
 </file>
 
-<file path=ppt/slides/slide14.xml><?xml version="1.0" encoding="utf-8"?>
+<file path=ppt/slides/slide15.xml><?xml version="1.0" encoding="utf-8"?>
 <p:sld xmlns:a="http://schemas.openxmlformats.org/drawingml/2006/main" xmlns:r="http://schemas.openxmlformats.org/officeDocument/2006/relationships" xmlns:p="http://schemas.openxmlformats.org/presentationml/2006/main">
   <p:cSld>
     <p:spTree>
@@ -12416,6 +12504,86 @@
           <p:cNvPr id="2" name="Titre 1">
             <a:extLst>
               <a:ext uri="{FF2B5EF4-FFF2-40B4-BE49-F238E27FC236}">
+                <a16:creationId xmlns:a16="http://schemas.microsoft.com/office/drawing/2014/main" id="{737D1A15-37C8-9733-A118-6FD57162EB73}"/>
+              </a:ext>
+            </a:extLst>
+          </p:cNvPr>
+          <p:cNvSpPr>
+            <a:spLocks noGrp="1"/>
+          </p:cNvSpPr>
+          <p:nvPr>
+            <p:ph type="title"/>
+          </p:nvPr>
+        </p:nvSpPr>
+        <p:spPr/>
+        <p:txBody>
+          <a:bodyPr/>
+          <a:lstStyle/>
+          <a:p>
+            <a:endParaRPr lang="fr-FR" dirty="0"/>
+          </a:p>
+        </p:txBody>
+      </p:sp>
+      <p:sp>
+        <p:nvSpPr>
+          <p:cNvPr id="3" name="Espace réservé du contenu 2">
+            <a:extLst>
+              <a:ext uri="{FF2B5EF4-FFF2-40B4-BE49-F238E27FC236}">
+                <a16:creationId xmlns:a16="http://schemas.microsoft.com/office/drawing/2014/main" id="{783FFAC1-0CEA-8EE5-074B-FC0B1434B444}"/>
+              </a:ext>
+            </a:extLst>
+          </p:cNvPr>
+          <p:cNvSpPr>
+            <a:spLocks noGrp="1"/>
+          </p:cNvSpPr>
+          <p:nvPr>
+            <p:ph idx="1"/>
+          </p:nvPr>
+        </p:nvSpPr>
+        <p:spPr/>
+        <p:txBody>
+          <a:bodyPr/>
+          <a:lstStyle/>
+          <a:p>
+            <a:endParaRPr lang="fr-FR"/>
+          </a:p>
+        </p:txBody>
+      </p:sp>
+    </p:spTree>
+    <p:extLst>
+      <p:ext uri="{BB962C8B-B14F-4D97-AF65-F5344CB8AC3E}">
+        <p14:creationId xmlns:p14="http://schemas.microsoft.com/office/powerpoint/2010/main" val="2957378157"/>
+      </p:ext>
+    </p:extLst>
+  </p:cSld>
+  <p:clrMapOvr>
+    <a:masterClrMapping/>
+  </p:clrMapOvr>
+</p:sld>
+</file>
+
+<file path=ppt/slides/slide5.xml><?xml version="1.0" encoding="utf-8"?>
+<p:sld xmlns:a="http://schemas.openxmlformats.org/drawingml/2006/main" xmlns:r="http://schemas.openxmlformats.org/officeDocument/2006/relationships" xmlns:p="http://schemas.openxmlformats.org/presentationml/2006/main">
+  <p:cSld>
+    <p:spTree>
+      <p:nvGrpSpPr>
+        <p:cNvPr id="1" name=""/>
+        <p:cNvGrpSpPr/>
+        <p:nvPr/>
+      </p:nvGrpSpPr>
+      <p:grpSpPr>
+        <a:xfrm>
+          <a:off x="0" y="0"/>
+          <a:ext cx="0" cy="0"/>
+          <a:chOff x="0" y="0"/>
+          <a:chExt cx="0" cy="0"/>
+        </a:xfrm>
+      </p:grpSpPr>
+      <p:sp>
+        <p:nvSpPr>
+          <p:cNvPr id="2" name="Titre 1">
+            <a:extLst>
+              <a:ext uri="{FF2B5EF4-FFF2-40B4-BE49-F238E27FC236}">
                 <a16:creationId xmlns:a16="http://schemas.microsoft.com/office/drawing/2014/main" id="{393DAB49-EF4F-85D1-4097-4ADC5528E6B9}"/>
               </a:ext>
             </a:extLst>
@@ -12480,7 +12648,7 @@
 </p:sld>
 </file>
 
-<file path=ppt/slides/slide5.xml><?xml version="1.0" encoding="utf-8"?>
+<file path=ppt/slides/slide6.xml><?xml version="1.0" encoding="utf-8"?>
 <p:sld xmlns:a="http://schemas.openxmlformats.org/drawingml/2006/main" xmlns:r="http://schemas.openxmlformats.org/officeDocument/2006/relationships" xmlns:p="http://schemas.openxmlformats.org/presentationml/2006/main">
   <p:cSld>
     <p:spTree>
@@ -12570,7 +12738,7 @@
 </p:sld>
 </file>
 
-<file path=ppt/slides/slide6.xml><?xml version="1.0" encoding="utf-8"?>
+<file path=ppt/slides/slide7.xml><?xml version="1.0" encoding="utf-8"?>
 <p:sld xmlns:a="http://schemas.openxmlformats.org/drawingml/2006/main" xmlns:r="http://schemas.openxmlformats.org/officeDocument/2006/relationships" xmlns:p="http://schemas.openxmlformats.org/presentationml/2006/main">
   <p:cSld>
     <p:spTree>
@@ -16847,7 +17015,7 @@
 </p:sld>
 </file>
 
-<file path=ppt/slides/slide7.xml><?xml version="1.0" encoding="utf-8"?>
+<file path=ppt/slides/slide8.xml><?xml version="1.0" encoding="utf-8"?>
 <p:sld xmlns:a="http://schemas.openxmlformats.org/drawingml/2006/main" xmlns:r="http://schemas.openxmlformats.org/officeDocument/2006/relationships" xmlns:p="http://schemas.openxmlformats.org/presentationml/2006/main">
   <p:cSld>
     <p:spTree>
@@ -17167,7 +17335,7 @@
 </p:sld>
 </file>
 
-<file path=ppt/slides/slide8.xml><?xml version="1.0" encoding="utf-8"?>
+<file path=ppt/slides/slide9.xml><?xml version="1.0" encoding="utf-8"?>
 <p:sld xmlns:a="http://schemas.openxmlformats.org/drawingml/2006/main" xmlns:r="http://schemas.openxmlformats.org/officeDocument/2006/relationships" xmlns:p="http://schemas.openxmlformats.org/presentationml/2006/main">
   <p:cSld>
     <p:spTree>
@@ -17734,93 +17902,6 @@
 </p:sld>
 </file>
 
-<file path=ppt/slides/slide9.xml><?xml version="1.0" encoding="utf-8"?>
-<p:sld xmlns:a="http://schemas.openxmlformats.org/drawingml/2006/main" xmlns:r="http://schemas.openxmlformats.org/officeDocument/2006/relationships" xmlns:p="http://schemas.openxmlformats.org/presentationml/2006/main">
-  <p:cSld>
-    <p:spTree>
-      <p:nvGrpSpPr>
-        <p:cNvPr id="1" name=""/>
-        <p:cNvGrpSpPr/>
-        <p:nvPr/>
-      </p:nvGrpSpPr>
-      <p:grpSpPr>
-        <a:xfrm>
-          <a:off x="0" y="0"/>
-          <a:ext cx="0" cy="0"/>
-          <a:chOff x="0" y="0"/>
-          <a:chExt cx="0" cy="0"/>
-        </a:xfrm>
-      </p:grpSpPr>
-      <p:sp>
-        <p:nvSpPr>
-          <p:cNvPr id="2" name="Titre 1">
-            <a:extLst>
-              <a:ext uri="{FF2B5EF4-FFF2-40B4-BE49-F238E27FC236}">
-                <a16:creationId xmlns:a16="http://schemas.microsoft.com/office/drawing/2014/main" id="{4FFCC137-1122-D560-0D68-557CE5B0FC3C}"/>
-              </a:ext>
-            </a:extLst>
-          </p:cNvPr>
-          <p:cNvSpPr>
-            <a:spLocks noGrp="1"/>
-          </p:cNvSpPr>
-          <p:nvPr>
-            <p:ph type="title"/>
-          </p:nvPr>
-        </p:nvSpPr>
-        <p:spPr/>
-        <p:txBody>
-          <a:bodyPr/>
-          <a:lstStyle/>
-          <a:p>
-            <a:endParaRPr lang="fr-FR"/>
-          </a:p>
-        </p:txBody>
-      </p:sp>
-      <p:pic>
-        <p:nvPicPr>
-          <p:cNvPr id="4" name="Espace réservé du contenu 3">
-            <a:extLst>
-              <a:ext uri="{FF2B5EF4-FFF2-40B4-BE49-F238E27FC236}">
-                <a16:creationId xmlns:a16="http://schemas.microsoft.com/office/drawing/2014/main" id="{4FB85A4B-A498-835F-4375-7B2F278EBFD5}"/>
-              </a:ext>
-            </a:extLst>
-          </p:cNvPr>
-          <p:cNvPicPr>
-            <a:picLocks noGrp="1" noChangeAspect="1"/>
-          </p:cNvPicPr>
-          <p:nvPr>
-            <p:ph idx="1"/>
-          </p:nvPr>
-        </p:nvPicPr>
-        <p:blipFill>
-          <a:blip r:embed="rId2"/>
-          <a:stretch>
-            <a:fillRect/>
-          </a:stretch>
-        </p:blipFill>
-        <p:spPr>
-          <a:xfrm>
-            <a:off x="2262630" y="982663"/>
-            <a:ext cx="7666740" cy="5253037"/>
-          </a:xfrm>
-          <a:prstGeom prst="rect">
-            <a:avLst/>
-          </a:prstGeom>
-        </p:spPr>
-      </p:pic>
-    </p:spTree>
-    <p:extLst>
-      <p:ext uri="{BB962C8B-B14F-4D97-AF65-F5344CB8AC3E}">
-        <p14:creationId xmlns:p14="http://schemas.microsoft.com/office/powerpoint/2010/main" val="857260369"/>
-      </p:ext>
-    </p:extLst>
-  </p:cSld>
-  <p:clrMapOvr>
-    <a:masterClrMapping/>
-  </p:clrMapOvr>
-</p:sld>
-</file>
-
 <file path=ppt/theme/theme1.xml><?xml version="1.0" encoding="utf-8"?>
 <a:theme xmlns:a="http://schemas.openxmlformats.org/drawingml/2006/main" name="Rétrospective">
   <a:themeElements>
